--- a/documents/Grafiken.pptx
+++ b/documents/Grafiken.pptx
@@ -6,7 +6,9 @@
   </p:sldMasterIdLst>
   <p:sldIdLst>
     <p:sldId id="258" r:id="rId2"/>
-    <p:sldId id="261" r:id="rId3"/>
+    <p:sldId id="262" r:id="rId3"/>
+    <p:sldId id="261" r:id="rId4"/>
+    <p:sldId id="263" r:id="rId5"/>
   </p:sldIdLst>
   <p:sldSz cx="12192000" cy="6858000"/>
   <p:notesSz cx="6858000" cy="9144000"/>
@@ -260,7 +262,7 @@
           <a:p>
             <a:fld id="{0F313B5F-B820-CB45-88DA-20EDD2BDF1CB}" type="datetimeFigureOut">
               <a:rPr lang="de-DE" smtClean="0"/>
-              <a:t>11.09.24</a:t>
+              <a:t>31.10.24</a:t>
             </a:fld>
             <a:endParaRPr lang="de-DE"/>
           </a:p>
@@ -458,7 +460,7 @@
           <a:p>
             <a:fld id="{0F313B5F-B820-CB45-88DA-20EDD2BDF1CB}" type="datetimeFigureOut">
               <a:rPr lang="de-DE" smtClean="0"/>
-              <a:t>11.09.24</a:t>
+              <a:t>31.10.24</a:t>
             </a:fld>
             <a:endParaRPr lang="de-DE"/>
           </a:p>
@@ -666,7 +668,7 @@
           <a:p>
             <a:fld id="{0F313B5F-B820-CB45-88DA-20EDD2BDF1CB}" type="datetimeFigureOut">
               <a:rPr lang="de-DE" smtClean="0"/>
-              <a:t>11.09.24</a:t>
+              <a:t>31.10.24</a:t>
             </a:fld>
             <a:endParaRPr lang="de-DE"/>
           </a:p>
@@ -864,7 +866,7 @@
           <a:p>
             <a:fld id="{0F313B5F-B820-CB45-88DA-20EDD2BDF1CB}" type="datetimeFigureOut">
               <a:rPr lang="de-DE" smtClean="0"/>
-              <a:t>11.09.24</a:t>
+              <a:t>31.10.24</a:t>
             </a:fld>
             <a:endParaRPr lang="de-DE"/>
           </a:p>
@@ -1139,7 +1141,7 @@
           <a:p>
             <a:fld id="{0F313B5F-B820-CB45-88DA-20EDD2BDF1CB}" type="datetimeFigureOut">
               <a:rPr lang="de-DE" smtClean="0"/>
-              <a:t>11.09.24</a:t>
+              <a:t>31.10.24</a:t>
             </a:fld>
             <a:endParaRPr lang="de-DE"/>
           </a:p>
@@ -1404,7 +1406,7 @@
           <a:p>
             <a:fld id="{0F313B5F-B820-CB45-88DA-20EDD2BDF1CB}" type="datetimeFigureOut">
               <a:rPr lang="de-DE" smtClean="0"/>
-              <a:t>11.09.24</a:t>
+              <a:t>31.10.24</a:t>
             </a:fld>
             <a:endParaRPr lang="de-DE"/>
           </a:p>
@@ -1816,7 +1818,7 @@
           <a:p>
             <a:fld id="{0F313B5F-B820-CB45-88DA-20EDD2BDF1CB}" type="datetimeFigureOut">
               <a:rPr lang="de-DE" smtClean="0"/>
-              <a:t>11.09.24</a:t>
+              <a:t>31.10.24</a:t>
             </a:fld>
             <a:endParaRPr lang="de-DE"/>
           </a:p>
@@ -1957,7 +1959,7 @@
           <a:p>
             <a:fld id="{0F313B5F-B820-CB45-88DA-20EDD2BDF1CB}" type="datetimeFigureOut">
               <a:rPr lang="de-DE" smtClean="0"/>
-              <a:t>11.09.24</a:t>
+              <a:t>31.10.24</a:t>
             </a:fld>
             <a:endParaRPr lang="de-DE"/>
           </a:p>
@@ -2070,7 +2072,7 @@
           <a:p>
             <a:fld id="{0F313B5F-B820-CB45-88DA-20EDD2BDF1CB}" type="datetimeFigureOut">
               <a:rPr lang="de-DE" smtClean="0"/>
-              <a:t>11.09.24</a:t>
+              <a:t>31.10.24</a:t>
             </a:fld>
             <a:endParaRPr lang="de-DE"/>
           </a:p>
@@ -2381,7 +2383,7 @@
           <a:p>
             <a:fld id="{0F313B5F-B820-CB45-88DA-20EDD2BDF1CB}" type="datetimeFigureOut">
               <a:rPr lang="de-DE" smtClean="0"/>
-              <a:t>11.09.24</a:t>
+              <a:t>31.10.24</a:t>
             </a:fld>
             <a:endParaRPr lang="de-DE"/>
           </a:p>
@@ -2669,7 +2671,7 @@
           <a:p>
             <a:fld id="{0F313B5F-B820-CB45-88DA-20EDD2BDF1CB}" type="datetimeFigureOut">
               <a:rPr lang="de-DE" smtClean="0"/>
-              <a:t>11.09.24</a:t>
+              <a:t>31.10.24</a:t>
             </a:fld>
             <a:endParaRPr lang="de-DE"/>
           </a:p>
@@ -2910,7 +2912,7 @@
           <a:p>
             <a:fld id="{0F313B5F-B820-CB45-88DA-20EDD2BDF1CB}" type="datetimeFigureOut">
               <a:rPr lang="de-DE" smtClean="0"/>
-              <a:t>11.09.24</a:t>
+              <a:t>31.10.24</a:t>
             </a:fld>
             <a:endParaRPr lang="de-DE"/>
           </a:p>
@@ -5360,6 +5362,3105 @@
   <p:cSld>
     <p:spTree>
       <p:nvGrpSpPr>
+        <p:cNvPr id="1" name="">
+          <a:extLst>
+            <a:ext uri="{FF2B5EF4-FFF2-40B4-BE49-F238E27FC236}">
+              <a16:creationId xmlns:a16="http://schemas.microsoft.com/office/drawing/2014/main" id="{4BE908D0-CF49-0FB2-9B18-56A101D49F63}"/>
+            </a:ext>
+          </a:extLst>
+        </p:cNvPr>
+        <p:cNvGrpSpPr/>
+        <p:nvPr/>
+      </p:nvGrpSpPr>
+      <p:grpSpPr>
+        <a:xfrm>
+          <a:off x="0" y="0"/>
+          <a:ext cx="0" cy="0"/>
+          <a:chOff x="0" y="0"/>
+          <a:chExt cx="0" cy="0"/>
+        </a:xfrm>
+      </p:grpSpPr>
+      <p:pic>
+        <p:nvPicPr>
+          <p:cNvPr id="17" name="Grafik 16" descr="Dokument mit einfarbiger Füllung">
+            <a:extLst>
+              <a:ext uri="{FF2B5EF4-FFF2-40B4-BE49-F238E27FC236}">
+                <a16:creationId xmlns:a16="http://schemas.microsoft.com/office/drawing/2014/main" id="{58D2D2D4-E6FE-F0CA-AF16-9C1C8FBDC564}"/>
+              </a:ext>
+            </a:extLst>
+          </p:cNvPr>
+          <p:cNvPicPr>
+            <a:picLocks noChangeAspect="1"/>
+          </p:cNvPicPr>
+          <p:nvPr/>
+        </p:nvPicPr>
+        <p:blipFill>
+          <a:blip r:embed="rId2">
+            <a:extLst>
+              <a:ext uri="{96DAC541-7B7A-43D3-8B79-37D633B846F1}">
+                <asvg:svgBlip xmlns:asvg="http://schemas.microsoft.com/office/drawing/2016/SVG/main" r:embed="rId3"/>
+              </a:ext>
+            </a:extLst>
+          </a:blip>
+          <a:stretch>
+            <a:fillRect/>
+          </a:stretch>
+        </p:blipFill>
+        <p:spPr>
+          <a:xfrm>
+            <a:off x="580810" y="1482999"/>
+            <a:ext cx="699636" cy="699636"/>
+          </a:xfrm>
+          <a:prstGeom prst="rect">
+            <a:avLst/>
+          </a:prstGeom>
+          <a:effectLst>
+            <a:outerShdw blurRad="50800" dist="38100" dir="2700000" algn="tl" rotWithShape="0">
+              <a:prstClr val="black">
+                <a:alpha val="40000"/>
+              </a:prstClr>
+            </a:outerShdw>
+          </a:effectLst>
+        </p:spPr>
+      </p:pic>
+      <p:sp>
+        <p:nvSpPr>
+          <p:cNvPr id="21" name="Textfeld 20">
+            <a:extLst>
+              <a:ext uri="{FF2B5EF4-FFF2-40B4-BE49-F238E27FC236}">
+                <a16:creationId xmlns:a16="http://schemas.microsoft.com/office/drawing/2014/main" id="{4343176D-6680-1A31-C408-C3DB8689448E}"/>
+              </a:ext>
+            </a:extLst>
+          </p:cNvPr>
+          <p:cNvSpPr txBox="1"/>
+          <p:nvPr/>
+        </p:nvSpPr>
+        <p:spPr>
+          <a:xfrm>
+            <a:off x="293311" y="2241627"/>
+            <a:ext cx="1745679" cy="646331"/>
+          </a:xfrm>
+          <a:prstGeom prst="rect">
+            <a:avLst/>
+          </a:prstGeom>
+          <a:noFill/>
+        </p:spPr>
+        <p:txBody>
+          <a:bodyPr wrap="square" rtlCol="0">
+            <a:spAutoFit/>
+          </a:bodyPr>
+          <a:lstStyle/>
+          <a:p>
+            <a:pPr algn="ctr"/>
+            <a:r>
+              <a:rPr lang="de-DE" dirty="0" err="1">
+                <a:latin typeface="Georgia" panose="02040502050405020303" pitchFamily="18" charset="0"/>
+              </a:rPr>
+              <a:t>Full</a:t>
+            </a:r>
+            <a:r>
+              <a:rPr lang="de-DE" dirty="0">
+                <a:latin typeface="Georgia" panose="02040502050405020303" pitchFamily="18" charset="0"/>
+              </a:rPr>
+              <a:t> </a:t>
+            </a:r>
+            <a:r>
+              <a:rPr lang="de-DE" dirty="0" err="1">
+                <a:latin typeface="Georgia" panose="02040502050405020303" pitchFamily="18" charset="0"/>
+              </a:rPr>
+              <a:t>Documents</a:t>
+            </a:r>
+            <a:endParaRPr lang="de-DE" dirty="0"/>
+          </a:p>
+        </p:txBody>
+      </p:sp>
+      <p:pic>
+        <p:nvPicPr>
+          <p:cNvPr id="29" name="Grafik 28" descr="Dokument mit einfarbiger Füllung">
+            <a:extLst>
+              <a:ext uri="{FF2B5EF4-FFF2-40B4-BE49-F238E27FC236}">
+                <a16:creationId xmlns:a16="http://schemas.microsoft.com/office/drawing/2014/main" id="{4F97A3C4-A30B-5FCF-D45A-F828563CEC5E}"/>
+              </a:ext>
+            </a:extLst>
+          </p:cNvPr>
+          <p:cNvPicPr>
+            <a:picLocks noChangeAspect="1"/>
+          </p:cNvPicPr>
+          <p:nvPr/>
+        </p:nvPicPr>
+        <p:blipFill>
+          <a:blip r:embed="rId2">
+            <a:alphaModFix/>
+            <a:extLst>
+              <a:ext uri="{96DAC541-7B7A-43D3-8B79-37D633B846F1}">
+                <asvg:svgBlip xmlns:asvg="http://schemas.microsoft.com/office/drawing/2016/SVG/main" r:embed="rId4"/>
+              </a:ext>
+            </a:extLst>
+          </a:blip>
+          <a:stretch>
+            <a:fillRect/>
+          </a:stretch>
+        </p:blipFill>
+        <p:spPr>
+          <a:xfrm>
+            <a:off x="1127041" y="1482999"/>
+            <a:ext cx="699636" cy="699636"/>
+          </a:xfrm>
+          <a:prstGeom prst="rect">
+            <a:avLst/>
+          </a:prstGeom>
+          <a:effectLst>
+            <a:outerShdw blurRad="50800" dist="38100" dir="2700000" algn="tl" rotWithShape="0">
+              <a:prstClr val="black">
+                <a:alpha val="40000"/>
+              </a:prstClr>
+            </a:outerShdw>
+          </a:effectLst>
+        </p:spPr>
+      </p:pic>
+      <p:sp>
+        <p:nvSpPr>
+          <p:cNvPr id="39" name="Textfeld 38">
+            <a:extLst>
+              <a:ext uri="{FF2B5EF4-FFF2-40B4-BE49-F238E27FC236}">
+                <a16:creationId xmlns:a16="http://schemas.microsoft.com/office/drawing/2014/main" id="{8E3DADFD-9663-1E65-FC0F-9E3550B9C749}"/>
+              </a:ext>
+            </a:extLst>
+          </p:cNvPr>
+          <p:cNvSpPr txBox="1"/>
+          <p:nvPr/>
+        </p:nvSpPr>
+        <p:spPr>
+          <a:xfrm>
+            <a:off x="10390903" y="2324277"/>
+            <a:ext cx="1801097" cy="369332"/>
+          </a:xfrm>
+          <a:prstGeom prst="rect">
+            <a:avLst/>
+          </a:prstGeom>
+          <a:noFill/>
+        </p:spPr>
+        <p:txBody>
+          <a:bodyPr wrap="square" rtlCol="0">
+            <a:spAutoFit/>
+          </a:bodyPr>
+          <a:lstStyle/>
+          <a:p>
+            <a:pPr algn="ctr"/>
+            <a:r>
+              <a:rPr lang="de-DE" dirty="0">
+                <a:solidFill>
+                  <a:srgbClr val="C00000"/>
+                </a:solidFill>
+                <a:latin typeface="Georgia" panose="02040502050405020303" pitchFamily="18" charset="0"/>
+              </a:rPr>
+              <a:t>Vector Store</a:t>
+            </a:r>
+          </a:p>
+        </p:txBody>
+      </p:sp>
+      <p:cxnSp>
+        <p:nvCxnSpPr>
+          <p:cNvPr id="2" name="Gerade Verbindung mit Pfeil 1">
+            <a:extLst>
+              <a:ext uri="{FF2B5EF4-FFF2-40B4-BE49-F238E27FC236}">
+                <a16:creationId xmlns:a16="http://schemas.microsoft.com/office/drawing/2014/main" id="{A57B0FB2-5B6D-A649-581F-6CEAC8D5D8C0}"/>
+              </a:ext>
+            </a:extLst>
+          </p:cNvPr>
+          <p:cNvCxnSpPr>
+            <a:cxnSpLocks/>
+          </p:cNvCxnSpPr>
+          <p:nvPr/>
+        </p:nvCxnSpPr>
+        <p:spPr>
+          <a:xfrm>
+            <a:off x="1919905" y="1864103"/>
+            <a:ext cx="546042" cy="0"/>
+          </a:xfrm>
+          <a:prstGeom prst="straightConnector1">
+            <a:avLst/>
+          </a:prstGeom>
+          <a:ln w="88900">
+            <a:solidFill>
+              <a:schemeClr val="accent6"/>
+            </a:solidFill>
+            <a:tailEnd type="triangle"/>
+          </a:ln>
+        </p:spPr>
+        <p:style>
+          <a:lnRef idx="1">
+            <a:schemeClr val="accent1"/>
+          </a:lnRef>
+          <a:fillRef idx="0">
+            <a:schemeClr val="accent1"/>
+          </a:fillRef>
+          <a:effectRef idx="0">
+            <a:schemeClr val="accent1"/>
+          </a:effectRef>
+          <a:fontRef idx="minor">
+            <a:schemeClr val="tx1"/>
+          </a:fontRef>
+        </p:style>
+      </p:cxnSp>
+      <p:sp>
+        <p:nvSpPr>
+          <p:cNvPr id="7" name="Textfeld 6">
+            <a:extLst>
+              <a:ext uri="{FF2B5EF4-FFF2-40B4-BE49-F238E27FC236}">
+                <a16:creationId xmlns:a16="http://schemas.microsoft.com/office/drawing/2014/main" id="{EA3CDB7C-0B0E-7289-970D-0C1110D519BA}"/>
+              </a:ext>
+            </a:extLst>
+          </p:cNvPr>
+          <p:cNvSpPr txBox="1"/>
+          <p:nvPr/>
+        </p:nvSpPr>
+        <p:spPr>
+          <a:xfrm>
+            <a:off x="2181417" y="2216662"/>
+            <a:ext cx="1614896" cy="646331"/>
+          </a:xfrm>
+          <a:prstGeom prst="rect">
+            <a:avLst/>
+          </a:prstGeom>
+          <a:noFill/>
+        </p:spPr>
+        <p:txBody>
+          <a:bodyPr wrap="square">
+            <a:spAutoFit/>
+          </a:bodyPr>
+          <a:lstStyle/>
+          <a:p>
+            <a:pPr algn="ctr"/>
+            <a:r>
+              <a:rPr lang="de-DE" dirty="0" err="1">
+                <a:solidFill>
+                  <a:schemeClr val="accent6"/>
+                </a:solidFill>
+                <a:latin typeface="Georgia" panose="02040502050405020303" pitchFamily="18" charset="0"/>
+              </a:rPr>
+              <a:t>Preprocessed</a:t>
+            </a:r>
+            <a:r>
+              <a:rPr lang="de-DE" dirty="0">
+                <a:solidFill>
+                  <a:schemeClr val="accent6"/>
+                </a:solidFill>
+                <a:latin typeface="Georgia" panose="02040502050405020303" pitchFamily="18" charset="0"/>
+              </a:rPr>
+              <a:t> </a:t>
+            </a:r>
+            <a:r>
+              <a:rPr lang="de-DE" dirty="0" err="1">
+                <a:solidFill>
+                  <a:schemeClr val="accent6"/>
+                </a:solidFill>
+                <a:latin typeface="Georgia" panose="02040502050405020303" pitchFamily="18" charset="0"/>
+              </a:rPr>
+              <a:t>Documents</a:t>
+            </a:r>
+            <a:endParaRPr lang="de-DE" dirty="0">
+              <a:solidFill>
+                <a:schemeClr val="accent6"/>
+              </a:solidFill>
+              <a:latin typeface="Georgia" panose="02040502050405020303" pitchFamily="18" charset="0"/>
+            </a:endParaRPr>
+          </a:p>
+        </p:txBody>
+      </p:sp>
+      <p:pic>
+        <p:nvPicPr>
+          <p:cNvPr id="11" name="Grafik 10" descr="Dokument mit einfarbiger Füllung">
+            <a:extLst>
+              <a:ext uri="{FF2B5EF4-FFF2-40B4-BE49-F238E27FC236}">
+                <a16:creationId xmlns:a16="http://schemas.microsoft.com/office/drawing/2014/main" id="{ADE72593-7737-1904-8A2B-F36454FB61E8}"/>
+              </a:ext>
+            </a:extLst>
+          </p:cNvPr>
+          <p:cNvPicPr>
+            <a:picLocks noChangeAspect="1"/>
+          </p:cNvPicPr>
+          <p:nvPr/>
+        </p:nvPicPr>
+        <p:blipFill>
+          <a:blip r:embed="rId5">
+            <a:extLst>
+              <a:ext uri="{96DAC541-7B7A-43D3-8B79-37D633B846F1}">
+                <asvg:svgBlip xmlns:asvg="http://schemas.microsoft.com/office/drawing/2016/SVG/main" r:embed="rId6"/>
+              </a:ext>
+            </a:extLst>
+          </a:blip>
+          <a:stretch>
+            <a:fillRect/>
+          </a:stretch>
+        </p:blipFill>
+        <p:spPr>
+          <a:xfrm>
+            <a:off x="2462399" y="1508710"/>
+            <a:ext cx="699636" cy="699636"/>
+          </a:xfrm>
+          <a:prstGeom prst="rect">
+            <a:avLst/>
+          </a:prstGeom>
+          <a:effectLst>
+            <a:outerShdw blurRad="50800" dist="38100" dir="2700000" algn="tl" rotWithShape="0">
+              <a:prstClr val="black">
+                <a:alpha val="40000"/>
+              </a:prstClr>
+            </a:outerShdw>
+          </a:effectLst>
+        </p:spPr>
+      </p:pic>
+      <p:cxnSp>
+        <p:nvCxnSpPr>
+          <p:cNvPr id="14" name="Gerade Verbindung mit Pfeil 13">
+            <a:extLst>
+              <a:ext uri="{FF2B5EF4-FFF2-40B4-BE49-F238E27FC236}">
+                <a16:creationId xmlns:a16="http://schemas.microsoft.com/office/drawing/2014/main" id="{3623D2B0-0724-8865-8900-2C8E51929B6B}"/>
+              </a:ext>
+            </a:extLst>
+          </p:cNvPr>
+          <p:cNvCxnSpPr>
+            <a:cxnSpLocks/>
+          </p:cNvCxnSpPr>
+          <p:nvPr/>
+        </p:nvCxnSpPr>
+        <p:spPr>
+          <a:xfrm>
+            <a:off x="6059017" y="1864960"/>
+            <a:ext cx="597362" cy="0"/>
+          </a:xfrm>
+          <a:prstGeom prst="straightConnector1">
+            <a:avLst/>
+          </a:prstGeom>
+          <a:ln w="88900">
+            <a:solidFill>
+              <a:schemeClr val="accent5"/>
+            </a:solidFill>
+            <a:tailEnd type="triangle"/>
+          </a:ln>
+        </p:spPr>
+        <p:style>
+          <a:lnRef idx="1">
+            <a:schemeClr val="accent1"/>
+          </a:lnRef>
+          <a:fillRef idx="0">
+            <a:schemeClr val="accent1"/>
+          </a:fillRef>
+          <a:effectRef idx="0">
+            <a:schemeClr val="accent1"/>
+          </a:effectRef>
+          <a:fontRef idx="minor">
+            <a:schemeClr val="tx1"/>
+          </a:fontRef>
+        </p:style>
+      </p:cxnSp>
+      <p:sp>
+        <p:nvSpPr>
+          <p:cNvPr id="23" name="Textfeld 22">
+            <a:extLst>
+              <a:ext uri="{FF2B5EF4-FFF2-40B4-BE49-F238E27FC236}">
+                <a16:creationId xmlns:a16="http://schemas.microsoft.com/office/drawing/2014/main" id="{50EA137D-AF0D-5F73-51FA-A21D35A785EA}"/>
+              </a:ext>
+            </a:extLst>
+          </p:cNvPr>
+          <p:cNvSpPr txBox="1"/>
+          <p:nvPr/>
+        </p:nvSpPr>
+        <p:spPr>
+          <a:xfrm>
+            <a:off x="6354883" y="2291353"/>
+            <a:ext cx="2013310" cy="646331"/>
+          </a:xfrm>
+          <a:prstGeom prst="rect">
+            <a:avLst/>
+          </a:prstGeom>
+          <a:noFill/>
+        </p:spPr>
+        <p:txBody>
+          <a:bodyPr wrap="square">
+            <a:spAutoFit/>
+          </a:bodyPr>
+          <a:lstStyle/>
+          <a:p>
+            <a:pPr algn="ctr"/>
+            <a:r>
+              <a:rPr lang="de-DE" dirty="0" err="1">
+                <a:solidFill>
+                  <a:schemeClr val="accent1"/>
+                </a:solidFill>
+                <a:latin typeface="Georgia" panose="02040502050405020303" pitchFamily="18" charset="0"/>
+              </a:rPr>
+              <a:t>Document</a:t>
+            </a:r>
+            <a:r>
+              <a:rPr lang="de-DE" dirty="0">
+                <a:solidFill>
+                  <a:schemeClr val="accent1"/>
+                </a:solidFill>
+                <a:latin typeface="Georgia" panose="02040502050405020303" pitchFamily="18" charset="0"/>
+              </a:rPr>
+              <a:t> Chunking</a:t>
+            </a:r>
+          </a:p>
+        </p:txBody>
+      </p:sp>
+      <p:pic>
+        <p:nvPicPr>
+          <p:cNvPr id="26" name="Grafik 25" descr="Dokument mit einfarbiger Füllung">
+            <a:extLst>
+              <a:ext uri="{FF2B5EF4-FFF2-40B4-BE49-F238E27FC236}">
+                <a16:creationId xmlns:a16="http://schemas.microsoft.com/office/drawing/2014/main" id="{74A77F6C-A6C1-DD8E-F435-D9005F358DC1}"/>
+              </a:ext>
+            </a:extLst>
+          </p:cNvPr>
+          <p:cNvPicPr>
+            <a:picLocks noChangeAspect="1"/>
+          </p:cNvPicPr>
+          <p:nvPr/>
+        </p:nvPicPr>
+        <p:blipFill>
+          <a:blip r:embed="rId5">
+            <a:extLst>
+              <a:ext uri="{96DAC541-7B7A-43D3-8B79-37D633B846F1}">
+                <asvg:svgBlip xmlns:asvg="http://schemas.microsoft.com/office/drawing/2016/SVG/main" r:embed="rId6"/>
+              </a:ext>
+            </a:extLst>
+          </a:blip>
+          <a:stretch>
+            <a:fillRect/>
+          </a:stretch>
+        </p:blipFill>
+        <p:spPr>
+          <a:xfrm>
+            <a:off x="3008441" y="1515142"/>
+            <a:ext cx="699636" cy="699636"/>
+          </a:xfrm>
+          <a:prstGeom prst="rect">
+            <a:avLst/>
+          </a:prstGeom>
+          <a:effectLst>
+            <a:outerShdw blurRad="50800" dist="38100" dir="2700000" algn="tl" rotWithShape="0">
+              <a:prstClr val="black">
+                <a:alpha val="40000"/>
+              </a:prstClr>
+            </a:outerShdw>
+          </a:effectLst>
+        </p:spPr>
+      </p:pic>
+      <p:grpSp>
+        <p:nvGrpSpPr>
+          <p:cNvPr id="48" name="Gruppieren 47">
+            <a:extLst>
+              <a:ext uri="{FF2B5EF4-FFF2-40B4-BE49-F238E27FC236}">
+                <a16:creationId xmlns:a16="http://schemas.microsoft.com/office/drawing/2014/main" id="{D1F0A041-6376-07D4-7DEF-125BE07F1E30}"/>
+              </a:ext>
+            </a:extLst>
+          </p:cNvPr>
+          <p:cNvGrpSpPr/>
+          <p:nvPr/>
+        </p:nvGrpSpPr>
+        <p:grpSpPr>
+          <a:xfrm>
+            <a:off x="6678650" y="1515142"/>
+            <a:ext cx="699636" cy="699636"/>
+            <a:chOff x="6121978" y="1939186"/>
+            <a:chExt cx="699636" cy="699636"/>
+          </a:xfrm>
+          <a:solidFill>
+            <a:schemeClr val="accent1"/>
+          </a:solidFill>
+        </p:grpSpPr>
+        <p:pic>
+          <p:nvPicPr>
+            <p:cNvPr id="38" name="Grafik 37" descr="Dokument mit einfarbiger Füllung">
+              <a:extLst>
+                <a:ext uri="{FF2B5EF4-FFF2-40B4-BE49-F238E27FC236}">
+                  <a16:creationId xmlns:a16="http://schemas.microsoft.com/office/drawing/2014/main" id="{76FE4715-2B45-B971-988C-069D9E20B9A2}"/>
+                </a:ext>
+              </a:extLst>
+            </p:cNvPr>
+            <p:cNvPicPr>
+              <a:picLocks noChangeAspect="1"/>
+            </p:cNvPicPr>
+            <p:nvPr/>
+          </p:nvPicPr>
+          <p:blipFill>
+            <a:blip r:embed="rId7">
+              <a:extLst>
+                <a:ext uri="{96DAC541-7B7A-43D3-8B79-37D633B846F1}">
+                  <asvg:svgBlip xmlns:asvg="http://schemas.microsoft.com/office/drawing/2016/SVG/main" r:embed="rId8"/>
+                </a:ext>
+              </a:extLst>
+            </a:blip>
+            <a:stretch>
+              <a:fillRect/>
+            </a:stretch>
+          </p:blipFill>
+          <p:spPr>
+            <a:xfrm>
+              <a:off x="6121978" y="1939186"/>
+              <a:ext cx="699636" cy="699636"/>
+            </a:xfrm>
+            <a:prstGeom prst="rect">
+              <a:avLst/>
+            </a:prstGeom>
+            <a:effectLst>
+              <a:outerShdw blurRad="50800" dist="38100" dir="2700000" algn="tl" rotWithShape="0">
+                <a:prstClr val="black">
+                  <a:alpha val="40000"/>
+                </a:prstClr>
+              </a:outerShdw>
+            </a:effectLst>
+          </p:spPr>
+        </p:pic>
+        <p:cxnSp>
+          <p:nvCxnSpPr>
+            <p:cNvPr id="43" name="Gerade Verbindung 42">
+              <a:extLst>
+                <a:ext uri="{FF2B5EF4-FFF2-40B4-BE49-F238E27FC236}">
+                  <a16:creationId xmlns:a16="http://schemas.microsoft.com/office/drawing/2014/main" id="{FA5E0AB0-0011-0FB7-5B7E-B0F4820DD42F}"/>
+                </a:ext>
+              </a:extLst>
+            </p:cNvPr>
+            <p:cNvCxnSpPr>
+              <a:cxnSpLocks/>
+              <a:endCxn id="38" idx="2"/>
+            </p:cNvCxnSpPr>
+            <p:nvPr/>
+          </p:nvCxnSpPr>
+          <p:spPr>
+            <a:xfrm flipH="1">
+              <a:off x="6471796" y="1939186"/>
+              <a:ext cx="2746" cy="699636"/>
+            </a:xfrm>
+            <a:prstGeom prst="line">
+              <a:avLst/>
+            </a:prstGeom>
+            <a:grpFill/>
+            <a:ln w="63500">
+              <a:solidFill>
+                <a:schemeClr val="bg1"/>
+              </a:solidFill>
+            </a:ln>
+          </p:spPr>
+          <p:style>
+            <a:lnRef idx="1">
+              <a:schemeClr val="accent1"/>
+            </a:lnRef>
+            <a:fillRef idx="0">
+              <a:schemeClr val="accent1"/>
+            </a:fillRef>
+            <a:effectRef idx="0">
+              <a:schemeClr val="accent1"/>
+            </a:effectRef>
+            <a:fontRef idx="minor">
+              <a:schemeClr val="tx1"/>
+            </a:fontRef>
+          </p:style>
+        </p:cxnSp>
+        <p:cxnSp>
+          <p:nvCxnSpPr>
+            <p:cNvPr id="45" name="Gerade Verbindung 44">
+              <a:extLst>
+                <a:ext uri="{FF2B5EF4-FFF2-40B4-BE49-F238E27FC236}">
+                  <a16:creationId xmlns:a16="http://schemas.microsoft.com/office/drawing/2014/main" id="{E14731BE-DD3F-D28B-2205-2B0881460A86}"/>
+                </a:ext>
+              </a:extLst>
+            </p:cNvPr>
+            <p:cNvCxnSpPr>
+              <a:cxnSpLocks/>
+              <a:stCxn id="38" idx="1"/>
+            </p:cNvCxnSpPr>
+            <p:nvPr/>
+          </p:nvCxnSpPr>
+          <p:spPr>
+            <a:xfrm>
+              <a:off x="6121978" y="2289004"/>
+              <a:ext cx="699636" cy="0"/>
+            </a:xfrm>
+            <a:prstGeom prst="line">
+              <a:avLst/>
+            </a:prstGeom>
+            <a:grpFill/>
+            <a:ln w="63500">
+              <a:solidFill>
+                <a:schemeClr val="bg1"/>
+              </a:solidFill>
+            </a:ln>
+          </p:spPr>
+          <p:style>
+            <a:lnRef idx="1">
+              <a:schemeClr val="accent1"/>
+            </a:lnRef>
+            <a:fillRef idx="0">
+              <a:schemeClr val="accent1"/>
+            </a:fillRef>
+            <a:effectRef idx="0">
+              <a:schemeClr val="accent1"/>
+            </a:effectRef>
+            <a:fontRef idx="minor">
+              <a:schemeClr val="tx1"/>
+            </a:fontRef>
+          </p:style>
+        </p:cxnSp>
+      </p:grpSp>
+      <p:grpSp>
+        <p:nvGrpSpPr>
+          <p:cNvPr id="49" name="Gruppieren 48">
+            <a:extLst>
+              <a:ext uri="{FF2B5EF4-FFF2-40B4-BE49-F238E27FC236}">
+                <a16:creationId xmlns:a16="http://schemas.microsoft.com/office/drawing/2014/main" id="{673AEE37-CD51-F426-A8EE-638F479556B7}"/>
+              </a:ext>
+            </a:extLst>
+          </p:cNvPr>
+          <p:cNvGrpSpPr/>
+          <p:nvPr/>
+        </p:nvGrpSpPr>
+        <p:grpSpPr>
+          <a:xfrm>
+            <a:off x="7283333" y="1529891"/>
+            <a:ext cx="699636" cy="699636"/>
+            <a:chOff x="6121978" y="1939186"/>
+            <a:chExt cx="699636" cy="699636"/>
+          </a:xfrm>
+          <a:solidFill>
+            <a:schemeClr val="accent1"/>
+          </a:solidFill>
+        </p:grpSpPr>
+        <p:pic>
+          <p:nvPicPr>
+            <p:cNvPr id="50" name="Grafik 49" descr="Dokument mit einfarbiger Füllung">
+              <a:extLst>
+                <a:ext uri="{FF2B5EF4-FFF2-40B4-BE49-F238E27FC236}">
+                  <a16:creationId xmlns:a16="http://schemas.microsoft.com/office/drawing/2014/main" id="{870A1C37-55C5-0CC4-B053-A6E40AE68649}"/>
+                </a:ext>
+              </a:extLst>
+            </p:cNvPr>
+            <p:cNvPicPr>
+              <a:picLocks noChangeAspect="1"/>
+            </p:cNvPicPr>
+            <p:nvPr/>
+          </p:nvPicPr>
+          <p:blipFill>
+            <a:blip r:embed="rId7">
+              <a:extLst>
+                <a:ext uri="{96DAC541-7B7A-43D3-8B79-37D633B846F1}">
+                  <asvg:svgBlip xmlns:asvg="http://schemas.microsoft.com/office/drawing/2016/SVG/main" r:embed="rId8"/>
+                </a:ext>
+              </a:extLst>
+            </a:blip>
+            <a:stretch>
+              <a:fillRect/>
+            </a:stretch>
+          </p:blipFill>
+          <p:spPr>
+            <a:xfrm>
+              <a:off x="6121978" y="1939186"/>
+              <a:ext cx="699636" cy="699636"/>
+            </a:xfrm>
+            <a:prstGeom prst="rect">
+              <a:avLst/>
+            </a:prstGeom>
+            <a:effectLst>
+              <a:outerShdw blurRad="50800" dist="38100" dir="2700000" algn="tl" rotWithShape="0">
+                <a:prstClr val="black">
+                  <a:alpha val="40000"/>
+                </a:prstClr>
+              </a:outerShdw>
+            </a:effectLst>
+          </p:spPr>
+        </p:pic>
+        <p:cxnSp>
+          <p:nvCxnSpPr>
+            <p:cNvPr id="51" name="Gerade Verbindung 50">
+              <a:extLst>
+                <a:ext uri="{FF2B5EF4-FFF2-40B4-BE49-F238E27FC236}">
+                  <a16:creationId xmlns:a16="http://schemas.microsoft.com/office/drawing/2014/main" id="{8F115E3E-E4A7-E46D-4889-3515370D6E2F}"/>
+                </a:ext>
+              </a:extLst>
+            </p:cNvPr>
+            <p:cNvCxnSpPr>
+              <a:cxnSpLocks/>
+              <a:endCxn id="50" idx="2"/>
+            </p:cNvCxnSpPr>
+            <p:nvPr/>
+          </p:nvCxnSpPr>
+          <p:spPr>
+            <a:xfrm flipH="1">
+              <a:off x="6471796" y="1939186"/>
+              <a:ext cx="2746" cy="699636"/>
+            </a:xfrm>
+            <a:prstGeom prst="line">
+              <a:avLst/>
+            </a:prstGeom>
+            <a:grpFill/>
+            <a:ln w="63500">
+              <a:solidFill>
+                <a:schemeClr val="bg1"/>
+              </a:solidFill>
+            </a:ln>
+          </p:spPr>
+          <p:style>
+            <a:lnRef idx="1">
+              <a:schemeClr val="accent1"/>
+            </a:lnRef>
+            <a:fillRef idx="0">
+              <a:schemeClr val="accent1"/>
+            </a:fillRef>
+            <a:effectRef idx="0">
+              <a:schemeClr val="accent1"/>
+            </a:effectRef>
+            <a:fontRef idx="minor">
+              <a:schemeClr val="tx1"/>
+            </a:fontRef>
+          </p:style>
+        </p:cxnSp>
+        <p:cxnSp>
+          <p:nvCxnSpPr>
+            <p:cNvPr id="52" name="Gerade Verbindung 51">
+              <a:extLst>
+                <a:ext uri="{FF2B5EF4-FFF2-40B4-BE49-F238E27FC236}">
+                  <a16:creationId xmlns:a16="http://schemas.microsoft.com/office/drawing/2014/main" id="{E23894F9-4F3F-AE2A-10B5-0CCD89B1EE47}"/>
+                </a:ext>
+              </a:extLst>
+            </p:cNvPr>
+            <p:cNvCxnSpPr>
+              <a:cxnSpLocks/>
+              <a:stCxn id="50" idx="1"/>
+            </p:cNvCxnSpPr>
+            <p:nvPr/>
+          </p:nvCxnSpPr>
+          <p:spPr>
+            <a:xfrm>
+              <a:off x="6121978" y="2289004"/>
+              <a:ext cx="699636" cy="0"/>
+            </a:xfrm>
+            <a:prstGeom prst="line">
+              <a:avLst/>
+            </a:prstGeom>
+            <a:grpFill/>
+            <a:ln w="63500">
+              <a:solidFill>
+                <a:schemeClr val="bg1"/>
+              </a:solidFill>
+            </a:ln>
+          </p:spPr>
+          <p:style>
+            <a:lnRef idx="1">
+              <a:schemeClr val="accent1"/>
+            </a:lnRef>
+            <a:fillRef idx="0">
+              <a:schemeClr val="accent1"/>
+            </a:fillRef>
+            <a:effectRef idx="0">
+              <a:schemeClr val="accent1"/>
+            </a:effectRef>
+            <a:fontRef idx="minor">
+              <a:schemeClr val="tx1"/>
+            </a:fontRef>
+          </p:style>
+        </p:cxnSp>
+      </p:grpSp>
+      <p:grpSp>
+        <p:nvGrpSpPr>
+          <p:cNvPr id="53" name="Gruppieren 52">
+            <a:extLst>
+              <a:ext uri="{FF2B5EF4-FFF2-40B4-BE49-F238E27FC236}">
+                <a16:creationId xmlns:a16="http://schemas.microsoft.com/office/drawing/2014/main" id="{2910E48A-DAB5-5A57-3ADA-078341384037}"/>
+              </a:ext>
+            </a:extLst>
+          </p:cNvPr>
+          <p:cNvGrpSpPr/>
+          <p:nvPr/>
+        </p:nvGrpSpPr>
+        <p:grpSpPr>
+          <a:xfrm>
+            <a:off x="8944592" y="1619513"/>
+            <a:ext cx="810650" cy="202840"/>
+            <a:chOff x="5719035" y="3165328"/>
+            <a:chExt cx="597548" cy="149518"/>
+          </a:xfrm>
+        </p:grpSpPr>
+        <p:sp>
+          <p:nvSpPr>
+            <p:cNvPr id="54" name="Rechteck 53">
+              <a:extLst>
+                <a:ext uri="{FF2B5EF4-FFF2-40B4-BE49-F238E27FC236}">
+                  <a16:creationId xmlns:a16="http://schemas.microsoft.com/office/drawing/2014/main" id="{D801344B-F45A-7700-E05E-447805C61230}"/>
+                </a:ext>
+              </a:extLst>
+            </p:cNvPr>
+            <p:cNvSpPr/>
+            <p:nvPr/>
+          </p:nvSpPr>
+          <p:spPr>
+            <a:xfrm>
+              <a:off x="5719035" y="3165328"/>
+              <a:ext cx="149518" cy="149518"/>
+            </a:xfrm>
+            <a:prstGeom prst="rect">
+              <a:avLst/>
+            </a:prstGeom>
+            <a:solidFill>
+              <a:srgbClr val="002060"/>
+            </a:solidFill>
+            <a:ln w="25400">
+              <a:solidFill>
+                <a:schemeClr val="accent1"/>
+              </a:solidFill>
+            </a:ln>
+          </p:spPr>
+          <p:style>
+            <a:lnRef idx="2">
+              <a:schemeClr val="accent1">
+                <a:shade val="50000"/>
+              </a:schemeClr>
+            </a:lnRef>
+            <a:fillRef idx="1">
+              <a:schemeClr val="accent1"/>
+            </a:fillRef>
+            <a:effectRef idx="0">
+              <a:schemeClr val="accent1"/>
+            </a:effectRef>
+            <a:fontRef idx="minor">
+              <a:schemeClr val="lt1"/>
+            </a:fontRef>
+          </p:style>
+          <p:txBody>
+            <a:bodyPr rtlCol="0" anchor="ctr"/>
+            <a:lstStyle/>
+            <a:p>
+              <a:pPr algn="ctr"/>
+              <a:endParaRPr lang="de-DE" dirty="0">
+                <a:latin typeface="Century" panose="02040604050505020304" pitchFamily="18" charset="0"/>
+              </a:endParaRPr>
+            </a:p>
+          </p:txBody>
+        </p:sp>
+        <p:sp>
+          <p:nvSpPr>
+            <p:cNvPr id="55" name="Rechteck 54">
+              <a:extLst>
+                <a:ext uri="{FF2B5EF4-FFF2-40B4-BE49-F238E27FC236}">
+                  <a16:creationId xmlns:a16="http://schemas.microsoft.com/office/drawing/2014/main" id="{48B368B2-E445-C9C7-DBCD-27B1CB00EA7F}"/>
+                </a:ext>
+              </a:extLst>
+            </p:cNvPr>
+            <p:cNvSpPr/>
+            <p:nvPr/>
+          </p:nvSpPr>
+          <p:spPr>
+            <a:xfrm>
+              <a:off x="5874721" y="3165328"/>
+              <a:ext cx="149518" cy="149518"/>
+            </a:xfrm>
+            <a:prstGeom prst="rect">
+              <a:avLst/>
+            </a:prstGeom>
+            <a:solidFill>
+              <a:srgbClr val="002060"/>
+            </a:solidFill>
+            <a:ln w="25400">
+              <a:solidFill>
+                <a:schemeClr val="accent1"/>
+              </a:solidFill>
+            </a:ln>
+          </p:spPr>
+          <p:style>
+            <a:lnRef idx="2">
+              <a:schemeClr val="accent1">
+                <a:shade val="50000"/>
+              </a:schemeClr>
+            </a:lnRef>
+            <a:fillRef idx="1">
+              <a:schemeClr val="accent1"/>
+            </a:fillRef>
+            <a:effectRef idx="0">
+              <a:schemeClr val="accent1"/>
+            </a:effectRef>
+            <a:fontRef idx="minor">
+              <a:schemeClr val="lt1"/>
+            </a:fontRef>
+          </p:style>
+          <p:txBody>
+            <a:bodyPr rtlCol="0" anchor="ctr"/>
+            <a:lstStyle/>
+            <a:p>
+              <a:pPr algn="ctr"/>
+              <a:endParaRPr lang="de-DE">
+                <a:latin typeface="Century" panose="02040604050505020304" pitchFamily="18" charset="0"/>
+              </a:endParaRPr>
+            </a:p>
+          </p:txBody>
+        </p:sp>
+        <p:sp>
+          <p:nvSpPr>
+            <p:cNvPr id="56" name="Rechteck 55">
+              <a:extLst>
+                <a:ext uri="{FF2B5EF4-FFF2-40B4-BE49-F238E27FC236}">
+                  <a16:creationId xmlns:a16="http://schemas.microsoft.com/office/drawing/2014/main" id="{D1093CF8-047B-0967-27B5-0C864643EC36}"/>
+                </a:ext>
+              </a:extLst>
+            </p:cNvPr>
+            <p:cNvSpPr/>
+            <p:nvPr/>
+          </p:nvSpPr>
+          <p:spPr>
+            <a:xfrm>
+              <a:off x="6024239" y="3165328"/>
+              <a:ext cx="149518" cy="149518"/>
+            </a:xfrm>
+            <a:prstGeom prst="rect">
+              <a:avLst/>
+            </a:prstGeom>
+            <a:solidFill>
+              <a:srgbClr val="002060"/>
+            </a:solidFill>
+            <a:ln w="25400">
+              <a:solidFill>
+                <a:schemeClr val="accent1"/>
+              </a:solidFill>
+            </a:ln>
+          </p:spPr>
+          <p:style>
+            <a:lnRef idx="2">
+              <a:schemeClr val="accent1">
+                <a:shade val="50000"/>
+              </a:schemeClr>
+            </a:lnRef>
+            <a:fillRef idx="1">
+              <a:schemeClr val="accent1"/>
+            </a:fillRef>
+            <a:effectRef idx="0">
+              <a:schemeClr val="accent1"/>
+            </a:effectRef>
+            <a:fontRef idx="minor">
+              <a:schemeClr val="lt1"/>
+            </a:fontRef>
+          </p:style>
+          <p:txBody>
+            <a:bodyPr rtlCol="0" anchor="ctr"/>
+            <a:lstStyle/>
+            <a:p>
+              <a:pPr algn="ctr"/>
+              <a:endParaRPr lang="de-DE">
+                <a:latin typeface="Century" panose="02040604050505020304" pitchFamily="18" charset="0"/>
+              </a:endParaRPr>
+            </a:p>
+          </p:txBody>
+        </p:sp>
+        <p:sp>
+          <p:nvSpPr>
+            <p:cNvPr id="57" name="Rechteck 56">
+              <a:extLst>
+                <a:ext uri="{FF2B5EF4-FFF2-40B4-BE49-F238E27FC236}">
+                  <a16:creationId xmlns:a16="http://schemas.microsoft.com/office/drawing/2014/main" id="{CCBC3627-FB05-08FB-7F5A-569D89E568DE}"/>
+                </a:ext>
+              </a:extLst>
+            </p:cNvPr>
+            <p:cNvSpPr/>
+            <p:nvPr/>
+          </p:nvSpPr>
+          <p:spPr>
+            <a:xfrm>
+              <a:off x="6167065" y="3165328"/>
+              <a:ext cx="149518" cy="149518"/>
+            </a:xfrm>
+            <a:prstGeom prst="rect">
+              <a:avLst/>
+            </a:prstGeom>
+            <a:solidFill>
+              <a:srgbClr val="002060"/>
+            </a:solidFill>
+            <a:ln w="25400">
+              <a:solidFill>
+                <a:schemeClr val="accent1"/>
+              </a:solidFill>
+            </a:ln>
+          </p:spPr>
+          <p:style>
+            <a:lnRef idx="2">
+              <a:schemeClr val="accent1">
+                <a:shade val="50000"/>
+              </a:schemeClr>
+            </a:lnRef>
+            <a:fillRef idx="1">
+              <a:schemeClr val="accent1"/>
+            </a:fillRef>
+            <a:effectRef idx="0">
+              <a:schemeClr val="accent1"/>
+            </a:effectRef>
+            <a:fontRef idx="minor">
+              <a:schemeClr val="lt1"/>
+            </a:fontRef>
+          </p:style>
+          <p:txBody>
+            <a:bodyPr rtlCol="0" anchor="ctr"/>
+            <a:lstStyle/>
+            <a:p>
+              <a:pPr algn="ctr"/>
+              <a:endParaRPr lang="de-DE">
+                <a:latin typeface="Century" panose="02040604050505020304" pitchFamily="18" charset="0"/>
+              </a:endParaRPr>
+            </a:p>
+          </p:txBody>
+        </p:sp>
+      </p:grpSp>
+      <p:cxnSp>
+        <p:nvCxnSpPr>
+          <p:cNvPr id="58" name="Gerade Verbindung mit Pfeil 57">
+            <a:extLst>
+              <a:ext uri="{FF2B5EF4-FFF2-40B4-BE49-F238E27FC236}">
+                <a16:creationId xmlns:a16="http://schemas.microsoft.com/office/drawing/2014/main" id="{93317F10-E246-AD34-7C1F-B34FCC6BC684}"/>
+              </a:ext>
+            </a:extLst>
+          </p:cNvPr>
+          <p:cNvCxnSpPr>
+            <a:cxnSpLocks/>
+          </p:cNvCxnSpPr>
+          <p:nvPr/>
+        </p:nvCxnSpPr>
+        <p:spPr>
+          <a:xfrm>
+            <a:off x="8083628" y="1879709"/>
+            <a:ext cx="597362" cy="0"/>
+          </a:xfrm>
+          <a:prstGeom prst="straightConnector1">
+            <a:avLst/>
+          </a:prstGeom>
+          <a:ln w="88900">
+            <a:solidFill>
+              <a:srgbClr val="002060"/>
+            </a:solidFill>
+            <a:tailEnd type="triangle"/>
+          </a:ln>
+        </p:spPr>
+        <p:style>
+          <a:lnRef idx="1">
+            <a:schemeClr val="accent1"/>
+          </a:lnRef>
+          <a:fillRef idx="0">
+            <a:schemeClr val="accent1"/>
+          </a:fillRef>
+          <a:effectRef idx="0">
+            <a:schemeClr val="accent1"/>
+          </a:effectRef>
+          <a:fontRef idx="minor">
+            <a:schemeClr val="tx1"/>
+          </a:fontRef>
+        </p:style>
+      </p:cxnSp>
+      <p:grpSp>
+        <p:nvGrpSpPr>
+          <p:cNvPr id="59" name="Gruppieren 58">
+            <a:extLst>
+              <a:ext uri="{FF2B5EF4-FFF2-40B4-BE49-F238E27FC236}">
+                <a16:creationId xmlns:a16="http://schemas.microsoft.com/office/drawing/2014/main" id="{E000767D-2F92-45A1-680B-B8A7779B67CB}"/>
+              </a:ext>
+            </a:extLst>
+          </p:cNvPr>
+          <p:cNvGrpSpPr/>
+          <p:nvPr/>
+        </p:nvGrpSpPr>
+        <p:grpSpPr>
+          <a:xfrm>
+            <a:off x="8929844" y="1958726"/>
+            <a:ext cx="810650" cy="202840"/>
+            <a:chOff x="5719035" y="3165328"/>
+            <a:chExt cx="597548" cy="149518"/>
+          </a:xfrm>
+        </p:grpSpPr>
+        <p:sp>
+          <p:nvSpPr>
+            <p:cNvPr id="60" name="Rechteck 59">
+              <a:extLst>
+                <a:ext uri="{FF2B5EF4-FFF2-40B4-BE49-F238E27FC236}">
+                  <a16:creationId xmlns:a16="http://schemas.microsoft.com/office/drawing/2014/main" id="{CA2BC8F3-1A08-EFED-A570-619DF13740BF}"/>
+                </a:ext>
+              </a:extLst>
+            </p:cNvPr>
+            <p:cNvSpPr/>
+            <p:nvPr/>
+          </p:nvSpPr>
+          <p:spPr>
+            <a:xfrm>
+              <a:off x="5719035" y="3165328"/>
+              <a:ext cx="149518" cy="149518"/>
+            </a:xfrm>
+            <a:prstGeom prst="rect">
+              <a:avLst/>
+            </a:prstGeom>
+            <a:solidFill>
+              <a:srgbClr val="002060"/>
+            </a:solidFill>
+            <a:ln w="25400">
+              <a:solidFill>
+                <a:schemeClr val="accent1"/>
+              </a:solidFill>
+            </a:ln>
+          </p:spPr>
+          <p:style>
+            <a:lnRef idx="2">
+              <a:schemeClr val="accent1">
+                <a:shade val="50000"/>
+              </a:schemeClr>
+            </a:lnRef>
+            <a:fillRef idx="1">
+              <a:schemeClr val="accent1"/>
+            </a:fillRef>
+            <a:effectRef idx="0">
+              <a:schemeClr val="accent1"/>
+            </a:effectRef>
+            <a:fontRef idx="minor">
+              <a:schemeClr val="lt1"/>
+            </a:fontRef>
+          </p:style>
+          <p:txBody>
+            <a:bodyPr rtlCol="0" anchor="ctr"/>
+            <a:lstStyle/>
+            <a:p>
+              <a:pPr algn="ctr"/>
+              <a:endParaRPr lang="de-DE" dirty="0">
+                <a:latin typeface="Century" panose="02040604050505020304" pitchFamily="18" charset="0"/>
+              </a:endParaRPr>
+            </a:p>
+          </p:txBody>
+        </p:sp>
+        <p:sp>
+          <p:nvSpPr>
+            <p:cNvPr id="61" name="Rechteck 60">
+              <a:extLst>
+                <a:ext uri="{FF2B5EF4-FFF2-40B4-BE49-F238E27FC236}">
+                  <a16:creationId xmlns:a16="http://schemas.microsoft.com/office/drawing/2014/main" id="{304BF0D0-C5B1-B286-F592-3ACA9A84A7C9}"/>
+                </a:ext>
+              </a:extLst>
+            </p:cNvPr>
+            <p:cNvSpPr/>
+            <p:nvPr/>
+          </p:nvSpPr>
+          <p:spPr>
+            <a:xfrm>
+              <a:off x="5874721" y="3165328"/>
+              <a:ext cx="149518" cy="149518"/>
+            </a:xfrm>
+            <a:prstGeom prst="rect">
+              <a:avLst/>
+            </a:prstGeom>
+            <a:solidFill>
+              <a:srgbClr val="002060"/>
+            </a:solidFill>
+            <a:ln w="25400">
+              <a:solidFill>
+                <a:schemeClr val="accent1"/>
+              </a:solidFill>
+            </a:ln>
+          </p:spPr>
+          <p:style>
+            <a:lnRef idx="2">
+              <a:schemeClr val="accent1">
+                <a:shade val="50000"/>
+              </a:schemeClr>
+            </a:lnRef>
+            <a:fillRef idx="1">
+              <a:schemeClr val="accent1"/>
+            </a:fillRef>
+            <a:effectRef idx="0">
+              <a:schemeClr val="accent1"/>
+            </a:effectRef>
+            <a:fontRef idx="minor">
+              <a:schemeClr val="lt1"/>
+            </a:fontRef>
+          </p:style>
+          <p:txBody>
+            <a:bodyPr rtlCol="0" anchor="ctr"/>
+            <a:lstStyle/>
+            <a:p>
+              <a:pPr algn="ctr"/>
+              <a:endParaRPr lang="de-DE">
+                <a:latin typeface="Century" panose="02040604050505020304" pitchFamily="18" charset="0"/>
+              </a:endParaRPr>
+            </a:p>
+          </p:txBody>
+        </p:sp>
+        <p:sp>
+          <p:nvSpPr>
+            <p:cNvPr id="62" name="Rechteck 61">
+              <a:extLst>
+                <a:ext uri="{FF2B5EF4-FFF2-40B4-BE49-F238E27FC236}">
+                  <a16:creationId xmlns:a16="http://schemas.microsoft.com/office/drawing/2014/main" id="{B8C2E8E4-E893-0045-3D2B-612408B0148A}"/>
+                </a:ext>
+              </a:extLst>
+            </p:cNvPr>
+            <p:cNvSpPr/>
+            <p:nvPr/>
+          </p:nvSpPr>
+          <p:spPr>
+            <a:xfrm>
+              <a:off x="6024239" y="3165328"/>
+              <a:ext cx="149518" cy="149518"/>
+            </a:xfrm>
+            <a:prstGeom prst="rect">
+              <a:avLst/>
+            </a:prstGeom>
+            <a:solidFill>
+              <a:srgbClr val="002060"/>
+            </a:solidFill>
+            <a:ln w="25400">
+              <a:solidFill>
+                <a:schemeClr val="accent1"/>
+              </a:solidFill>
+            </a:ln>
+          </p:spPr>
+          <p:style>
+            <a:lnRef idx="2">
+              <a:schemeClr val="accent1">
+                <a:shade val="50000"/>
+              </a:schemeClr>
+            </a:lnRef>
+            <a:fillRef idx="1">
+              <a:schemeClr val="accent1"/>
+            </a:fillRef>
+            <a:effectRef idx="0">
+              <a:schemeClr val="accent1"/>
+            </a:effectRef>
+            <a:fontRef idx="minor">
+              <a:schemeClr val="lt1"/>
+            </a:fontRef>
+          </p:style>
+          <p:txBody>
+            <a:bodyPr rtlCol="0" anchor="ctr"/>
+            <a:lstStyle/>
+            <a:p>
+              <a:pPr algn="ctr"/>
+              <a:endParaRPr lang="de-DE">
+                <a:latin typeface="Century" panose="02040604050505020304" pitchFamily="18" charset="0"/>
+              </a:endParaRPr>
+            </a:p>
+          </p:txBody>
+        </p:sp>
+        <p:sp>
+          <p:nvSpPr>
+            <p:cNvPr id="63" name="Rechteck 62">
+              <a:extLst>
+                <a:ext uri="{FF2B5EF4-FFF2-40B4-BE49-F238E27FC236}">
+                  <a16:creationId xmlns:a16="http://schemas.microsoft.com/office/drawing/2014/main" id="{109734FD-FBE7-CEBE-F857-B46B9E7EF2F1}"/>
+                </a:ext>
+              </a:extLst>
+            </p:cNvPr>
+            <p:cNvSpPr/>
+            <p:nvPr/>
+          </p:nvSpPr>
+          <p:spPr>
+            <a:xfrm>
+              <a:off x="6167065" y="3165328"/>
+              <a:ext cx="149518" cy="149518"/>
+            </a:xfrm>
+            <a:prstGeom prst="rect">
+              <a:avLst/>
+            </a:prstGeom>
+            <a:solidFill>
+              <a:srgbClr val="002060"/>
+            </a:solidFill>
+            <a:ln w="25400">
+              <a:solidFill>
+                <a:schemeClr val="accent1"/>
+              </a:solidFill>
+            </a:ln>
+          </p:spPr>
+          <p:style>
+            <a:lnRef idx="2">
+              <a:schemeClr val="accent1">
+                <a:shade val="50000"/>
+              </a:schemeClr>
+            </a:lnRef>
+            <a:fillRef idx="1">
+              <a:schemeClr val="accent1"/>
+            </a:fillRef>
+            <a:effectRef idx="0">
+              <a:schemeClr val="accent1"/>
+            </a:effectRef>
+            <a:fontRef idx="minor">
+              <a:schemeClr val="lt1"/>
+            </a:fontRef>
+          </p:style>
+          <p:txBody>
+            <a:bodyPr rtlCol="0" anchor="ctr"/>
+            <a:lstStyle/>
+            <a:p>
+              <a:pPr algn="ctr"/>
+              <a:endParaRPr lang="de-DE">
+                <a:latin typeface="Century" panose="02040604050505020304" pitchFamily="18" charset="0"/>
+              </a:endParaRPr>
+            </a:p>
+          </p:txBody>
+        </p:sp>
+      </p:grpSp>
+      <p:sp>
+        <p:nvSpPr>
+          <p:cNvPr id="64" name="Textfeld 63">
+            <a:extLst>
+              <a:ext uri="{FF2B5EF4-FFF2-40B4-BE49-F238E27FC236}">
+                <a16:creationId xmlns:a16="http://schemas.microsoft.com/office/drawing/2014/main" id="{4ABA80E7-EDBB-D893-4E3E-CE48A0719685}"/>
+              </a:ext>
+            </a:extLst>
+          </p:cNvPr>
+          <p:cNvSpPr txBox="1"/>
+          <p:nvPr/>
+        </p:nvSpPr>
+        <p:spPr>
+          <a:xfrm>
+            <a:off x="8253397" y="2316456"/>
+            <a:ext cx="2180990" cy="646331"/>
+          </a:xfrm>
+          <a:prstGeom prst="rect">
+            <a:avLst/>
+          </a:prstGeom>
+          <a:noFill/>
+        </p:spPr>
+        <p:txBody>
+          <a:bodyPr wrap="square">
+            <a:spAutoFit/>
+          </a:bodyPr>
+          <a:lstStyle/>
+          <a:p>
+            <a:pPr algn="ctr"/>
+            <a:r>
+              <a:rPr lang="de-DE" dirty="0">
+                <a:solidFill>
+                  <a:srgbClr val="002060"/>
+                </a:solidFill>
+                <a:latin typeface="Georgia" panose="02040502050405020303" pitchFamily="18" charset="0"/>
+              </a:rPr>
+              <a:t>Chunk  </a:t>
+            </a:r>
+            <a:r>
+              <a:rPr lang="de-DE" dirty="0" err="1">
+                <a:solidFill>
+                  <a:srgbClr val="002060"/>
+                </a:solidFill>
+                <a:latin typeface="Georgia" panose="02040502050405020303" pitchFamily="18" charset="0"/>
+              </a:rPr>
+              <a:t>Embeddings</a:t>
+            </a:r>
+            <a:endParaRPr lang="de-DE" dirty="0">
+              <a:solidFill>
+                <a:srgbClr val="002060"/>
+              </a:solidFill>
+              <a:latin typeface="Georgia" panose="02040502050405020303" pitchFamily="18" charset="0"/>
+            </a:endParaRPr>
+          </a:p>
+        </p:txBody>
+      </p:sp>
+      <p:cxnSp>
+        <p:nvCxnSpPr>
+          <p:cNvPr id="66" name="Gerade Verbindung mit Pfeil 65">
+            <a:extLst>
+              <a:ext uri="{FF2B5EF4-FFF2-40B4-BE49-F238E27FC236}">
+                <a16:creationId xmlns:a16="http://schemas.microsoft.com/office/drawing/2014/main" id="{0EBC6113-D133-4873-2E68-5AD57D8B3097}"/>
+              </a:ext>
+            </a:extLst>
+          </p:cNvPr>
+          <p:cNvCxnSpPr>
+            <a:cxnSpLocks/>
+          </p:cNvCxnSpPr>
+          <p:nvPr/>
+        </p:nvCxnSpPr>
+        <p:spPr>
+          <a:xfrm>
+            <a:off x="10066180" y="1912676"/>
+            <a:ext cx="597362" cy="0"/>
+          </a:xfrm>
+          <a:prstGeom prst="straightConnector1">
+            <a:avLst/>
+          </a:prstGeom>
+          <a:ln w="88900">
+            <a:solidFill>
+              <a:srgbClr val="C00000"/>
+            </a:solidFill>
+            <a:tailEnd type="triangle"/>
+          </a:ln>
+        </p:spPr>
+        <p:style>
+          <a:lnRef idx="1">
+            <a:schemeClr val="accent1"/>
+          </a:lnRef>
+          <a:fillRef idx="0">
+            <a:schemeClr val="accent1"/>
+          </a:fillRef>
+          <a:effectRef idx="0">
+            <a:schemeClr val="accent1"/>
+          </a:effectRef>
+          <a:fontRef idx="minor">
+            <a:schemeClr val="tx1"/>
+          </a:fontRef>
+        </p:style>
+      </p:cxnSp>
+      <p:pic>
+        <p:nvPicPr>
+          <p:cNvPr id="70" name="Grafik 69" descr="Datenbank mit einfarbiger Füllung">
+            <a:extLst>
+              <a:ext uri="{FF2B5EF4-FFF2-40B4-BE49-F238E27FC236}">
+                <a16:creationId xmlns:a16="http://schemas.microsoft.com/office/drawing/2014/main" id="{3BBE0B14-5841-FD32-A3F4-A06256E4E07A}"/>
+              </a:ext>
+            </a:extLst>
+          </p:cNvPr>
+          <p:cNvPicPr>
+            <a:picLocks noChangeAspect="1"/>
+          </p:cNvPicPr>
+          <p:nvPr/>
+        </p:nvPicPr>
+        <p:blipFill>
+          <a:blip r:embed="rId9">
+            <a:extLst>
+              <a:ext uri="{96DAC541-7B7A-43D3-8B79-37D633B846F1}">
+                <asvg:svgBlip xmlns:asvg="http://schemas.microsoft.com/office/drawing/2016/SVG/main" r:embed="rId10"/>
+              </a:ext>
+            </a:extLst>
+          </a:blip>
+          <a:stretch>
+            <a:fillRect/>
+          </a:stretch>
+        </p:blipFill>
+        <p:spPr>
+          <a:xfrm>
+            <a:off x="10815690" y="1469888"/>
+            <a:ext cx="914400" cy="914400"/>
+          </a:xfrm>
+          <a:prstGeom prst="rect">
+            <a:avLst/>
+          </a:prstGeom>
+        </p:spPr>
+      </p:pic>
+      <p:cxnSp>
+        <p:nvCxnSpPr>
+          <p:cNvPr id="4" name="Gerade Verbindung mit Pfeil 3">
+            <a:extLst>
+              <a:ext uri="{FF2B5EF4-FFF2-40B4-BE49-F238E27FC236}">
+                <a16:creationId xmlns:a16="http://schemas.microsoft.com/office/drawing/2014/main" id="{D8C6E497-FB75-C9A3-82FD-6124C416DCE4}"/>
+              </a:ext>
+            </a:extLst>
+          </p:cNvPr>
+          <p:cNvCxnSpPr>
+            <a:cxnSpLocks/>
+          </p:cNvCxnSpPr>
+          <p:nvPr/>
+        </p:nvCxnSpPr>
+        <p:spPr>
+          <a:xfrm>
+            <a:off x="3869021" y="1879709"/>
+            <a:ext cx="780346" cy="0"/>
+          </a:xfrm>
+          <a:prstGeom prst="straightConnector1">
+            <a:avLst/>
+          </a:prstGeom>
+          <a:ln w="88900">
+            <a:solidFill>
+              <a:schemeClr val="accent6">
+                <a:lumMod val="75000"/>
+              </a:schemeClr>
+            </a:solidFill>
+            <a:prstDash val="sysDot"/>
+            <a:tailEnd type="triangle"/>
+          </a:ln>
+        </p:spPr>
+        <p:style>
+          <a:lnRef idx="1">
+            <a:schemeClr val="accent1"/>
+          </a:lnRef>
+          <a:fillRef idx="0">
+            <a:schemeClr val="accent1"/>
+          </a:fillRef>
+          <a:effectRef idx="0">
+            <a:schemeClr val="accent1"/>
+          </a:effectRef>
+          <a:fontRef idx="minor">
+            <a:schemeClr val="tx1"/>
+          </a:fontRef>
+        </p:style>
+      </p:cxnSp>
+      <p:pic>
+        <p:nvPicPr>
+          <p:cNvPr id="6" name="Grafik 5" descr="Dokument mit einfarbiger Füllung">
+            <a:extLst>
+              <a:ext uri="{FF2B5EF4-FFF2-40B4-BE49-F238E27FC236}">
+                <a16:creationId xmlns:a16="http://schemas.microsoft.com/office/drawing/2014/main" id="{A1036869-28DE-782E-D7B7-EE99C80279BE}"/>
+              </a:ext>
+            </a:extLst>
+          </p:cNvPr>
+          <p:cNvPicPr>
+            <a:picLocks noChangeAspect="1"/>
+          </p:cNvPicPr>
+          <p:nvPr/>
+        </p:nvPicPr>
+        <p:blipFill>
+          <a:blip r:embed="rId11">
+            <a:extLst>
+              <a:ext uri="{96DAC541-7B7A-43D3-8B79-37D633B846F1}">
+                <asvg:svgBlip xmlns:asvg="http://schemas.microsoft.com/office/drawing/2016/SVG/main" r:embed="rId12"/>
+              </a:ext>
+            </a:extLst>
+          </a:blip>
+          <a:stretch>
+            <a:fillRect/>
+          </a:stretch>
+        </p:blipFill>
+        <p:spPr>
+          <a:xfrm>
+            <a:off x="4635870" y="1535559"/>
+            <a:ext cx="699636" cy="699636"/>
+          </a:xfrm>
+          <a:prstGeom prst="rect">
+            <a:avLst/>
+          </a:prstGeom>
+          <a:effectLst>
+            <a:outerShdw blurRad="50800" dist="38100" dir="2700000" algn="tl" rotWithShape="0">
+              <a:prstClr val="black">
+                <a:alpha val="40000"/>
+              </a:prstClr>
+            </a:outerShdw>
+          </a:effectLst>
+        </p:spPr>
+      </p:pic>
+      <p:pic>
+        <p:nvPicPr>
+          <p:cNvPr id="8" name="Grafik 7" descr="Dokument mit einfarbiger Füllung">
+            <a:extLst>
+              <a:ext uri="{FF2B5EF4-FFF2-40B4-BE49-F238E27FC236}">
+                <a16:creationId xmlns:a16="http://schemas.microsoft.com/office/drawing/2014/main" id="{56CDD41A-80AB-6A52-DA92-15303E1B9CBC}"/>
+              </a:ext>
+            </a:extLst>
+          </p:cNvPr>
+          <p:cNvPicPr>
+            <a:picLocks noChangeAspect="1"/>
+          </p:cNvPicPr>
+          <p:nvPr/>
+        </p:nvPicPr>
+        <p:blipFill>
+          <a:blip r:embed="rId11">
+            <a:extLst>
+              <a:ext uri="{96DAC541-7B7A-43D3-8B79-37D633B846F1}">
+                <asvg:svgBlip xmlns:asvg="http://schemas.microsoft.com/office/drawing/2016/SVG/main" r:embed="rId12"/>
+              </a:ext>
+            </a:extLst>
+          </a:blip>
+          <a:stretch>
+            <a:fillRect/>
+          </a:stretch>
+        </p:blipFill>
+        <p:spPr>
+          <a:xfrm>
+            <a:off x="5181912" y="1541991"/>
+            <a:ext cx="699636" cy="699636"/>
+          </a:xfrm>
+          <a:prstGeom prst="rect">
+            <a:avLst/>
+          </a:prstGeom>
+          <a:effectLst>
+            <a:outerShdw blurRad="50800" dist="38100" dir="2700000" algn="tl" rotWithShape="0">
+              <a:prstClr val="black">
+                <a:alpha val="40000"/>
+              </a:prstClr>
+            </a:outerShdw>
+          </a:effectLst>
+        </p:spPr>
+      </p:pic>
+      <p:sp>
+        <p:nvSpPr>
+          <p:cNvPr id="9" name="Textfeld 8">
+            <a:extLst>
+              <a:ext uri="{FF2B5EF4-FFF2-40B4-BE49-F238E27FC236}">
+                <a16:creationId xmlns:a16="http://schemas.microsoft.com/office/drawing/2014/main" id="{113811E8-3E9E-20C8-7E79-D94E33D3FC6F}"/>
+              </a:ext>
+            </a:extLst>
+          </p:cNvPr>
+          <p:cNvSpPr txBox="1"/>
+          <p:nvPr/>
+        </p:nvSpPr>
+        <p:spPr>
+          <a:xfrm>
+            <a:off x="4445915" y="2262611"/>
+            <a:ext cx="1614896" cy="646331"/>
+          </a:xfrm>
+          <a:prstGeom prst="rect">
+            <a:avLst/>
+          </a:prstGeom>
+          <a:noFill/>
+        </p:spPr>
+        <p:txBody>
+          <a:bodyPr wrap="square">
+            <a:spAutoFit/>
+          </a:bodyPr>
+          <a:lstStyle/>
+          <a:p>
+            <a:pPr algn="ctr"/>
+            <a:r>
+              <a:rPr lang="de-DE" dirty="0" err="1">
+                <a:solidFill>
+                  <a:schemeClr val="accent6">
+                    <a:lumMod val="75000"/>
+                  </a:schemeClr>
+                </a:solidFill>
+                <a:latin typeface="Georgia" panose="02040502050405020303" pitchFamily="18" charset="0"/>
+              </a:rPr>
+              <a:t>Transformed</a:t>
+            </a:r>
+            <a:r>
+              <a:rPr lang="de-DE" dirty="0">
+                <a:solidFill>
+                  <a:schemeClr val="accent6">
+                    <a:lumMod val="75000"/>
+                  </a:schemeClr>
+                </a:solidFill>
+                <a:latin typeface="Georgia" panose="02040502050405020303" pitchFamily="18" charset="0"/>
+              </a:rPr>
+              <a:t> </a:t>
+            </a:r>
+            <a:r>
+              <a:rPr lang="de-DE" dirty="0" err="1">
+                <a:solidFill>
+                  <a:schemeClr val="accent6">
+                    <a:lumMod val="75000"/>
+                  </a:schemeClr>
+                </a:solidFill>
+                <a:latin typeface="Georgia" panose="02040502050405020303" pitchFamily="18" charset="0"/>
+              </a:rPr>
+              <a:t>Documents</a:t>
+            </a:r>
+            <a:endParaRPr lang="de-DE" dirty="0">
+              <a:solidFill>
+                <a:schemeClr val="accent6">
+                  <a:lumMod val="75000"/>
+                </a:schemeClr>
+              </a:solidFill>
+              <a:latin typeface="Georgia" panose="02040502050405020303" pitchFamily="18" charset="0"/>
+            </a:endParaRPr>
+          </a:p>
+        </p:txBody>
+      </p:sp>
+      <p:cxnSp>
+        <p:nvCxnSpPr>
+          <p:cNvPr id="13" name="Gerade Verbindung mit Pfeil 12">
+            <a:extLst>
+              <a:ext uri="{FF2B5EF4-FFF2-40B4-BE49-F238E27FC236}">
+                <a16:creationId xmlns:a16="http://schemas.microsoft.com/office/drawing/2014/main" id="{7AC86BA3-8ABE-C311-82A8-6B9095454D80}"/>
+              </a:ext>
+            </a:extLst>
+          </p:cNvPr>
+          <p:cNvCxnSpPr>
+            <a:cxnSpLocks/>
+          </p:cNvCxnSpPr>
+          <p:nvPr/>
+        </p:nvCxnSpPr>
+        <p:spPr>
+          <a:xfrm>
+            <a:off x="3008441" y="2937684"/>
+            <a:ext cx="0" cy="531997"/>
+          </a:xfrm>
+          <a:prstGeom prst="straightConnector1">
+            <a:avLst/>
+          </a:prstGeom>
+          <a:ln w="88900">
+            <a:solidFill>
+              <a:schemeClr val="accent4">
+                <a:lumMod val="75000"/>
+              </a:schemeClr>
+            </a:solidFill>
+            <a:prstDash val="solid"/>
+            <a:tailEnd type="triangle"/>
+          </a:ln>
+        </p:spPr>
+        <p:style>
+          <a:lnRef idx="1">
+            <a:schemeClr val="accent1"/>
+          </a:lnRef>
+          <a:fillRef idx="0">
+            <a:schemeClr val="accent1"/>
+          </a:fillRef>
+          <a:effectRef idx="0">
+            <a:schemeClr val="accent1"/>
+          </a:effectRef>
+          <a:fontRef idx="minor">
+            <a:schemeClr val="tx1"/>
+          </a:fontRef>
+        </p:style>
+      </p:cxnSp>
+      <p:grpSp>
+        <p:nvGrpSpPr>
+          <p:cNvPr id="24" name="Gruppieren 23">
+            <a:extLst>
+              <a:ext uri="{FF2B5EF4-FFF2-40B4-BE49-F238E27FC236}">
+                <a16:creationId xmlns:a16="http://schemas.microsoft.com/office/drawing/2014/main" id="{5915EEA7-61ED-9A14-7734-CB4616EAD96F}"/>
+              </a:ext>
+            </a:extLst>
+          </p:cNvPr>
+          <p:cNvGrpSpPr/>
+          <p:nvPr/>
+        </p:nvGrpSpPr>
+        <p:grpSpPr>
+          <a:xfrm>
+            <a:off x="2570455" y="3646627"/>
+            <a:ext cx="646319" cy="646319"/>
+            <a:chOff x="2838875" y="4675127"/>
+            <a:chExt cx="646319" cy="646319"/>
+          </a:xfrm>
+        </p:grpSpPr>
+        <p:sp>
+          <p:nvSpPr>
+            <p:cNvPr id="22" name="Rechteck 21">
+              <a:extLst>
+                <a:ext uri="{FF2B5EF4-FFF2-40B4-BE49-F238E27FC236}">
+                  <a16:creationId xmlns:a16="http://schemas.microsoft.com/office/drawing/2014/main" id="{DFB21B02-1EB0-8760-E863-5EB40310D750}"/>
+                </a:ext>
+              </a:extLst>
+            </p:cNvPr>
+            <p:cNvSpPr/>
+            <p:nvPr/>
+          </p:nvSpPr>
+          <p:spPr>
+            <a:xfrm>
+              <a:off x="2899317" y="4817327"/>
+              <a:ext cx="520390" cy="356840"/>
+            </a:xfrm>
+            <a:prstGeom prst="rect">
+              <a:avLst/>
+            </a:prstGeom>
+            <a:solidFill>
+              <a:schemeClr val="bg1"/>
+            </a:solidFill>
+            <a:ln>
+              <a:noFill/>
+            </a:ln>
+          </p:spPr>
+          <p:style>
+            <a:lnRef idx="2">
+              <a:schemeClr val="accent1">
+                <a:shade val="15000"/>
+              </a:schemeClr>
+            </a:lnRef>
+            <a:fillRef idx="1">
+              <a:schemeClr val="accent1"/>
+            </a:fillRef>
+            <a:effectRef idx="0">
+              <a:schemeClr val="accent1"/>
+            </a:effectRef>
+            <a:fontRef idx="minor">
+              <a:schemeClr val="lt1"/>
+            </a:fontRef>
+          </p:style>
+          <p:txBody>
+            <a:bodyPr rtlCol="0" anchor="ctr"/>
+            <a:lstStyle/>
+            <a:p>
+              <a:pPr algn="ctr"/>
+              <a:endParaRPr lang="de-DE" dirty="0"/>
+            </a:p>
+          </p:txBody>
+        </p:sp>
+        <p:pic>
+          <p:nvPicPr>
+            <p:cNvPr id="19" name="Grafik 18" descr="Tabelle mit einfarbiger Füllung">
+              <a:extLst>
+                <a:ext uri="{FF2B5EF4-FFF2-40B4-BE49-F238E27FC236}">
+                  <a16:creationId xmlns:a16="http://schemas.microsoft.com/office/drawing/2014/main" id="{BFCF4CC7-23B3-307F-2530-1A9A59D7BAB0}"/>
+                </a:ext>
+              </a:extLst>
+            </p:cNvPr>
+            <p:cNvPicPr>
+              <a:picLocks noChangeAspect="1"/>
+            </p:cNvPicPr>
+            <p:nvPr/>
+          </p:nvPicPr>
+          <p:blipFill>
+            <a:blip r:embed="rId13">
+              <a:alphaModFix/>
+              <a:extLst>
+                <a:ext uri="{96DAC541-7B7A-43D3-8B79-37D633B846F1}">
+                  <asvg:svgBlip xmlns:asvg="http://schemas.microsoft.com/office/drawing/2016/SVG/main" r:embed="rId14"/>
+                </a:ext>
+              </a:extLst>
+            </a:blip>
+            <a:stretch>
+              <a:fillRect/>
+            </a:stretch>
+          </p:blipFill>
+          <p:spPr>
+            <a:xfrm>
+              <a:off x="2838875" y="4675127"/>
+              <a:ext cx="646319" cy="646319"/>
+            </a:xfrm>
+            <a:prstGeom prst="rect">
+              <a:avLst/>
+            </a:prstGeom>
+          </p:spPr>
+        </p:pic>
+      </p:grpSp>
+      <p:grpSp>
+        <p:nvGrpSpPr>
+          <p:cNvPr id="25" name="Gruppieren 24">
+            <a:extLst>
+              <a:ext uri="{FF2B5EF4-FFF2-40B4-BE49-F238E27FC236}">
+                <a16:creationId xmlns:a16="http://schemas.microsoft.com/office/drawing/2014/main" id="{B5818BE6-6DDA-77D6-AE6F-FD7D6DA6D9A3}"/>
+              </a:ext>
+            </a:extLst>
+          </p:cNvPr>
+          <p:cNvGrpSpPr/>
+          <p:nvPr/>
+        </p:nvGrpSpPr>
+        <p:grpSpPr>
+          <a:xfrm>
+            <a:off x="2828127" y="3465667"/>
+            <a:ext cx="646319" cy="646319"/>
+            <a:chOff x="2838875" y="4675127"/>
+            <a:chExt cx="646319" cy="646319"/>
+          </a:xfrm>
+        </p:grpSpPr>
+        <p:sp>
+          <p:nvSpPr>
+            <p:cNvPr id="27" name="Rechteck 26">
+              <a:extLst>
+                <a:ext uri="{FF2B5EF4-FFF2-40B4-BE49-F238E27FC236}">
+                  <a16:creationId xmlns:a16="http://schemas.microsoft.com/office/drawing/2014/main" id="{E1859A77-8D77-B1A4-5E6A-84B89637CEEC}"/>
+                </a:ext>
+              </a:extLst>
+            </p:cNvPr>
+            <p:cNvSpPr/>
+            <p:nvPr/>
+          </p:nvSpPr>
+          <p:spPr>
+            <a:xfrm>
+              <a:off x="2899317" y="4817327"/>
+              <a:ext cx="520390" cy="356840"/>
+            </a:xfrm>
+            <a:prstGeom prst="rect">
+              <a:avLst/>
+            </a:prstGeom>
+            <a:solidFill>
+              <a:schemeClr val="bg1"/>
+            </a:solidFill>
+            <a:ln>
+              <a:noFill/>
+            </a:ln>
+          </p:spPr>
+          <p:style>
+            <a:lnRef idx="2">
+              <a:schemeClr val="accent1">
+                <a:shade val="15000"/>
+              </a:schemeClr>
+            </a:lnRef>
+            <a:fillRef idx="1">
+              <a:schemeClr val="accent1"/>
+            </a:fillRef>
+            <a:effectRef idx="0">
+              <a:schemeClr val="accent1"/>
+            </a:effectRef>
+            <a:fontRef idx="minor">
+              <a:schemeClr val="lt1"/>
+            </a:fontRef>
+          </p:style>
+          <p:txBody>
+            <a:bodyPr rtlCol="0" anchor="ctr"/>
+            <a:lstStyle/>
+            <a:p>
+              <a:pPr algn="ctr"/>
+              <a:endParaRPr lang="de-DE" dirty="0"/>
+            </a:p>
+          </p:txBody>
+        </p:sp>
+        <p:pic>
+          <p:nvPicPr>
+            <p:cNvPr id="28" name="Grafik 27" descr="Tabelle mit einfarbiger Füllung">
+              <a:extLst>
+                <a:ext uri="{FF2B5EF4-FFF2-40B4-BE49-F238E27FC236}">
+                  <a16:creationId xmlns:a16="http://schemas.microsoft.com/office/drawing/2014/main" id="{47B64938-2CB8-5DFD-3FDC-BFB01AA3F5F2}"/>
+                </a:ext>
+              </a:extLst>
+            </p:cNvPr>
+            <p:cNvPicPr>
+              <a:picLocks noChangeAspect="1"/>
+            </p:cNvPicPr>
+            <p:nvPr/>
+          </p:nvPicPr>
+          <p:blipFill>
+            <a:blip r:embed="rId13">
+              <a:alphaModFix/>
+              <a:extLst>
+                <a:ext uri="{96DAC541-7B7A-43D3-8B79-37D633B846F1}">
+                  <asvg:svgBlip xmlns:asvg="http://schemas.microsoft.com/office/drawing/2016/SVG/main" r:embed="rId14"/>
+                </a:ext>
+              </a:extLst>
+            </a:blip>
+            <a:stretch>
+              <a:fillRect/>
+            </a:stretch>
+          </p:blipFill>
+          <p:spPr>
+            <a:xfrm>
+              <a:off x="2838875" y="4675127"/>
+              <a:ext cx="646319" cy="646319"/>
+            </a:xfrm>
+            <a:prstGeom prst="rect">
+              <a:avLst/>
+            </a:prstGeom>
+          </p:spPr>
+        </p:pic>
+      </p:grpSp>
+      <p:sp>
+        <p:nvSpPr>
+          <p:cNvPr id="30" name="Textfeld 29">
+            <a:extLst>
+              <a:ext uri="{FF2B5EF4-FFF2-40B4-BE49-F238E27FC236}">
+                <a16:creationId xmlns:a16="http://schemas.microsoft.com/office/drawing/2014/main" id="{9BB9FB2E-4A1C-5BA0-D46E-72F5B230D90F}"/>
+              </a:ext>
+            </a:extLst>
+          </p:cNvPr>
+          <p:cNvSpPr txBox="1"/>
+          <p:nvPr/>
+        </p:nvSpPr>
+        <p:spPr>
+          <a:xfrm>
+            <a:off x="2158875" y="4253315"/>
+            <a:ext cx="1614896" cy="646331"/>
+          </a:xfrm>
+          <a:prstGeom prst="rect">
+            <a:avLst/>
+          </a:prstGeom>
+          <a:noFill/>
+        </p:spPr>
+        <p:txBody>
+          <a:bodyPr wrap="square">
+            <a:spAutoFit/>
+          </a:bodyPr>
+          <a:lstStyle/>
+          <a:p>
+            <a:pPr algn="ctr"/>
+            <a:r>
+              <a:rPr lang="de-DE" dirty="0">
+                <a:solidFill>
+                  <a:srgbClr val="DD922F"/>
+                </a:solidFill>
+                <a:latin typeface="Georgia" panose="02040502050405020303" pitchFamily="18" charset="0"/>
+              </a:rPr>
+              <a:t>Table </a:t>
+            </a:r>
+            <a:r>
+              <a:rPr lang="de-DE" dirty="0" err="1">
+                <a:solidFill>
+                  <a:srgbClr val="DD922F"/>
+                </a:solidFill>
+                <a:latin typeface="Georgia" panose="02040502050405020303" pitchFamily="18" charset="0"/>
+              </a:rPr>
+              <a:t>Extraction</a:t>
+            </a:r>
+            <a:endParaRPr lang="de-DE" dirty="0">
+              <a:solidFill>
+                <a:srgbClr val="DD922F"/>
+              </a:solidFill>
+              <a:latin typeface="Georgia" panose="02040502050405020303" pitchFamily="18" charset="0"/>
+            </a:endParaRPr>
+          </a:p>
+        </p:txBody>
+      </p:sp>
+      <p:grpSp>
+        <p:nvGrpSpPr>
+          <p:cNvPr id="35" name="Gruppieren 34">
+            <a:extLst>
+              <a:ext uri="{FF2B5EF4-FFF2-40B4-BE49-F238E27FC236}">
+                <a16:creationId xmlns:a16="http://schemas.microsoft.com/office/drawing/2014/main" id="{3E89DB5D-F690-D773-EBCB-66099FF43AE1}"/>
+              </a:ext>
+            </a:extLst>
+          </p:cNvPr>
+          <p:cNvGrpSpPr/>
+          <p:nvPr/>
+        </p:nvGrpSpPr>
+        <p:grpSpPr>
+          <a:xfrm>
+            <a:off x="4858752" y="3646627"/>
+            <a:ext cx="646319" cy="646319"/>
+            <a:chOff x="2838875" y="4675127"/>
+            <a:chExt cx="646319" cy="646319"/>
+          </a:xfrm>
+        </p:grpSpPr>
+        <p:sp>
+          <p:nvSpPr>
+            <p:cNvPr id="36" name="Rechteck 35">
+              <a:extLst>
+                <a:ext uri="{FF2B5EF4-FFF2-40B4-BE49-F238E27FC236}">
+                  <a16:creationId xmlns:a16="http://schemas.microsoft.com/office/drawing/2014/main" id="{F7A7E128-CF97-E3BA-D1AB-DD12921F6982}"/>
+                </a:ext>
+              </a:extLst>
+            </p:cNvPr>
+            <p:cNvSpPr/>
+            <p:nvPr/>
+          </p:nvSpPr>
+          <p:spPr>
+            <a:xfrm>
+              <a:off x="2899317" y="4817327"/>
+              <a:ext cx="520390" cy="356840"/>
+            </a:xfrm>
+            <a:prstGeom prst="rect">
+              <a:avLst/>
+            </a:prstGeom>
+            <a:solidFill>
+              <a:schemeClr val="bg1">
+                <a:alpha val="50000"/>
+              </a:schemeClr>
+            </a:solidFill>
+            <a:ln>
+              <a:noFill/>
+            </a:ln>
+          </p:spPr>
+          <p:style>
+            <a:lnRef idx="2">
+              <a:schemeClr val="accent1">
+                <a:shade val="15000"/>
+              </a:schemeClr>
+            </a:lnRef>
+            <a:fillRef idx="1">
+              <a:schemeClr val="accent1"/>
+            </a:fillRef>
+            <a:effectRef idx="0">
+              <a:schemeClr val="accent1"/>
+            </a:effectRef>
+            <a:fontRef idx="minor">
+              <a:schemeClr val="lt1"/>
+            </a:fontRef>
+          </p:style>
+          <p:txBody>
+            <a:bodyPr rtlCol="0" anchor="ctr"/>
+            <a:lstStyle/>
+            <a:p>
+              <a:pPr algn="ctr"/>
+              <a:endParaRPr lang="de-DE" dirty="0"/>
+            </a:p>
+          </p:txBody>
+        </p:sp>
+        <p:pic>
+          <p:nvPicPr>
+            <p:cNvPr id="40" name="Grafik 39" descr="Tabelle mit einfarbiger Füllung">
+              <a:extLst>
+                <a:ext uri="{FF2B5EF4-FFF2-40B4-BE49-F238E27FC236}">
+                  <a16:creationId xmlns:a16="http://schemas.microsoft.com/office/drawing/2014/main" id="{CE9F9485-B6EF-D430-24F0-AED65AC80CCF}"/>
+                </a:ext>
+              </a:extLst>
+            </p:cNvPr>
+            <p:cNvPicPr>
+              <a:picLocks noChangeAspect="1"/>
+            </p:cNvPicPr>
+            <p:nvPr/>
+          </p:nvPicPr>
+          <p:blipFill>
+            <a:blip r:embed="rId15">
+              <a:alphaModFix/>
+              <a:extLst>
+                <a:ext uri="{96DAC541-7B7A-43D3-8B79-37D633B846F1}">
+                  <asvg:svgBlip xmlns:asvg="http://schemas.microsoft.com/office/drawing/2016/SVG/main" r:embed="rId16"/>
+                </a:ext>
+              </a:extLst>
+            </a:blip>
+            <a:stretch>
+              <a:fillRect/>
+            </a:stretch>
+          </p:blipFill>
+          <p:spPr>
+            <a:xfrm>
+              <a:off x="2838875" y="4675127"/>
+              <a:ext cx="646319" cy="646319"/>
+            </a:xfrm>
+            <a:prstGeom prst="rect">
+              <a:avLst/>
+            </a:prstGeom>
+          </p:spPr>
+        </p:pic>
+      </p:grpSp>
+      <p:grpSp>
+        <p:nvGrpSpPr>
+          <p:cNvPr id="41" name="Gruppieren 40">
+            <a:extLst>
+              <a:ext uri="{FF2B5EF4-FFF2-40B4-BE49-F238E27FC236}">
+                <a16:creationId xmlns:a16="http://schemas.microsoft.com/office/drawing/2014/main" id="{A21A2F39-BAA8-19F7-7F7C-3CEE62CFA83F}"/>
+              </a:ext>
+            </a:extLst>
+          </p:cNvPr>
+          <p:cNvGrpSpPr/>
+          <p:nvPr/>
+        </p:nvGrpSpPr>
+        <p:grpSpPr>
+          <a:xfrm>
+            <a:off x="5116424" y="3465667"/>
+            <a:ext cx="646319" cy="646319"/>
+            <a:chOff x="2838875" y="4675127"/>
+            <a:chExt cx="646319" cy="646319"/>
+          </a:xfrm>
+        </p:grpSpPr>
+        <p:sp>
+          <p:nvSpPr>
+            <p:cNvPr id="42" name="Rechteck 41">
+              <a:extLst>
+                <a:ext uri="{FF2B5EF4-FFF2-40B4-BE49-F238E27FC236}">
+                  <a16:creationId xmlns:a16="http://schemas.microsoft.com/office/drawing/2014/main" id="{51CF3A06-7E96-0A45-EAE0-EA0659A9329B}"/>
+                </a:ext>
+              </a:extLst>
+            </p:cNvPr>
+            <p:cNvSpPr/>
+            <p:nvPr/>
+          </p:nvSpPr>
+          <p:spPr>
+            <a:xfrm>
+              <a:off x="2899317" y="4817327"/>
+              <a:ext cx="520390" cy="356840"/>
+            </a:xfrm>
+            <a:prstGeom prst="rect">
+              <a:avLst/>
+            </a:prstGeom>
+            <a:solidFill>
+              <a:schemeClr val="bg1"/>
+            </a:solidFill>
+            <a:ln>
+              <a:noFill/>
+            </a:ln>
+          </p:spPr>
+          <p:style>
+            <a:lnRef idx="2">
+              <a:schemeClr val="accent1">
+                <a:shade val="15000"/>
+              </a:schemeClr>
+            </a:lnRef>
+            <a:fillRef idx="1">
+              <a:schemeClr val="accent1"/>
+            </a:fillRef>
+            <a:effectRef idx="0">
+              <a:schemeClr val="accent1"/>
+            </a:effectRef>
+            <a:fontRef idx="minor">
+              <a:schemeClr val="lt1"/>
+            </a:fontRef>
+          </p:style>
+          <p:txBody>
+            <a:bodyPr rtlCol="0" anchor="ctr"/>
+            <a:lstStyle/>
+            <a:p>
+              <a:pPr algn="ctr"/>
+              <a:endParaRPr lang="de-DE" dirty="0"/>
+            </a:p>
+          </p:txBody>
+        </p:sp>
+        <p:pic>
+          <p:nvPicPr>
+            <p:cNvPr id="44" name="Grafik 43" descr="Tabelle mit einfarbiger Füllung">
+              <a:extLst>
+                <a:ext uri="{FF2B5EF4-FFF2-40B4-BE49-F238E27FC236}">
+                  <a16:creationId xmlns:a16="http://schemas.microsoft.com/office/drawing/2014/main" id="{48131D74-115F-F7EC-2332-BA7E99973A94}"/>
+                </a:ext>
+              </a:extLst>
+            </p:cNvPr>
+            <p:cNvPicPr>
+              <a:picLocks noChangeAspect="1"/>
+            </p:cNvPicPr>
+            <p:nvPr/>
+          </p:nvPicPr>
+          <p:blipFill>
+            <a:blip r:embed="rId15">
+              <a:alphaModFix/>
+              <a:extLst>
+                <a:ext uri="{96DAC541-7B7A-43D3-8B79-37D633B846F1}">
+                  <asvg:svgBlip xmlns:asvg="http://schemas.microsoft.com/office/drawing/2016/SVG/main" r:embed="rId16"/>
+                </a:ext>
+              </a:extLst>
+            </a:blip>
+            <a:stretch>
+              <a:fillRect/>
+            </a:stretch>
+          </p:blipFill>
+          <p:spPr>
+            <a:xfrm>
+              <a:off x="2838875" y="4675127"/>
+              <a:ext cx="646319" cy="646319"/>
+            </a:xfrm>
+            <a:prstGeom prst="rect">
+              <a:avLst/>
+            </a:prstGeom>
+          </p:spPr>
+        </p:pic>
+      </p:grpSp>
+      <p:cxnSp>
+        <p:nvCxnSpPr>
+          <p:cNvPr id="71" name="Gerade Verbindung mit Pfeil 70">
+            <a:extLst>
+              <a:ext uri="{FF2B5EF4-FFF2-40B4-BE49-F238E27FC236}">
+                <a16:creationId xmlns:a16="http://schemas.microsoft.com/office/drawing/2014/main" id="{3AAC659B-03CE-4D92-D472-F346C3DC7A08}"/>
+              </a:ext>
+            </a:extLst>
+          </p:cNvPr>
+          <p:cNvCxnSpPr>
+            <a:cxnSpLocks/>
+          </p:cNvCxnSpPr>
+          <p:nvPr/>
+        </p:nvCxnSpPr>
+        <p:spPr>
+          <a:xfrm>
+            <a:off x="3869021" y="4559506"/>
+            <a:ext cx="659037" cy="0"/>
+          </a:xfrm>
+          <a:prstGeom prst="straightConnector1">
+            <a:avLst/>
+          </a:prstGeom>
+          <a:ln w="88900">
+            <a:solidFill>
+              <a:schemeClr val="accent4">
+                <a:lumMod val="50000"/>
+              </a:schemeClr>
+            </a:solidFill>
+            <a:prstDash val="sysDot"/>
+            <a:tailEnd type="triangle"/>
+          </a:ln>
+        </p:spPr>
+        <p:style>
+          <a:lnRef idx="1">
+            <a:schemeClr val="accent1"/>
+          </a:lnRef>
+          <a:fillRef idx="0">
+            <a:schemeClr val="accent1"/>
+          </a:fillRef>
+          <a:effectRef idx="0">
+            <a:schemeClr val="accent1"/>
+          </a:effectRef>
+          <a:fontRef idx="minor">
+            <a:schemeClr val="tx1"/>
+          </a:fontRef>
+        </p:style>
+      </p:cxnSp>
+      <p:sp>
+        <p:nvSpPr>
+          <p:cNvPr id="74" name="Textfeld 73">
+            <a:extLst>
+              <a:ext uri="{FF2B5EF4-FFF2-40B4-BE49-F238E27FC236}">
+                <a16:creationId xmlns:a16="http://schemas.microsoft.com/office/drawing/2014/main" id="{EB9837CC-D2DE-0C71-4D19-AF3A1F2716C6}"/>
+              </a:ext>
+            </a:extLst>
+          </p:cNvPr>
+          <p:cNvSpPr txBox="1"/>
+          <p:nvPr/>
+        </p:nvSpPr>
+        <p:spPr>
+          <a:xfrm>
+            <a:off x="4528058" y="4287867"/>
+            <a:ext cx="1614896" cy="646331"/>
+          </a:xfrm>
+          <a:prstGeom prst="rect">
+            <a:avLst/>
+          </a:prstGeom>
+          <a:noFill/>
+        </p:spPr>
+        <p:txBody>
+          <a:bodyPr wrap="square">
+            <a:spAutoFit/>
+          </a:bodyPr>
+          <a:lstStyle/>
+          <a:p>
+            <a:pPr algn="ctr"/>
+            <a:r>
+              <a:rPr lang="de-DE" dirty="0">
+                <a:solidFill>
+                  <a:schemeClr val="accent4">
+                    <a:lumMod val="50000"/>
+                  </a:schemeClr>
+                </a:solidFill>
+                <a:latin typeface="Georgia" panose="02040502050405020303" pitchFamily="18" charset="0"/>
+              </a:rPr>
+              <a:t>Table </a:t>
+            </a:r>
+            <a:r>
+              <a:rPr lang="de-DE" dirty="0" err="1">
+                <a:solidFill>
+                  <a:schemeClr val="accent4">
+                    <a:lumMod val="50000"/>
+                  </a:schemeClr>
+                </a:solidFill>
+                <a:latin typeface="Georgia" panose="02040502050405020303" pitchFamily="18" charset="0"/>
+              </a:rPr>
+              <a:t>Serialization</a:t>
+            </a:r>
+            <a:endParaRPr lang="de-DE" dirty="0">
+              <a:solidFill>
+                <a:schemeClr val="accent4">
+                  <a:lumMod val="50000"/>
+                </a:schemeClr>
+              </a:solidFill>
+              <a:latin typeface="Georgia" panose="02040502050405020303" pitchFamily="18" charset="0"/>
+            </a:endParaRPr>
+          </a:p>
+        </p:txBody>
+      </p:sp>
+      <p:cxnSp>
+        <p:nvCxnSpPr>
+          <p:cNvPr id="75" name="Gerade Verbindung mit Pfeil 74">
+            <a:extLst>
+              <a:ext uri="{FF2B5EF4-FFF2-40B4-BE49-F238E27FC236}">
+                <a16:creationId xmlns:a16="http://schemas.microsoft.com/office/drawing/2014/main" id="{48309DF0-A36E-FC36-90AD-9CD6F54F6268}"/>
+              </a:ext>
+            </a:extLst>
+          </p:cNvPr>
+          <p:cNvCxnSpPr>
+            <a:cxnSpLocks/>
+          </p:cNvCxnSpPr>
+          <p:nvPr/>
+        </p:nvCxnSpPr>
+        <p:spPr>
+          <a:xfrm flipV="1">
+            <a:off x="5279818" y="2953664"/>
+            <a:ext cx="0" cy="512003"/>
+          </a:xfrm>
+          <a:prstGeom prst="straightConnector1">
+            <a:avLst/>
+          </a:prstGeom>
+          <a:ln w="88900">
+            <a:solidFill>
+              <a:schemeClr val="accent4">
+                <a:lumMod val="50000"/>
+              </a:schemeClr>
+            </a:solidFill>
+            <a:prstDash val="sysDot"/>
+            <a:tailEnd type="triangle"/>
+          </a:ln>
+        </p:spPr>
+        <p:style>
+          <a:lnRef idx="1">
+            <a:schemeClr val="accent1"/>
+          </a:lnRef>
+          <a:fillRef idx="0">
+            <a:schemeClr val="accent1"/>
+          </a:fillRef>
+          <a:effectRef idx="0">
+            <a:schemeClr val="accent1"/>
+          </a:effectRef>
+          <a:fontRef idx="minor">
+            <a:schemeClr val="tx1"/>
+          </a:fontRef>
+        </p:style>
+      </p:cxnSp>
+      <p:pic>
+        <p:nvPicPr>
+          <p:cNvPr id="95" name="Grafik 94" descr="Übertragen mit einfarbiger Füllung">
+            <a:extLst>
+              <a:ext uri="{FF2B5EF4-FFF2-40B4-BE49-F238E27FC236}">
+                <a16:creationId xmlns:a16="http://schemas.microsoft.com/office/drawing/2014/main" id="{8F8BD62D-8788-25C1-5D72-4F0F28568E77}"/>
+              </a:ext>
+            </a:extLst>
+          </p:cNvPr>
+          <p:cNvPicPr>
+            <a:picLocks noChangeAspect="1"/>
+          </p:cNvPicPr>
+          <p:nvPr/>
+        </p:nvPicPr>
+        <p:blipFill>
+          <a:blip r:embed="rId17">
+            <a:extLst>
+              <a:ext uri="{96DAC541-7B7A-43D3-8B79-37D633B846F1}">
+                <asvg:svgBlip xmlns:asvg="http://schemas.microsoft.com/office/drawing/2016/SVG/main" r:embed="rId18"/>
+              </a:ext>
+            </a:extLst>
+          </a:blip>
+          <a:stretch>
+            <a:fillRect/>
+          </a:stretch>
+        </p:blipFill>
+        <p:spPr>
+          <a:xfrm>
+            <a:off x="5014665" y="3620552"/>
+            <a:ext cx="514362" cy="514362"/>
+          </a:xfrm>
+          <a:prstGeom prst="rect">
+            <a:avLst/>
+          </a:prstGeom>
+        </p:spPr>
+      </p:pic>
+      <p:grpSp>
+        <p:nvGrpSpPr>
+          <p:cNvPr id="99" name="Gruppieren 98">
+            <a:extLst>
+              <a:ext uri="{FF2B5EF4-FFF2-40B4-BE49-F238E27FC236}">
+                <a16:creationId xmlns:a16="http://schemas.microsoft.com/office/drawing/2014/main" id="{131D471A-8A84-5730-0AD2-573EE93A8BBB}"/>
+              </a:ext>
+            </a:extLst>
+          </p:cNvPr>
+          <p:cNvGrpSpPr/>
+          <p:nvPr/>
+        </p:nvGrpSpPr>
+        <p:grpSpPr>
+          <a:xfrm>
+            <a:off x="4572710" y="1427765"/>
+            <a:ext cx="378848" cy="380844"/>
+            <a:chOff x="4572710" y="1427765"/>
+            <a:chExt cx="378848" cy="380844"/>
+          </a:xfrm>
+        </p:grpSpPr>
+        <p:grpSp>
+          <p:nvGrpSpPr>
+            <p:cNvPr id="83" name="Gruppieren 82">
+              <a:extLst>
+                <a:ext uri="{FF2B5EF4-FFF2-40B4-BE49-F238E27FC236}">
+                  <a16:creationId xmlns:a16="http://schemas.microsoft.com/office/drawing/2014/main" id="{84F1466D-D622-CE1B-E268-3CE48ED0FB54}"/>
+                </a:ext>
+              </a:extLst>
+            </p:cNvPr>
+            <p:cNvGrpSpPr/>
+            <p:nvPr/>
+          </p:nvGrpSpPr>
+          <p:grpSpPr>
+            <a:xfrm>
+              <a:off x="4572710" y="1427765"/>
+              <a:ext cx="378848" cy="380844"/>
+              <a:chOff x="2838875" y="4675127"/>
+              <a:chExt cx="646319" cy="646319"/>
+            </a:xfrm>
+          </p:grpSpPr>
+          <p:sp>
+            <p:nvSpPr>
+              <p:cNvPr id="84" name="Rechteck 83">
+                <a:extLst>
+                  <a:ext uri="{FF2B5EF4-FFF2-40B4-BE49-F238E27FC236}">
+                    <a16:creationId xmlns:a16="http://schemas.microsoft.com/office/drawing/2014/main" id="{D9DAB2A8-7DC0-1039-5AE8-74FA787AC159}"/>
+                  </a:ext>
+                </a:extLst>
+              </p:cNvPr>
+              <p:cNvSpPr/>
+              <p:nvPr/>
+            </p:nvSpPr>
+            <p:spPr>
+              <a:xfrm>
+                <a:off x="2899317" y="4817327"/>
+                <a:ext cx="520390" cy="356840"/>
+              </a:xfrm>
+              <a:prstGeom prst="rect">
+                <a:avLst/>
+              </a:prstGeom>
+              <a:solidFill>
+                <a:schemeClr val="bg1"/>
+              </a:solidFill>
+              <a:ln>
+                <a:noFill/>
+              </a:ln>
+            </p:spPr>
+            <p:style>
+              <a:lnRef idx="2">
+                <a:schemeClr val="accent1">
+                  <a:shade val="15000"/>
+                </a:schemeClr>
+              </a:lnRef>
+              <a:fillRef idx="1">
+                <a:schemeClr val="accent1"/>
+              </a:fillRef>
+              <a:effectRef idx="0">
+                <a:schemeClr val="accent1"/>
+              </a:effectRef>
+              <a:fontRef idx="minor">
+                <a:schemeClr val="lt1"/>
+              </a:fontRef>
+            </p:style>
+            <p:txBody>
+              <a:bodyPr rtlCol="0" anchor="ctr"/>
+              <a:lstStyle/>
+              <a:p>
+                <a:pPr algn="ctr"/>
+                <a:endParaRPr lang="de-DE" dirty="0"/>
+              </a:p>
+            </p:txBody>
+          </p:sp>
+          <p:pic>
+            <p:nvPicPr>
+              <p:cNvPr id="85" name="Grafik 84" descr="Tabelle mit einfarbiger Füllung">
+                <a:extLst>
+                  <a:ext uri="{FF2B5EF4-FFF2-40B4-BE49-F238E27FC236}">
+                    <a16:creationId xmlns:a16="http://schemas.microsoft.com/office/drawing/2014/main" id="{C49A201B-6D72-3DDC-2BA4-C619FE9E8686}"/>
+                  </a:ext>
+                </a:extLst>
+              </p:cNvPr>
+              <p:cNvPicPr>
+                <a:picLocks noChangeAspect="1"/>
+              </p:cNvPicPr>
+              <p:nvPr/>
+            </p:nvPicPr>
+            <p:blipFill>
+              <a:blip r:embed="rId15">
+                <a:alphaModFix/>
+                <a:extLst>
+                  <a:ext uri="{96DAC541-7B7A-43D3-8B79-37D633B846F1}">
+                    <asvg:svgBlip xmlns:asvg="http://schemas.microsoft.com/office/drawing/2016/SVG/main" r:embed="rId16"/>
+                  </a:ext>
+                </a:extLst>
+              </a:blip>
+              <a:stretch>
+                <a:fillRect/>
+              </a:stretch>
+            </p:blipFill>
+            <p:spPr>
+              <a:xfrm>
+                <a:off x="2838875" y="4675127"/>
+                <a:ext cx="646319" cy="646319"/>
+              </a:xfrm>
+              <a:prstGeom prst="rect">
+                <a:avLst/>
+              </a:prstGeom>
+            </p:spPr>
+          </p:pic>
+        </p:grpSp>
+        <p:pic>
+          <p:nvPicPr>
+            <p:cNvPr id="68" name="Grafik 67" descr="Übertragen mit einfarbiger Füllung">
+              <a:extLst>
+                <a:ext uri="{FF2B5EF4-FFF2-40B4-BE49-F238E27FC236}">
+                  <a16:creationId xmlns:a16="http://schemas.microsoft.com/office/drawing/2014/main" id="{F7E4439C-6E54-2AF3-84BB-617B89CFFC58}"/>
+                </a:ext>
+              </a:extLst>
+            </p:cNvPr>
+            <p:cNvPicPr>
+              <a:picLocks noChangeAspect="1"/>
+            </p:cNvPicPr>
+            <p:nvPr/>
+          </p:nvPicPr>
+          <p:blipFill>
+            <a:blip r:embed="rId17">
+              <a:extLst>
+                <a:ext uri="{96DAC541-7B7A-43D3-8B79-37D633B846F1}">
+                  <asvg:svgBlip xmlns:asvg="http://schemas.microsoft.com/office/drawing/2016/SVG/main" r:embed="rId18"/>
+                </a:ext>
+              </a:extLst>
+            </a:blip>
+            <a:stretch>
+              <a:fillRect/>
+            </a:stretch>
+          </p:blipFill>
+          <p:spPr>
+            <a:xfrm>
+              <a:off x="4654563" y="1528265"/>
+              <a:ext cx="193559" cy="193559"/>
+            </a:xfrm>
+            <a:prstGeom prst="rect">
+              <a:avLst/>
+            </a:prstGeom>
+          </p:spPr>
+        </p:pic>
+      </p:grpSp>
+      <p:grpSp>
+        <p:nvGrpSpPr>
+          <p:cNvPr id="100" name="Gruppieren 99">
+            <a:extLst>
+              <a:ext uri="{FF2B5EF4-FFF2-40B4-BE49-F238E27FC236}">
+                <a16:creationId xmlns:a16="http://schemas.microsoft.com/office/drawing/2014/main" id="{35E2F7E0-BB05-0CF3-8629-A51DB4B02499}"/>
+              </a:ext>
+            </a:extLst>
+          </p:cNvPr>
+          <p:cNvGrpSpPr/>
+          <p:nvPr/>
+        </p:nvGrpSpPr>
+        <p:grpSpPr>
+          <a:xfrm>
+            <a:off x="5139509" y="1422988"/>
+            <a:ext cx="378848" cy="380844"/>
+            <a:chOff x="4572710" y="1427765"/>
+            <a:chExt cx="378848" cy="380844"/>
+          </a:xfrm>
+        </p:grpSpPr>
+        <p:grpSp>
+          <p:nvGrpSpPr>
+            <p:cNvPr id="101" name="Gruppieren 100">
+              <a:extLst>
+                <a:ext uri="{FF2B5EF4-FFF2-40B4-BE49-F238E27FC236}">
+                  <a16:creationId xmlns:a16="http://schemas.microsoft.com/office/drawing/2014/main" id="{A707AD8F-7CFC-90FD-39FA-07D307F58407}"/>
+                </a:ext>
+              </a:extLst>
+            </p:cNvPr>
+            <p:cNvGrpSpPr/>
+            <p:nvPr/>
+          </p:nvGrpSpPr>
+          <p:grpSpPr>
+            <a:xfrm>
+              <a:off x="4572710" y="1427765"/>
+              <a:ext cx="378848" cy="380844"/>
+              <a:chOff x="2838875" y="4675127"/>
+              <a:chExt cx="646319" cy="646319"/>
+            </a:xfrm>
+          </p:grpSpPr>
+          <p:sp>
+            <p:nvSpPr>
+              <p:cNvPr id="103" name="Rechteck 102">
+                <a:extLst>
+                  <a:ext uri="{FF2B5EF4-FFF2-40B4-BE49-F238E27FC236}">
+                    <a16:creationId xmlns:a16="http://schemas.microsoft.com/office/drawing/2014/main" id="{D5B10F0D-4BEC-2098-8D4B-EE3C40868589}"/>
+                  </a:ext>
+                </a:extLst>
+              </p:cNvPr>
+              <p:cNvSpPr/>
+              <p:nvPr/>
+            </p:nvSpPr>
+            <p:spPr>
+              <a:xfrm>
+                <a:off x="2899317" y="4817327"/>
+                <a:ext cx="520390" cy="356840"/>
+              </a:xfrm>
+              <a:prstGeom prst="rect">
+                <a:avLst/>
+              </a:prstGeom>
+              <a:solidFill>
+                <a:schemeClr val="bg1"/>
+              </a:solidFill>
+              <a:ln>
+                <a:noFill/>
+              </a:ln>
+            </p:spPr>
+            <p:style>
+              <a:lnRef idx="2">
+                <a:schemeClr val="accent1">
+                  <a:shade val="15000"/>
+                </a:schemeClr>
+              </a:lnRef>
+              <a:fillRef idx="1">
+                <a:schemeClr val="accent1"/>
+              </a:fillRef>
+              <a:effectRef idx="0">
+                <a:schemeClr val="accent1"/>
+              </a:effectRef>
+              <a:fontRef idx="minor">
+                <a:schemeClr val="lt1"/>
+              </a:fontRef>
+            </p:style>
+            <p:txBody>
+              <a:bodyPr rtlCol="0" anchor="ctr"/>
+              <a:lstStyle/>
+              <a:p>
+                <a:pPr algn="ctr"/>
+                <a:endParaRPr lang="de-DE" dirty="0"/>
+              </a:p>
+            </p:txBody>
+          </p:sp>
+          <p:pic>
+            <p:nvPicPr>
+              <p:cNvPr id="104" name="Grafik 103" descr="Tabelle mit einfarbiger Füllung">
+                <a:extLst>
+                  <a:ext uri="{FF2B5EF4-FFF2-40B4-BE49-F238E27FC236}">
+                    <a16:creationId xmlns:a16="http://schemas.microsoft.com/office/drawing/2014/main" id="{6A9AB8DD-99F6-B12D-8354-36AFF6333312}"/>
+                  </a:ext>
+                </a:extLst>
+              </p:cNvPr>
+              <p:cNvPicPr>
+                <a:picLocks noChangeAspect="1"/>
+              </p:cNvPicPr>
+              <p:nvPr/>
+            </p:nvPicPr>
+            <p:blipFill>
+              <a:blip r:embed="rId15">
+                <a:alphaModFix/>
+                <a:extLst>
+                  <a:ext uri="{96DAC541-7B7A-43D3-8B79-37D633B846F1}">
+                    <asvg:svgBlip xmlns:asvg="http://schemas.microsoft.com/office/drawing/2016/SVG/main" r:embed="rId16"/>
+                  </a:ext>
+                </a:extLst>
+              </a:blip>
+              <a:stretch>
+                <a:fillRect/>
+              </a:stretch>
+            </p:blipFill>
+            <p:spPr>
+              <a:xfrm>
+                <a:off x="2838875" y="4675127"/>
+                <a:ext cx="646319" cy="646319"/>
+              </a:xfrm>
+              <a:prstGeom prst="rect">
+                <a:avLst/>
+              </a:prstGeom>
+            </p:spPr>
+          </p:pic>
+        </p:grpSp>
+        <p:pic>
+          <p:nvPicPr>
+            <p:cNvPr id="102" name="Grafik 101" descr="Übertragen mit einfarbiger Füllung">
+              <a:extLst>
+                <a:ext uri="{FF2B5EF4-FFF2-40B4-BE49-F238E27FC236}">
+                  <a16:creationId xmlns:a16="http://schemas.microsoft.com/office/drawing/2014/main" id="{F32FE288-D47E-5B62-43BD-658FBB37AF5A}"/>
+                </a:ext>
+              </a:extLst>
+            </p:cNvPr>
+            <p:cNvPicPr>
+              <a:picLocks noChangeAspect="1"/>
+            </p:cNvPicPr>
+            <p:nvPr/>
+          </p:nvPicPr>
+          <p:blipFill>
+            <a:blip r:embed="rId17">
+              <a:extLst>
+                <a:ext uri="{96DAC541-7B7A-43D3-8B79-37D633B846F1}">
+                  <asvg:svgBlip xmlns:asvg="http://schemas.microsoft.com/office/drawing/2016/SVG/main" r:embed="rId18"/>
+                </a:ext>
+              </a:extLst>
+            </a:blip>
+            <a:stretch>
+              <a:fillRect/>
+            </a:stretch>
+          </p:blipFill>
+          <p:spPr>
+            <a:xfrm>
+              <a:off x="4654563" y="1528265"/>
+              <a:ext cx="193559" cy="193559"/>
+            </a:xfrm>
+            <a:prstGeom prst="rect">
+              <a:avLst/>
+            </a:prstGeom>
+          </p:spPr>
+        </p:pic>
+      </p:grpSp>
+      <p:grpSp>
+        <p:nvGrpSpPr>
+          <p:cNvPr id="105" name="Gruppieren 104">
+            <a:extLst>
+              <a:ext uri="{FF2B5EF4-FFF2-40B4-BE49-F238E27FC236}">
+                <a16:creationId xmlns:a16="http://schemas.microsoft.com/office/drawing/2014/main" id="{60D047E2-C0A9-9BE9-FB2C-8CCCB730AAD6}"/>
+              </a:ext>
+            </a:extLst>
+          </p:cNvPr>
+          <p:cNvGrpSpPr/>
+          <p:nvPr/>
+        </p:nvGrpSpPr>
+        <p:grpSpPr>
+          <a:xfrm>
+            <a:off x="6572703" y="1407215"/>
+            <a:ext cx="378848" cy="380844"/>
+            <a:chOff x="4572710" y="1427765"/>
+            <a:chExt cx="378848" cy="380844"/>
+          </a:xfrm>
+        </p:grpSpPr>
+        <p:grpSp>
+          <p:nvGrpSpPr>
+            <p:cNvPr id="106" name="Gruppieren 105">
+              <a:extLst>
+                <a:ext uri="{FF2B5EF4-FFF2-40B4-BE49-F238E27FC236}">
+                  <a16:creationId xmlns:a16="http://schemas.microsoft.com/office/drawing/2014/main" id="{2C0850B0-7431-FE31-72C0-791D9ADCD877}"/>
+                </a:ext>
+              </a:extLst>
+            </p:cNvPr>
+            <p:cNvGrpSpPr/>
+            <p:nvPr/>
+          </p:nvGrpSpPr>
+          <p:grpSpPr>
+            <a:xfrm>
+              <a:off x="4572710" y="1427765"/>
+              <a:ext cx="378848" cy="380844"/>
+              <a:chOff x="2838875" y="4675127"/>
+              <a:chExt cx="646319" cy="646319"/>
+            </a:xfrm>
+          </p:grpSpPr>
+          <p:sp>
+            <p:nvSpPr>
+              <p:cNvPr id="108" name="Rechteck 107">
+                <a:extLst>
+                  <a:ext uri="{FF2B5EF4-FFF2-40B4-BE49-F238E27FC236}">
+                    <a16:creationId xmlns:a16="http://schemas.microsoft.com/office/drawing/2014/main" id="{01E3C18A-42A3-6B01-4DA0-65A21FB930EB}"/>
+                  </a:ext>
+                </a:extLst>
+              </p:cNvPr>
+              <p:cNvSpPr/>
+              <p:nvPr/>
+            </p:nvSpPr>
+            <p:spPr>
+              <a:xfrm>
+                <a:off x="2899317" y="4817327"/>
+                <a:ext cx="520390" cy="356840"/>
+              </a:xfrm>
+              <a:prstGeom prst="rect">
+                <a:avLst/>
+              </a:prstGeom>
+              <a:solidFill>
+                <a:schemeClr val="bg1"/>
+              </a:solidFill>
+              <a:ln>
+                <a:noFill/>
+              </a:ln>
+            </p:spPr>
+            <p:style>
+              <a:lnRef idx="2">
+                <a:schemeClr val="accent1">
+                  <a:shade val="15000"/>
+                </a:schemeClr>
+              </a:lnRef>
+              <a:fillRef idx="1">
+                <a:schemeClr val="accent1"/>
+              </a:fillRef>
+              <a:effectRef idx="0">
+                <a:schemeClr val="accent1"/>
+              </a:effectRef>
+              <a:fontRef idx="minor">
+                <a:schemeClr val="lt1"/>
+              </a:fontRef>
+            </p:style>
+            <p:txBody>
+              <a:bodyPr rtlCol="0" anchor="ctr"/>
+              <a:lstStyle/>
+              <a:p>
+                <a:pPr algn="ctr"/>
+                <a:endParaRPr lang="de-DE" dirty="0"/>
+              </a:p>
+            </p:txBody>
+          </p:sp>
+          <p:pic>
+            <p:nvPicPr>
+              <p:cNvPr id="109" name="Grafik 108" descr="Tabelle mit einfarbiger Füllung">
+                <a:extLst>
+                  <a:ext uri="{FF2B5EF4-FFF2-40B4-BE49-F238E27FC236}">
+                    <a16:creationId xmlns:a16="http://schemas.microsoft.com/office/drawing/2014/main" id="{79368660-D990-5443-015F-41B8D4D3A7C9}"/>
+                  </a:ext>
+                </a:extLst>
+              </p:cNvPr>
+              <p:cNvPicPr>
+                <a:picLocks noChangeAspect="1"/>
+              </p:cNvPicPr>
+              <p:nvPr/>
+            </p:nvPicPr>
+            <p:blipFill>
+              <a:blip r:embed="rId15">
+                <a:alphaModFix/>
+                <a:extLst>
+                  <a:ext uri="{96DAC541-7B7A-43D3-8B79-37D633B846F1}">
+                    <asvg:svgBlip xmlns:asvg="http://schemas.microsoft.com/office/drawing/2016/SVG/main" r:embed="rId16"/>
+                  </a:ext>
+                </a:extLst>
+              </a:blip>
+              <a:stretch>
+                <a:fillRect/>
+              </a:stretch>
+            </p:blipFill>
+            <p:spPr>
+              <a:xfrm>
+                <a:off x="2838875" y="4675127"/>
+                <a:ext cx="646319" cy="646319"/>
+              </a:xfrm>
+              <a:prstGeom prst="rect">
+                <a:avLst/>
+              </a:prstGeom>
+            </p:spPr>
+          </p:pic>
+        </p:grpSp>
+        <p:pic>
+          <p:nvPicPr>
+            <p:cNvPr id="107" name="Grafik 106" descr="Übertragen mit einfarbiger Füllung">
+              <a:extLst>
+                <a:ext uri="{FF2B5EF4-FFF2-40B4-BE49-F238E27FC236}">
+                  <a16:creationId xmlns:a16="http://schemas.microsoft.com/office/drawing/2014/main" id="{48BCEBE8-9620-7FFF-B896-E0A1864FD321}"/>
+                </a:ext>
+              </a:extLst>
+            </p:cNvPr>
+            <p:cNvPicPr>
+              <a:picLocks noChangeAspect="1"/>
+            </p:cNvPicPr>
+            <p:nvPr/>
+          </p:nvPicPr>
+          <p:blipFill>
+            <a:blip r:embed="rId17">
+              <a:extLst>
+                <a:ext uri="{96DAC541-7B7A-43D3-8B79-37D633B846F1}">
+                  <asvg:svgBlip xmlns:asvg="http://schemas.microsoft.com/office/drawing/2016/SVG/main" r:embed="rId18"/>
+                </a:ext>
+              </a:extLst>
+            </a:blip>
+            <a:stretch>
+              <a:fillRect/>
+            </a:stretch>
+          </p:blipFill>
+          <p:spPr>
+            <a:xfrm>
+              <a:off x="4654563" y="1528265"/>
+              <a:ext cx="193559" cy="193559"/>
+            </a:xfrm>
+            <a:prstGeom prst="rect">
+              <a:avLst/>
+            </a:prstGeom>
+          </p:spPr>
+        </p:pic>
+      </p:grpSp>
+      <p:grpSp>
+        <p:nvGrpSpPr>
+          <p:cNvPr id="110" name="Gruppieren 109">
+            <a:extLst>
+              <a:ext uri="{FF2B5EF4-FFF2-40B4-BE49-F238E27FC236}">
+                <a16:creationId xmlns:a16="http://schemas.microsoft.com/office/drawing/2014/main" id="{7D02B354-73D8-87DD-94D4-0306B6A7CFD2}"/>
+              </a:ext>
+            </a:extLst>
+          </p:cNvPr>
+          <p:cNvGrpSpPr/>
+          <p:nvPr/>
+        </p:nvGrpSpPr>
+        <p:grpSpPr>
+          <a:xfrm>
+            <a:off x="7205391" y="1407541"/>
+            <a:ext cx="378848" cy="380844"/>
+            <a:chOff x="4572710" y="1427765"/>
+            <a:chExt cx="378848" cy="380844"/>
+          </a:xfrm>
+        </p:grpSpPr>
+        <p:grpSp>
+          <p:nvGrpSpPr>
+            <p:cNvPr id="111" name="Gruppieren 110">
+              <a:extLst>
+                <a:ext uri="{FF2B5EF4-FFF2-40B4-BE49-F238E27FC236}">
+                  <a16:creationId xmlns:a16="http://schemas.microsoft.com/office/drawing/2014/main" id="{8A60C3D6-77CC-D288-3E26-21075FA63415}"/>
+                </a:ext>
+              </a:extLst>
+            </p:cNvPr>
+            <p:cNvGrpSpPr/>
+            <p:nvPr/>
+          </p:nvGrpSpPr>
+          <p:grpSpPr>
+            <a:xfrm>
+              <a:off x="4572710" y="1427765"/>
+              <a:ext cx="378848" cy="380844"/>
+              <a:chOff x="2838875" y="4675127"/>
+              <a:chExt cx="646319" cy="646319"/>
+            </a:xfrm>
+          </p:grpSpPr>
+          <p:sp>
+            <p:nvSpPr>
+              <p:cNvPr id="113" name="Rechteck 112">
+                <a:extLst>
+                  <a:ext uri="{FF2B5EF4-FFF2-40B4-BE49-F238E27FC236}">
+                    <a16:creationId xmlns:a16="http://schemas.microsoft.com/office/drawing/2014/main" id="{ADE2B0C8-5DEE-DA65-3DE3-6B1831856FBF}"/>
+                  </a:ext>
+                </a:extLst>
+              </p:cNvPr>
+              <p:cNvSpPr/>
+              <p:nvPr/>
+            </p:nvSpPr>
+            <p:spPr>
+              <a:xfrm>
+                <a:off x="2899317" y="4817327"/>
+                <a:ext cx="520390" cy="356840"/>
+              </a:xfrm>
+              <a:prstGeom prst="rect">
+                <a:avLst/>
+              </a:prstGeom>
+              <a:solidFill>
+                <a:schemeClr val="bg1"/>
+              </a:solidFill>
+              <a:ln>
+                <a:noFill/>
+              </a:ln>
+            </p:spPr>
+            <p:style>
+              <a:lnRef idx="2">
+                <a:schemeClr val="accent1">
+                  <a:shade val="15000"/>
+                </a:schemeClr>
+              </a:lnRef>
+              <a:fillRef idx="1">
+                <a:schemeClr val="accent1"/>
+              </a:fillRef>
+              <a:effectRef idx="0">
+                <a:schemeClr val="accent1"/>
+              </a:effectRef>
+              <a:fontRef idx="minor">
+                <a:schemeClr val="lt1"/>
+              </a:fontRef>
+            </p:style>
+            <p:txBody>
+              <a:bodyPr rtlCol="0" anchor="ctr"/>
+              <a:lstStyle/>
+              <a:p>
+                <a:pPr algn="ctr"/>
+                <a:endParaRPr lang="de-DE" dirty="0"/>
+              </a:p>
+            </p:txBody>
+          </p:sp>
+          <p:pic>
+            <p:nvPicPr>
+              <p:cNvPr id="114" name="Grafik 113" descr="Tabelle mit einfarbiger Füllung">
+                <a:extLst>
+                  <a:ext uri="{FF2B5EF4-FFF2-40B4-BE49-F238E27FC236}">
+                    <a16:creationId xmlns:a16="http://schemas.microsoft.com/office/drawing/2014/main" id="{7806C5A6-A9F0-A450-1CEB-FE7E29C2245E}"/>
+                  </a:ext>
+                </a:extLst>
+              </p:cNvPr>
+              <p:cNvPicPr>
+                <a:picLocks noChangeAspect="1"/>
+              </p:cNvPicPr>
+              <p:nvPr/>
+            </p:nvPicPr>
+            <p:blipFill>
+              <a:blip r:embed="rId15">
+                <a:alphaModFix/>
+                <a:extLst>
+                  <a:ext uri="{96DAC541-7B7A-43D3-8B79-37D633B846F1}">
+                    <asvg:svgBlip xmlns:asvg="http://schemas.microsoft.com/office/drawing/2016/SVG/main" r:embed="rId16"/>
+                  </a:ext>
+                </a:extLst>
+              </a:blip>
+              <a:stretch>
+                <a:fillRect/>
+              </a:stretch>
+            </p:blipFill>
+            <p:spPr>
+              <a:xfrm>
+                <a:off x="2838875" y="4675127"/>
+                <a:ext cx="646319" cy="646319"/>
+              </a:xfrm>
+              <a:prstGeom prst="rect">
+                <a:avLst/>
+              </a:prstGeom>
+            </p:spPr>
+          </p:pic>
+        </p:grpSp>
+        <p:pic>
+          <p:nvPicPr>
+            <p:cNvPr id="112" name="Grafik 111" descr="Übertragen mit einfarbiger Füllung">
+              <a:extLst>
+                <a:ext uri="{FF2B5EF4-FFF2-40B4-BE49-F238E27FC236}">
+                  <a16:creationId xmlns:a16="http://schemas.microsoft.com/office/drawing/2014/main" id="{14855DAC-7394-ECEF-41FC-91E85EBB91E1}"/>
+                </a:ext>
+              </a:extLst>
+            </p:cNvPr>
+            <p:cNvPicPr>
+              <a:picLocks noChangeAspect="1"/>
+            </p:cNvPicPr>
+            <p:nvPr/>
+          </p:nvPicPr>
+          <p:blipFill>
+            <a:blip r:embed="rId17">
+              <a:extLst>
+                <a:ext uri="{96DAC541-7B7A-43D3-8B79-37D633B846F1}">
+                  <asvg:svgBlip xmlns:asvg="http://schemas.microsoft.com/office/drawing/2016/SVG/main" r:embed="rId18"/>
+                </a:ext>
+              </a:extLst>
+            </a:blip>
+            <a:stretch>
+              <a:fillRect/>
+            </a:stretch>
+          </p:blipFill>
+          <p:spPr>
+            <a:xfrm>
+              <a:off x="4654563" y="1528265"/>
+              <a:ext cx="193559" cy="193559"/>
+            </a:xfrm>
+            <a:prstGeom prst="rect">
+              <a:avLst/>
+            </a:prstGeom>
+          </p:spPr>
+        </p:pic>
+      </p:grpSp>
+    </p:spTree>
+    <p:extLst>
+      <p:ext uri="{BB962C8B-B14F-4D97-AF65-F5344CB8AC3E}">
+        <p14:creationId xmlns:p14="http://schemas.microsoft.com/office/powerpoint/2010/main" val="885318750"/>
+      </p:ext>
+    </p:extLst>
+  </p:cSld>
+  <p:clrMapOvr>
+    <a:masterClrMapping/>
+  </p:clrMapOvr>
+</p:sld>
+</file>
+
+<file path=ppt/slides/slide3.xml><?xml version="1.0" encoding="utf-8"?>
+<p:sld xmlns:a="http://schemas.openxmlformats.org/drawingml/2006/main" xmlns:r="http://schemas.openxmlformats.org/officeDocument/2006/relationships" xmlns:p="http://schemas.openxmlformats.org/presentationml/2006/main">
+  <p:cSld>
+    <p:spTree>
+      <p:nvGrpSpPr>
         <p:cNvPr id="1" name=""/>
         <p:cNvGrpSpPr/>
         <p:nvPr/>
@@ -5481,7 +8582,7 @@
         <p:spPr>
           <a:xfrm>
             <a:off x="1079229" y="1001463"/>
-            <a:ext cx="1058837" cy="369332"/>
+            <a:ext cx="1058837" cy="646331"/>
           </a:xfrm>
           <a:prstGeom prst="rect">
             <a:avLst/>
@@ -5495,11 +8596,14 @@
           <a:lstStyle/>
           <a:p>
             <a:r>
-              <a:rPr lang="de-DE" sz="1800" dirty="0">
-                <a:latin typeface="Georgia" panose="02040502050405020303" pitchFamily="18" charset="0"/>
-              </a:rPr>
-              <a:t>Query</a:t>
-            </a:r>
+              <a:rPr lang="de-DE" sz="1800" dirty="0" err="1">
+                <a:latin typeface="Georgia" panose="02040502050405020303" pitchFamily="18" charset="0"/>
+              </a:rPr>
+              <a:t>Wuestion</a:t>
+            </a:r>
+            <a:endParaRPr lang="de-DE" sz="1800" dirty="0">
+              <a:latin typeface="Georgia" panose="02040502050405020303" pitchFamily="18" charset="0"/>
+            </a:endParaRPr>
           </a:p>
         </p:txBody>
       </p:sp>
@@ -9078,6 +12182,2025 @@
     <p:extLst>
       <p:ext uri="{BB962C8B-B14F-4D97-AF65-F5344CB8AC3E}">
         <p14:creationId xmlns:p14="http://schemas.microsoft.com/office/powerpoint/2010/main" val="2532296425"/>
+      </p:ext>
+    </p:extLst>
+  </p:cSld>
+  <p:clrMapOvr>
+    <a:masterClrMapping/>
+  </p:clrMapOvr>
+</p:sld>
+</file>
+
+<file path=ppt/slides/slide4.xml><?xml version="1.0" encoding="utf-8"?>
+<p:sld xmlns:a="http://schemas.openxmlformats.org/drawingml/2006/main" xmlns:r="http://schemas.openxmlformats.org/officeDocument/2006/relationships" xmlns:p="http://schemas.openxmlformats.org/presentationml/2006/main">
+  <p:cSld>
+    <p:spTree>
+      <p:nvGrpSpPr>
+        <p:cNvPr id="1" name="">
+          <a:extLst>
+            <a:ext uri="{FF2B5EF4-FFF2-40B4-BE49-F238E27FC236}">
+              <a16:creationId xmlns:a16="http://schemas.microsoft.com/office/drawing/2014/main" id="{3F95B0A6-07F7-25E9-DDFE-BC97566CC210}"/>
+            </a:ext>
+          </a:extLst>
+        </p:cNvPr>
+        <p:cNvGrpSpPr/>
+        <p:nvPr/>
+      </p:nvGrpSpPr>
+      <p:grpSpPr>
+        <a:xfrm>
+          <a:off x="0" y="0"/>
+          <a:ext cx="0" cy="0"/>
+          <a:chOff x="0" y="0"/>
+          <a:chExt cx="0" cy="0"/>
+        </a:xfrm>
+      </p:grpSpPr>
+      <p:sp>
+        <p:nvSpPr>
+          <p:cNvPr id="6" name="Rechteck: abgerundete Ecken 2">
+            <a:extLst>
+              <a:ext uri="{FF2B5EF4-FFF2-40B4-BE49-F238E27FC236}">
+                <a16:creationId xmlns:a16="http://schemas.microsoft.com/office/drawing/2014/main" id="{FCC28625-6D24-4E34-FB0D-AB21933505CC}"/>
+              </a:ext>
+            </a:extLst>
+          </p:cNvPr>
+          <p:cNvSpPr/>
+          <p:nvPr/>
+        </p:nvSpPr>
+        <p:spPr>
+          <a:xfrm>
+            <a:off x="693505" y="1691555"/>
+            <a:ext cx="1603738" cy="353724"/>
+          </a:xfrm>
+          <a:prstGeom prst="roundRect">
+            <a:avLst/>
+          </a:prstGeom>
+          <a:noFill/>
+          <a:ln w="25400">
+            <a:solidFill>
+              <a:schemeClr val="tx1"/>
+            </a:solidFill>
+          </a:ln>
+        </p:spPr>
+        <p:style>
+          <a:lnRef idx="2">
+            <a:schemeClr val="accent1">
+              <a:shade val="50000"/>
+            </a:schemeClr>
+          </a:lnRef>
+          <a:fillRef idx="1">
+            <a:schemeClr val="accent1"/>
+          </a:fillRef>
+          <a:effectRef idx="0">
+            <a:schemeClr val="accent1"/>
+          </a:effectRef>
+          <a:fontRef idx="minor">
+            <a:schemeClr val="lt1"/>
+          </a:fontRef>
+        </p:style>
+        <p:txBody>
+          <a:bodyPr rtlCol="0" anchor="ctr"/>
+          <a:lstStyle/>
+          <a:p>
+            <a:pPr algn="ctr"/>
+            <a:endParaRPr lang="de-DE">
+              <a:latin typeface="Century" panose="02040604050505020304" pitchFamily="18" charset="0"/>
+              <a:cs typeface="Miriam" panose="020B0604020202020204" pitchFamily="34" charset="-79"/>
+            </a:endParaRPr>
+          </a:p>
+        </p:txBody>
+      </p:sp>
+      <p:pic>
+        <p:nvPicPr>
+          <p:cNvPr id="7" name="Grafik 6" descr="Lupe mit einfarbiger Füllung">
+            <a:extLst>
+              <a:ext uri="{FF2B5EF4-FFF2-40B4-BE49-F238E27FC236}">
+                <a16:creationId xmlns:a16="http://schemas.microsoft.com/office/drawing/2014/main" id="{90F934DA-E22F-117D-6E33-872C5A5C2CEC}"/>
+              </a:ext>
+            </a:extLst>
+          </p:cNvPr>
+          <p:cNvPicPr>
+            <a:picLocks noChangeAspect="1"/>
+          </p:cNvPicPr>
+          <p:nvPr/>
+        </p:nvPicPr>
+        <p:blipFill>
+          <a:blip r:embed="rId2">
+            <a:extLst>
+              <a:ext uri="{28A0092B-C50C-407E-A947-70E740481C1C}">
+                <a14:useLocalDpi xmlns:a14="http://schemas.microsoft.com/office/drawing/2010/main" val="0"/>
+              </a:ext>
+              <a:ext uri="{96DAC541-7B7A-43D3-8B79-37D633B846F1}">
+                <asvg:svgBlip xmlns:asvg="http://schemas.microsoft.com/office/drawing/2016/SVG/main" r:embed="rId3"/>
+              </a:ext>
+            </a:extLst>
+          </a:blip>
+          <a:stretch>
+            <a:fillRect/>
+          </a:stretch>
+        </p:blipFill>
+        <p:spPr>
+          <a:xfrm>
+            <a:off x="818194" y="1734558"/>
+            <a:ext cx="261035" cy="261035"/>
+          </a:xfrm>
+          <a:prstGeom prst="rect">
+            <a:avLst/>
+          </a:prstGeom>
+        </p:spPr>
+      </p:pic>
+      <p:sp>
+        <p:nvSpPr>
+          <p:cNvPr id="8" name="Textfeld 7">
+            <a:extLst>
+              <a:ext uri="{FF2B5EF4-FFF2-40B4-BE49-F238E27FC236}">
+                <a16:creationId xmlns:a16="http://schemas.microsoft.com/office/drawing/2014/main" id="{1942731A-C0D5-3320-4D5A-1851DB625EFB}"/>
+              </a:ext>
+            </a:extLst>
+          </p:cNvPr>
+          <p:cNvSpPr txBox="1"/>
+          <p:nvPr/>
+        </p:nvSpPr>
+        <p:spPr>
+          <a:xfrm>
+            <a:off x="524312" y="1034121"/>
+            <a:ext cx="1942123" cy="369332"/>
+          </a:xfrm>
+          <a:prstGeom prst="rect">
+            <a:avLst/>
+          </a:prstGeom>
+          <a:noFill/>
+        </p:spPr>
+        <p:txBody>
+          <a:bodyPr wrap="square" rtlCol="0">
+            <a:spAutoFit/>
+          </a:bodyPr>
+          <a:lstStyle/>
+          <a:p>
+            <a:r>
+              <a:rPr lang="de-DE" sz="1800" dirty="0">
+                <a:latin typeface="Georgia" panose="02040502050405020303" pitchFamily="18" charset="0"/>
+              </a:rPr>
+              <a:t>Question / Query</a:t>
+            </a:r>
+          </a:p>
+        </p:txBody>
+      </p:sp>
+      <p:grpSp>
+        <p:nvGrpSpPr>
+          <p:cNvPr id="14" name="Gruppieren 13">
+            <a:extLst>
+              <a:ext uri="{FF2B5EF4-FFF2-40B4-BE49-F238E27FC236}">
+                <a16:creationId xmlns:a16="http://schemas.microsoft.com/office/drawing/2014/main" id="{6FE354B0-8F7D-C5AB-AEF7-9DB660D96877}"/>
+              </a:ext>
+            </a:extLst>
+          </p:cNvPr>
+          <p:cNvGrpSpPr/>
+          <p:nvPr/>
+        </p:nvGrpSpPr>
+        <p:grpSpPr>
+          <a:xfrm>
+            <a:off x="3535378" y="1763655"/>
+            <a:ext cx="810650" cy="202840"/>
+            <a:chOff x="5719035" y="3165328"/>
+            <a:chExt cx="597548" cy="149518"/>
+          </a:xfrm>
+        </p:grpSpPr>
+        <p:sp>
+          <p:nvSpPr>
+            <p:cNvPr id="15" name="Rechteck 14">
+              <a:extLst>
+                <a:ext uri="{FF2B5EF4-FFF2-40B4-BE49-F238E27FC236}">
+                  <a16:creationId xmlns:a16="http://schemas.microsoft.com/office/drawing/2014/main" id="{21F5222B-EB6A-B4D0-852E-7CECED1243AD}"/>
+                </a:ext>
+              </a:extLst>
+            </p:cNvPr>
+            <p:cNvSpPr/>
+            <p:nvPr/>
+          </p:nvSpPr>
+          <p:spPr>
+            <a:xfrm>
+              <a:off x="5719035" y="3165328"/>
+              <a:ext cx="149518" cy="149518"/>
+            </a:xfrm>
+            <a:prstGeom prst="rect">
+              <a:avLst/>
+            </a:prstGeom>
+            <a:solidFill>
+              <a:srgbClr val="002060"/>
+            </a:solidFill>
+            <a:ln w="25400">
+              <a:solidFill>
+                <a:schemeClr val="accent1"/>
+              </a:solidFill>
+            </a:ln>
+          </p:spPr>
+          <p:style>
+            <a:lnRef idx="2">
+              <a:schemeClr val="accent1">
+                <a:shade val="50000"/>
+              </a:schemeClr>
+            </a:lnRef>
+            <a:fillRef idx="1">
+              <a:schemeClr val="accent1"/>
+            </a:fillRef>
+            <a:effectRef idx="0">
+              <a:schemeClr val="accent1"/>
+            </a:effectRef>
+            <a:fontRef idx="minor">
+              <a:schemeClr val="lt1"/>
+            </a:fontRef>
+          </p:style>
+          <p:txBody>
+            <a:bodyPr rtlCol="0" anchor="ctr"/>
+            <a:lstStyle/>
+            <a:p>
+              <a:pPr algn="ctr"/>
+              <a:endParaRPr lang="de-DE" dirty="0">
+                <a:latin typeface="Century" panose="02040604050505020304" pitchFamily="18" charset="0"/>
+              </a:endParaRPr>
+            </a:p>
+          </p:txBody>
+        </p:sp>
+        <p:sp>
+          <p:nvSpPr>
+            <p:cNvPr id="16" name="Rechteck 15">
+              <a:extLst>
+                <a:ext uri="{FF2B5EF4-FFF2-40B4-BE49-F238E27FC236}">
+                  <a16:creationId xmlns:a16="http://schemas.microsoft.com/office/drawing/2014/main" id="{23221D15-6AD0-1F00-91F5-B90EC2D09629}"/>
+                </a:ext>
+              </a:extLst>
+            </p:cNvPr>
+            <p:cNvSpPr/>
+            <p:nvPr/>
+          </p:nvSpPr>
+          <p:spPr>
+            <a:xfrm>
+              <a:off x="5874721" y="3165328"/>
+              <a:ext cx="149518" cy="149518"/>
+            </a:xfrm>
+            <a:prstGeom prst="rect">
+              <a:avLst/>
+            </a:prstGeom>
+            <a:solidFill>
+              <a:srgbClr val="002060"/>
+            </a:solidFill>
+            <a:ln w="25400">
+              <a:solidFill>
+                <a:schemeClr val="accent1"/>
+              </a:solidFill>
+            </a:ln>
+          </p:spPr>
+          <p:style>
+            <a:lnRef idx="2">
+              <a:schemeClr val="accent1">
+                <a:shade val="50000"/>
+              </a:schemeClr>
+            </a:lnRef>
+            <a:fillRef idx="1">
+              <a:schemeClr val="accent1"/>
+            </a:fillRef>
+            <a:effectRef idx="0">
+              <a:schemeClr val="accent1"/>
+            </a:effectRef>
+            <a:fontRef idx="minor">
+              <a:schemeClr val="lt1"/>
+            </a:fontRef>
+          </p:style>
+          <p:txBody>
+            <a:bodyPr rtlCol="0" anchor="ctr"/>
+            <a:lstStyle/>
+            <a:p>
+              <a:pPr algn="ctr"/>
+              <a:endParaRPr lang="de-DE">
+                <a:latin typeface="Century" panose="02040604050505020304" pitchFamily="18" charset="0"/>
+              </a:endParaRPr>
+            </a:p>
+          </p:txBody>
+        </p:sp>
+        <p:sp>
+          <p:nvSpPr>
+            <p:cNvPr id="17" name="Rechteck 16">
+              <a:extLst>
+                <a:ext uri="{FF2B5EF4-FFF2-40B4-BE49-F238E27FC236}">
+                  <a16:creationId xmlns:a16="http://schemas.microsoft.com/office/drawing/2014/main" id="{FCB4EF95-25BC-8FF6-3E81-327380B9B796}"/>
+                </a:ext>
+              </a:extLst>
+            </p:cNvPr>
+            <p:cNvSpPr/>
+            <p:nvPr/>
+          </p:nvSpPr>
+          <p:spPr>
+            <a:xfrm>
+              <a:off x="6024239" y="3165328"/>
+              <a:ext cx="149518" cy="149518"/>
+            </a:xfrm>
+            <a:prstGeom prst="rect">
+              <a:avLst/>
+            </a:prstGeom>
+            <a:solidFill>
+              <a:srgbClr val="002060"/>
+            </a:solidFill>
+            <a:ln w="25400">
+              <a:solidFill>
+                <a:schemeClr val="accent1"/>
+              </a:solidFill>
+            </a:ln>
+          </p:spPr>
+          <p:style>
+            <a:lnRef idx="2">
+              <a:schemeClr val="accent1">
+                <a:shade val="50000"/>
+              </a:schemeClr>
+            </a:lnRef>
+            <a:fillRef idx="1">
+              <a:schemeClr val="accent1"/>
+            </a:fillRef>
+            <a:effectRef idx="0">
+              <a:schemeClr val="accent1"/>
+            </a:effectRef>
+            <a:fontRef idx="minor">
+              <a:schemeClr val="lt1"/>
+            </a:fontRef>
+          </p:style>
+          <p:txBody>
+            <a:bodyPr rtlCol="0" anchor="ctr"/>
+            <a:lstStyle/>
+            <a:p>
+              <a:pPr algn="ctr"/>
+              <a:endParaRPr lang="de-DE">
+                <a:latin typeface="Century" panose="02040604050505020304" pitchFamily="18" charset="0"/>
+              </a:endParaRPr>
+            </a:p>
+          </p:txBody>
+        </p:sp>
+        <p:sp>
+          <p:nvSpPr>
+            <p:cNvPr id="27" name="Rechteck 26">
+              <a:extLst>
+                <a:ext uri="{FF2B5EF4-FFF2-40B4-BE49-F238E27FC236}">
+                  <a16:creationId xmlns:a16="http://schemas.microsoft.com/office/drawing/2014/main" id="{92493C9C-3D05-48E1-6009-12D5C0E922D0}"/>
+                </a:ext>
+              </a:extLst>
+            </p:cNvPr>
+            <p:cNvSpPr/>
+            <p:nvPr/>
+          </p:nvSpPr>
+          <p:spPr>
+            <a:xfrm>
+              <a:off x="6167065" y="3165328"/>
+              <a:ext cx="149518" cy="149518"/>
+            </a:xfrm>
+            <a:prstGeom prst="rect">
+              <a:avLst/>
+            </a:prstGeom>
+            <a:solidFill>
+              <a:srgbClr val="002060"/>
+            </a:solidFill>
+            <a:ln w="25400">
+              <a:solidFill>
+                <a:schemeClr val="accent1"/>
+              </a:solidFill>
+            </a:ln>
+          </p:spPr>
+          <p:style>
+            <a:lnRef idx="2">
+              <a:schemeClr val="accent1">
+                <a:shade val="50000"/>
+              </a:schemeClr>
+            </a:lnRef>
+            <a:fillRef idx="1">
+              <a:schemeClr val="accent1"/>
+            </a:fillRef>
+            <a:effectRef idx="0">
+              <a:schemeClr val="accent1"/>
+            </a:effectRef>
+            <a:fontRef idx="minor">
+              <a:schemeClr val="lt1"/>
+            </a:fontRef>
+          </p:style>
+          <p:txBody>
+            <a:bodyPr rtlCol="0" anchor="ctr"/>
+            <a:lstStyle/>
+            <a:p>
+              <a:pPr algn="ctr"/>
+              <a:endParaRPr lang="de-DE">
+                <a:latin typeface="Century" panose="02040604050505020304" pitchFamily="18" charset="0"/>
+              </a:endParaRPr>
+            </a:p>
+          </p:txBody>
+        </p:sp>
+      </p:grpSp>
+      <p:sp>
+        <p:nvSpPr>
+          <p:cNvPr id="28" name="Textfeld 27">
+            <a:extLst>
+              <a:ext uri="{FF2B5EF4-FFF2-40B4-BE49-F238E27FC236}">
+                <a16:creationId xmlns:a16="http://schemas.microsoft.com/office/drawing/2014/main" id="{B58596C1-EFE8-FD18-7526-8BE32F2E4E66}"/>
+              </a:ext>
+            </a:extLst>
+          </p:cNvPr>
+          <p:cNvSpPr txBox="1"/>
+          <p:nvPr/>
+        </p:nvSpPr>
+        <p:spPr>
+          <a:xfrm>
+            <a:off x="2881177" y="1001463"/>
+            <a:ext cx="2136498" cy="369332"/>
+          </a:xfrm>
+          <a:prstGeom prst="rect">
+            <a:avLst/>
+          </a:prstGeom>
+          <a:noFill/>
+        </p:spPr>
+        <p:txBody>
+          <a:bodyPr wrap="square" rtlCol="0">
+            <a:spAutoFit/>
+          </a:bodyPr>
+          <a:lstStyle/>
+          <a:p>
+            <a:r>
+              <a:rPr lang="de-DE" sz="1800" dirty="0">
+                <a:solidFill>
+                  <a:srgbClr val="002060"/>
+                </a:solidFill>
+                <a:latin typeface="Georgia" panose="02040502050405020303" pitchFamily="18" charset="0"/>
+              </a:rPr>
+              <a:t>Query Embedding</a:t>
+            </a:r>
+          </a:p>
+        </p:txBody>
+      </p:sp>
+      <p:cxnSp>
+        <p:nvCxnSpPr>
+          <p:cNvPr id="29" name="Gerade Verbindung mit Pfeil 28">
+            <a:extLst>
+              <a:ext uri="{FF2B5EF4-FFF2-40B4-BE49-F238E27FC236}">
+                <a16:creationId xmlns:a16="http://schemas.microsoft.com/office/drawing/2014/main" id="{ED8A5633-FD6B-127E-5F78-963D95DCD50F}"/>
+              </a:ext>
+            </a:extLst>
+          </p:cNvPr>
+          <p:cNvCxnSpPr>
+            <a:cxnSpLocks/>
+          </p:cNvCxnSpPr>
+          <p:nvPr/>
+        </p:nvCxnSpPr>
+        <p:spPr>
+          <a:xfrm>
+            <a:off x="2644917" y="1870906"/>
+            <a:ext cx="597362" cy="0"/>
+          </a:xfrm>
+          <a:prstGeom prst="straightConnector1">
+            <a:avLst/>
+          </a:prstGeom>
+          <a:ln w="88900">
+            <a:solidFill>
+              <a:srgbClr val="002060"/>
+            </a:solidFill>
+            <a:tailEnd type="triangle"/>
+          </a:ln>
+        </p:spPr>
+        <p:style>
+          <a:lnRef idx="1">
+            <a:schemeClr val="accent1"/>
+          </a:lnRef>
+          <a:fillRef idx="0">
+            <a:schemeClr val="accent1"/>
+          </a:fillRef>
+          <a:effectRef idx="0">
+            <a:schemeClr val="accent1"/>
+          </a:effectRef>
+          <a:fontRef idx="minor">
+            <a:schemeClr val="tx1"/>
+          </a:fontRef>
+        </p:style>
+      </p:cxnSp>
+      <p:pic>
+        <p:nvPicPr>
+          <p:cNvPr id="30" name="Grafik 29" descr="Datenbank mit einfarbiger Füllung">
+            <a:extLst>
+              <a:ext uri="{FF2B5EF4-FFF2-40B4-BE49-F238E27FC236}">
+                <a16:creationId xmlns:a16="http://schemas.microsoft.com/office/drawing/2014/main" id="{364A54DC-FB28-8B2F-002C-9D8821156F4B}"/>
+              </a:ext>
+            </a:extLst>
+          </p:cNvPr>
+          <p:cNvPicPr>
+            <a:picLocks noChangeAspect="1"/>
+          </p:cNvPicPr>
+          <p:nvPr/>
+        </p:nvPicPr>
+        <p:blipFill>
+          <a:blip r:embed="rId4">
+            <a:extLst>
+              <a:ext uri="{96DAC541-7B7A-43D3-8B79-37D633B846F1}">
+                <asvg:svgBlip xmlns:asvg="http://schemas.microsoft.com/office/drawing/2016/SVG/main" r:embed="rId5"/>
+              </a:ext>
+            </a:extLst>
+          </a:blip>
+          <a:stretch>
+            <a:fillRect/>
+          </a:stretch>
+        </p:blipFill>
+        <p:spPr>
+          <a:xfrm>
+            <a:off x="5638799" y="1509295"/>
+            <a:ext cx="914400" cy="914400"/>
+          </a:xfrm>
+          <a:prstGeom prst="rect">
+            <a:avLst/>
+          </a:prstGeom>
+        </p:spPr>
+      </p:pic>
+      <p:sp>
+        <p:nvSpPr>
+          <p:cNvPr id="33" name="Textfeld 32">
+            <a:extLst>
+              <a:ext uri="{FF2B5EF4-FFF2-40B4-BE49-F238E27FC236}">
+                <a16:creationId xmlns:a16="http://schemas.microsoft.com/office/drawing/2014/main" id="{ED22B3E9-37F5-0EC9-5EC9-175960FE8688}"/>
+              </a:ext>
+            </a:extLst>
+          </p:cNvPr>
+          <p:cNvSpPr txBox="1"/>
+          <p:nvPr/>
+        </p:nvSpPr>
+        <p:spPr>
+          <a:xfrm>
+            <a:off x="5195448" y="988656"/>
+            <a:ext cx="1801097" cy="369332"/>
+          </a:xfrm>
+          <a:prstGeom prst="rect">
+            <a:avLst/>
+          </a:prstGeom>
+          <a:noFill/>
+        </p:spPr>
+        <p:txBody>
+          <a:bodyPr wrap="square" rtlCol="0">
+            <a:spAutoFit/>
+          </a:bodyPr>
+          <a:lstStyle/>
+          <a:p>
+            <a:pPr algn="ctr"/>
+            <a:r>
+              <a:rPr lang="de-DE" dirty="0">
+                <a:solidFill>
+                  <a:srgbClr val="C00000"/>
+                </a:solidFill>
+                <a:latin typeface="Georgia" panose="02040502050405020303" pitchFamily="18" charset="0"/>
+              </a:rPr>
+              <a:t>Vector Store</a:t>
+            </a:r>
+          </a:p>
+        </p:txBody>
+      </p:sp>
+      <p:cxnSp>
+        <p:nvCxnSpPr>
+          <p:cNvPr id="36" name="Gerade Verbindung mit Pfeil 35">
+            <a:extLst>
+              <a:ext uri="{FF2B5EF4-FFF2-40B4-BE49-F238E27FC236}">
+                <a16:creationId xmlns:a16="http://schemas.microsoft.com/office/drawing/2014/main" id="{DE0D28D6-09F6-0056-9DDC-FC80D458A3C6}"/>
+              </a:ext>
+            </a:extLst>
+          </p:cNvPr>
+          <p:cNvCxnSpPr>
+            <a:cxnSpLocks/>
+          </p:cNvCxnSpPr>
+          <p:nvPr/>
+        </p:nvCxnSpPr>
+        <p:spPr>
+          <a:xfrm>
+            <a:off x="4827678" y="1870906"/>
+            <a:ext cx="597362" cy="0"/>
+          </a:xfrm>
+          <a:prstGeom prst="straightConnector1">
+            <a:avLst/>
+          </a:prstGeom>
+          <a:ln w="88900">
+            <a:solidFill>
+              <a:srgbClr val="C00000"/>
+            </a:solidFill>
+            <a:tailEnd type="triangle"/>
+          </a:ln>
+        </p:spPr>
+        <p:style>
+          <a:lnRef idx="1">
+            <a:schemeClr val="accent1"/>
+          </a:lnRef>
+          <a:fillRef idx="0">
+            <a:schemeClr val="accent1"/>
+          </a:fillRef>
+          <a:effectRef idx="0">
+            <a:schemeClr val="accent1"/>
+          </a:effectRef>
+          <a:fontRef idx="minor">
+            <a:schemeClr val="tx1"/>
+          </a:fontRef>
+        </p:style>
+      </p:cxnSp>
+      <p:cxnSp>
+        <p:nvCxnSpPr>
+          <p:cNvPr id="37" name="Gerade Verbindung mit Pfeil 36">
+            <a:extLst>
+              <a:ext uri="{FF2B5EF4-FFF2-40B4-BE49-F238E27FC236}">
+                <a16:creationId xmlns:a16="http://schemas.microsoft.com/office/drawing/2014/main" id="{E52C4A84-5B5B-D123-0077-4AB8AFA6F051}"/>
+              </a:ext>
+            </a:extLst>
+          </p:cNvPr>
+          <p:cNvCxnSpPr>
+            <a:cxnSpLocks/>
+          </p:cNvCxnSpPr>
+          <p:nvPr/>
+        </p:nvCxnSpPr>
+        <p:spPr>
+          <a:xfrm>
+            <a:off x="6921949" y="1900403"/>
+            <a:ext cx="597362" cy="0"/>
+          </a:xfrm>
+          <a:prstGeom prst="straightConnector1">
+            <a:avLst/>
+          </a:prstGeom>
+          <a:ln w="88900">
+            <a:solidFill>
+              <a:srgbClr val="660016"/>
+            </a:solidFill>
+            <a:tailEnd type="triangle"/>
+          </a:ln>
+        </p:spPr>
+        <p:style>
+          <a:lnRef idx="1">
+            <a:schemeClr val="accent1"/>
+          </a:lnRef>
+          <a:fillRef idx="0">
+            <a:schemeClr val="accent1"/>
+          </a:fillRef>
+          <a:effectRef idx="0">
+            <a:schemeClr val="accent1"/>
+          </a:effectRef>
+          <a:fontRef idx="minor">
+            <a:schemeClr val="tx1"/>
+          </a:fontRef>
+        </p:style>
+      </p:cxnSp>
+      <p:sp>
+        <p:nvSpPr>
+          <p:cNvPr id="39" name="Textfeld 38">
+            <a:extLst>
+              <a:ext uri="{FF2B5EF4-FFF2-40B4-BE49-F238E27FC236}">
+                <a16:creationId xmlns:a16="http://schemas.microsoft.com/office/drawing/2014/main" id="{70DF2F87-7E63-D0F2-7E6F-9EF8A51093C5}"/>
+              </a:ext>
+            </a:extLst>
+          </p:cNvPr>
+          <p:cNvSpPr txBox="1"/>
+          <p:nvPr/>
+        </p:nvSpPr>
+        <p:spPr>
+          <a:xfrm>
+            <a:off x="7408047" y="1059062"/>
+            <a:ext cx="1801097" cy="369332"/>
+          </a:xfrm>
+          <a:prstGeom prst="rect">
+            <a:avLst/>
+          </a:prstGeom>
+          <a:noFill/>
+        </p:spPr>
+        <p:txBody>
+          <a:bodyPr wrap="square" rtlCol="0">
+            <a:spAutoFit/>
+          </a:bodyPr>
+          <a:lstStyle/>
+          <a:p>
+            <a:pPr algn="ctr"/>
+            <a:r>
+              <a:rPr lang="de-DE" dirty="0">
+                <a:solidFill>
+                  <a:srgbClr val="660016"/>
+                </a:solidFill>
+                <a:latin typeface="Georgia" panose="02040502050405020303" pitchFamily="18" charset="0"/>
+              </a:rPr>
+              <a:t>Top-K Chunks</a:t>
+            </a:r>
+          </a:p>
+        </p:txBody>
+      </p:sp>
+      <p:grpSp>
+        <p:nvGrpSpPr>
+          <p:cNvPr id="40" name="Gruppieren 39">
+            <a:extLst>
+              <a:ext uri="{FF2B5EF4-FFF2-40B4-BE49-F238E27FC236}">
+                <a16:creationId xmlns:a16="http://schemas.microsoft.com/office/drawing/2014/main" id="{8211A066-2185-E3FE-2C68-13FCF301DDF4}"/>
+              </a:ext>
+            </a:extLst>
+          </p:cNvPr>
+          <p:cNvGrpSpPr/>
+          <p:nvPr/>
+        </p:nvGrpSpPr>
+        <p:grpSpPr>
+          <a:xfrm>
+            <a:off x="7687584" y="1523238"/>
+            <a:ext cx="699636" cy="699636"/>
+            <a:chOff x="6121978" y="1939186"/>
+            <a:chExt cx="699636" cy="699636"/>
+          </a:xfrm>
+          <a:solidFill>
+            <a:srgbClr val="660016"/>
+          </a:solidFill>
+        </p:grpSpPr>
+        <p:pic>
+          <p:nvPicPr>
+            <p:cNvPr id="41" name="Grafik 40" descr="Dokument mit einfarbiger Füllung">
+              <a:extLst>
+                <a:ext uri="{FF2B5EF4-FFF2-40B4-BE49-F238E27FC236}">
+                  <a16:creationId xmlns:a16="http://schemas.microsoft.com/office/drawing/2014/main" id="{67861810-F38D-E240-5779-A19DD769BE6C}"/>
+                </a:ext>
+              </a:extLst>
+            </p:cNvPr>
+            <p:cNvPicPr>
+              <a:picLocks noChangeAspect="1"/>
+            </p:cNvPicPr>
+            <p:nvPr/>
+          </p:nvPicPr>
+          <p:blipFill>
+            <a:blip r:embed="rId6">
+              <a:extLst>
+                <a:ext uri="{96DAC541-7B7A-43D3-8B79-37D633B846F1}">
+                  <asvg:svgBlip xmlns:asvg="http://schemas.microsoft.com/office/drawing/2016/SVG/main" r:embed="rId7"/>
+                </a:ext>
+              </a:extLst>
+            </a:blip>
+            <a:stretch>
+              <a:fillRect/>
+            </a:stretch>
+          </p:blipFill>
+          <p:spPr>
+            <a:xfrm>
+              <a:off x="6121978" y="1939186"/>
+              <a:ext cx="699636" cy="699636"/>
+            </a:xfrm>
+            <a:prstGeom prst="rect">
+              <a:avLst/>
+            </a:prstGeom>
+            <a:effectLst>
+              <a:outerShdw blurRad="50800" dist="38100" dir="2700000" algn="tl" rotWithShape="0">
+                <a:prstClr val="black">
+                  <a:alpha val="40000"/>
+                </a:prstClr>
+              </a:outerShdw>
+            </a:effectLst>
+          </p:spPr>
+        </p:pic>
+        <p:cxnSp>
+          <p:nvCxnSpPr>
+            <p:cNvPr id="42" name="Gerade Verbindung 41">
+              <a:extLst>
+                <a:ext uri="{FF2B5EF4-FFF2-40B4-BE49-F238E27FC236}">
+                  <a16:creationId xmlns:a16="http://schemas.microsoft.com/office/drawing/2014/main" id="{C9BFFA65-BA71-C05F-54F1-5271A4329718}"/>
+                </a:ext>
+              </a:extLst>
+            </p:cNvPr>
+            <p:cNvCxnSpPr>
+              <a:cxnSpLocks/>
+              <a:endCxn id="41" idx="2"/>
+            </p:cNvCxnSpPr>
+            <p:nvPr/>
+          </p:nvCxnSpPr>
+          <p:spPr>
+            <a:xfrm flipH="1">
+              <a:off x="6471796" y="1939186"/>
+              <a:ext cx="2746" cy="699636"/>
+            </a:xfrm>
+            <a:prstGeom prst="line">
+              <a:avLst/>
+            </a:prstGeom>
+            <a:grpFill/>
+            <a:ln w="63500">
+              <a:solidFill>
+                <a:schemeClr val="bg1"/>
+              </a:solidFill>
+            </a:ln>
+          </p:spPr>
+          <p:style>
+            <a:lnRef idx="1">
+              <a:schemeClr val="accent1"/>
+            </a:lnRef>
+            <a:fillRef idx="0">
+              <a:schemeClr val="accent1"/>
+            </a:fillRef>
+            <a:effectRef idx="0">
+              <a:schemeClr val="accent1"/>
+            </a:effectRef>
+            <a:fontRef idx="minor">
+              <a:schemeClr val="tx1"/>
+            </a:fontRef>
+          </p:style>
+        </p:cxnSp>
+        <p:cxnSp>
+          <p:nvCxnSpPr>
+            <p:cNvPr id="43" name="Gerade Verbindung 42">
+              <a:extLst>
+                <a:ext uri="{FF2B5EF4-FFF2-40B4-BE49-F238E27FC236}">
+                  <a16:creationId xmlns:a16="http://schemas.microsoft.com/office/drawing/2014/main" id="{34C95E5B-0CC8-34B8-741D-F6D1D1B90546}"/>
+                </a:ext>
+              </a:extLst>
+            </p:cNvPr>
+            <p:cNvCxnSpPr>
+              <a:cxnSpLocks/>
+              <a:stCxn id="41" idx="1"/>
+            </p:cNvCxnSpPr>
+            <p:nvPr/>
+          </p:nvCxnSpPr>
+          <p:spPr>
+            <a:xfrm>
+              <a:off x="6121978" y="2289004"/>
+              <a:ext cx="699636" cy="0"/>
+            </a:xfrm>
+            <a:prstGeom prst="line">
+              <a:avLst/>
+            </a:prstGeom>
+            <a:grpFill/>
+            <a:ln w="63500">
+              <a:solidFill>
+                <a:schemeClr val="bg1"/>
+              </a:solidFill>
+            </a:ln>
+          </p:spPr>
+          <p:style>
+            <a:lnRef idx="1">
+              <a:schemeClr val="accent1"/>
+            </a:lnRef>
+            <a:fillRef idx="0">
+              <a:schemeClr val="accent1"/>
+            </a:fillRef>
+            <a:effectRef idx="0">
+              <a:schemeClr val="accent1"/>
+            </a:effectRef>
+            <a:fontRef idx="minor">
+              <a:schemeClr val="tx1"/>
+            </a:fontRef>
+          </p:style>
+        </p:cxnSp>
+      </p:grpSp>
+      <p:grpSp>
+        <p:nvGrpSpPr>
+          <p:cNvPr id="44" name="Gruppieren 43">
+            <a:extLst>
+              <a:ext uri="{FF2B5EF4-FFF2-40B4-BE49-F238E27FC236}">
+                <a16:creationId xmlns:a16="http://schemas.microsoft.com/office/drawing/2014/main" id="{803B0C1A-2927-B1D5-50AE-1BF9D4DE45D4}"/>
+              </a:ext>
+            </a:extLst>
+          </p:cNvPr>
+          <p:cNvGrpSpPr/>
+          <p:nvPr/>
+        </p:nvGrpSpPr>
+        <p:grpSpPr>
+          <a:xfrm>
+            <a:off x="8292267" y="1537987"/>
+            <a:ext cx="699636" cy="699636"/>
+            <a:chOff x="6121978" y="1939186"/>
+            <a:chExt cx="699636" cy="699636"/>
+          </a:xfrm>
+          <a:solidFill>
+            <a:srgbClr val="660016"/>
+          </a:solidFill>
+        </p:grpSpPr>
+        <p:pic>
+          <p:nvPicPr>
+            <p:cNvPr id="45" name="Grafik 44" descr="Dokument mit einfarbiger Füllung">
+              <a:extLst>
+                <a:ext uri="{FF2B5EF4-FFF2-40B4-BE49-F238E27FC236}">
+                  <a16:creationId xmlns:a16="http://schemas.microsoft.com/office/drawing/2014/main" id="{0CB49FA0-FFBA-4AEB-1675-08EBD0DB03A6}"/>
+                </a:ext>
+              </a:extLst>
+            </p:cNvPr>
+            <p:cNvPicPr>
+              <a:picLocks noChangeAspect="1"/>
+            </p:cNvPicPr>
+            <p:nvPr/>
+          </p:nvPicPr>
+          <p:blipFill>
+            <a:blip r:embed="rId6">
+              <a:extLst>
+                <a:ext uri="{96DAC541-7B7A-43D3-8B79-37D633B846F1}">
+                  <asvg:svgBlip xmlns:asvg="http://schemas.microsoft.com/office/drawing/2016/SVG/main" r:embed="rId7"/>
+                </a:ext>
+              </a:extLst>
+            </a:blip>
+            <a:stretch>
+              <a:fillRect/>
+            </a:stretch>
+          </p:blipFill>
+          <p:spPr>
+            <a:xfrm>
+              <a:off x="6121978" y="1939186"/>
+              <a:ext cx="699636" cy="699636"/>
+            </a:xfrm>
+            <a:prstGeom prst="rect">
+              <a:avLst/>
+            </a:prstGeom>
+            <a:effectLst>
+              <a:outerShdw blurRad="50800" dist="38100" dir="2700000" algn="tl" rotWithShape="0">
+                <a:prstClr val="black">
+                  <a:alpha val="40000"/>
+                </a:prstClr>
+              </a:outerShdw>
+            </a:effectLst>
+          </p:spPr>
+        </p:pic>
+        <p:cxnSp>
+          <p:nvCxnSpPr>
+            <p:cNvPr id="46" name="Gerade Verbindung 45">
+              <a:extLst>
+                <a:ext uri="{FF2B5EF4-FFF2-40B4-BE49-F238E27FC236}">
+                  <a16:creationId xmlns:a16="http://schemas.microsoft.com/office/drawing/2014/main" id="{1878FA03-F8BB-2712-CE4F-D0B51DCE1A35}"/>
+                </a:ext>
+              </a:extLst>
+            </p:cNvPr>
+            <p:cNvCxnSpPr>
+              <a:cxnSpLocks/>
+              <a:endCxn id="45" idx="2"/>
+            </p:cNvCxnSpPr>
+            <p:nvPr/>
+          </p:nvCxnSpPr>
+          <p:spPr>
+            <a:xfrm flipH="1">
+              <a:off x="6471796" y="1939186"/>
+              <a:ext cx="2746" cy="699636"/>
+            </a:xfrm>
+            <a:prstGeom prst="line">
+              <a:avLst/>
+            </a:prstGeom>
+            <a:grpFill/>
+            <a:ln w="63500">
+              <a:solidFill>
+                <a:schemeClr val="bg1"/>
+              </a:solidFill>
+            </a:ln>
+          </p:spPr>
+          <p:style>
+            <a:lnRef idx="1">
+              <a:schemeClr val="accent1"/>
+            </a:lnRef>
+            <a:fillRef idx="0">
+              <a:schemeClr val="accent1"/>
+            </a:fillRef>
+            <a:effectRef idx="0">
+              <a:schemeClr val="accent1"/>
+            </a:effectRef>
+            <a:fontRef idx="minor">
+              <a:schemeClr val="tx1"/>
+            </a:fontRef>
+          </p:style>
+        </p:cxnSp>
+        <p:cxnSp>
+          <p:nvCxnSpPr>
+            <p:cNvPr id="47" name="Gerade Verbindung 46">
+              <a:extLst>
+                <a:ext uri="{FF2B5EF4-FFF2-40B4-BE49-F238E27FC236}">
+                  <a16:creationId xmlns:a16="http://schemas.microsoft.com/office/drawing/2014/main" id="{886364CF-5075-1280-4E45-08735E8AC522}"/>
+                </a:ext>
+              </a:extLst>
+            </p:cNvPr>
+            <p:cNvCxnSpPr>
+              <a:cxnSpLocks/>
+              <a:stCxn id="45" idx="1"/>
+            </p:cNvCxnSpPr>
+            <p:nvPr/>
+          </p:nvCxnSpPr>
+          <p:spPr>
+            <a:xfrm>
+              <a:off x="6121978" y="2289004"/>
+              <a:ext cx="699636" cy="0"/>
+            </a:xfrm>
+            <a:prstGeom prst="line">
+              <a:avLst/>
+            </a:prstGeom>
+            <a:grpFill/>
+            <a:ln w="63500">
+              <a:solidFill>
+                <a:schemeClr val="bg1"/>
+              </a:solidFill>
+            </a:ln>
+          </p:spPr>
+          <p:style>
+            <a:lnRef idx="1">
+              <a:schemeClr val="accent1"/>
+            </a:lnRef>
+            <a:fillRef idx="0">
+              <a:schemeClr val="accent1"/>
+            </a:fillRef>
+            <a:effectRef idx="0">
+              <a:schemeClr val="accent1"/>
+            </a:effectRef>
+            <a:fontRef idx="minor">
+              <a:schemeClr val="tx1"/>
+            </a:fontRef>
+          </p:style>
+        </p:cxnSp>
+      </p:grpSp>
+      <p:pic>
+        <p:nvPicPr>
+          <p:cNvPr id="54" name="Grafik 53" descr="Zahnrad mit einfarbiger Füllung">
+            <a:extLst>
+              <a:ext uri="{FF2B5EF4-FFF2-40B4-BE49-F238E27FC236}">
+                <a16:creationId xmlns:a16="http://schemas.microsoft.com/office/drawing/2014/main" id="{22AE9229-E27C-968E-F0C2-9CA25ED7808E}"/>
+              </a:ext>
+            </a:extLst>
+          </p:cNvPr>
+          <p:cNvPicPr>
+            <a:picLocks noChangeAspect="1"/>
+          </p:cNvPicPr>
+          <p:nvPr/>
+        </p:nvPicPr>
+        <p:blipFill>
+          <a:blip r:embed="rId8">
+            <a:extLst>
+              <a:ext uri="{96DAC541-7B7A-43D3-8B79-37D633B846F1}">
+                <asvg:svgBlip xmlns:asvg="http://schemas.microsoft.com/office/drawing/2016/SVG/main" r:embed="rId9"/>
+              </a:ext>
+            </a:extLst>
+          </a:blip>
+          <a:stretch>
+            <a:fillRect/>
+          </a:stretch>
+        </p:blipFill>
+        <p:spPr>
+          <a:xfrm>
+            <a:off x="3969150" y="2860577"/>
+            <a:ext cx="1719857" cy="1719857"/>
+          </a:xfrm>
+          <a:prstGeom prst="rect">
+            <a:avLst/>
+          </a:prstGeom>
+        </p:spPr>
+      </p:pic>
+      <p:sp>
+        <p:nvSpPr>
+          <p:cNvPr id="56" name="Textfeld 55">
+            <a:extLst>
+              <a:ext uri="{FF2B5EF4-FFF2-40B4-BE49-F238E27FC236}">
+                <a16:creationId xmlns:a16="http://schemas.microsoft.com/office/drawing/2014/main" id="{268C4B1D-3581-3967-7260-20FD71685DD9}"/>
+              </a:ext>
+            </a:extLst>
+          </p:cNvPr>
+          <p:cNvSpPr txBox="1"/>
+          <p:nvPr/>
+        </p:nvSpPr>
+        <p:spPr>
+          <a:xfrm>
+            <a:off x="3232853" y="4434446"/>
+            <a:ext cx="3117165" cy="369332"/>
+          </a:xfrm>
+          <a:prstGeom prst="rect">
+            <a:avLst/>
+          </a:prstGeom>
+          <a:noFill/>
+        </p:spPr>
+        <p:txBody>
+          <a:bodyPr wrap="square" rtlCol="0">
+            <a:spAutoFit/>
+          </a:bodyPr>
+          <a:lstStyle/>
+          <a:p>
+            <a:pPr algn="ctr"/>
+            <a:r>
+              <a:rPr lang="de-DE" dirty="0">
+                <a:latin typeface="Georgia" panose="02040502050405020303" pitchFamily="18" charset="0"/>
+              </a:rPr>
+              <a:t>LLM</a:t>
+            </a:r>
+            <a:endParaRPr lang="de-DE" sz="1800" i="1" dirty="0">
+              <a:solidFill>
+                <a:srgbClr val="660016"/>
+              </a:solidFill>
+              <a:latin typeface="Georgia" panose="02040502050405020303" pitchFamily="18" charset="0"/>
+            </a:endParaRPr>
+          </a:p>
+        </p:txBody>
+      </p:sp>
+      <p:cxnSp>
+        <p:nvCxnSpPr>
+          <p:cNvPr id="59" name="Gerade Verbindung mit Pfeil 58">
+            <a:extLst>
+              <a:ext uri="{FF2B5EF4-FFF2-40B4-BE49-F238E27FC236}">
+                <a16:creationId xmlns:a16="http://schemas.microsoft.com/office/drawing/2014/main" id="{32627E4C-01F8-F2B9-36A8-0438FAB8F821}"/>
+              </a:ext>
+            </a:extLst>
+          </p:cNvPr>
+          <p:cNvCxnSpPr>
+            <a:cxnSpLocks/>
+          </p:cNvCxnSpPr>
+          <p:nvPr/>
+        </p:nvCxnSpPr>
+        <p:spPr>
+          <a:xfrm flipH="1">
+            <a:off x="5772251" y="2487613"/>
+            <a:ext cx="1747060" cy="849340"/>
+          </a:xfrm>
+          <a:prstGeom prst="straightConnector1">
+            <a:avLst/>
+          </a:prstGeom>
+          <a:ln w="88900">
+            <a:solidFill>
+              <a:schemeClr val="accent4">
+                <a:lumMod val="60000"/>
+                <a:lumOff val="40000"/>
+              </a:schemeClr>
+            </a:solidFill>
+            <a:tailEnd type="triangle"/>
+          </a:ln>
+        </p:spPr>
+        <p:style>
+          <a:lnRef idx="1">
+            <a:schemeClr val="accent1"/>
+          </a:lnRef>
+          <a:fillRef idx="0">
+            <a:schemeClr val="accent1"/>
+          </a:fillRef>
+          <a:effectRef idx="0">
+            <a:schemeClr val="accent1"/>
+          </a:effectRef>
+          <a:fontRef idx="minor">
+            <a:schemeClr val="tx1"/>
+          </a:fontRef>
+        </p:style>
+      </p:cxnSp>
+      <p:sp>
+        <p:nvSpPr>
+          <p:cNvPr id="60" name="Textfeld 59">
+            <a:extLst>
+              <a:ext uri="{FF2B5EF4-FFF2-40B4-BE49-F238E27FC236}">
+                <a16:creationId xmlns:a16="http://schemas.microsoft.com/office/drawing/2014/main" id="{3CA476C5-8AB9-DEE8-E87C-544576EFBA9F}"/>
+              </a:ext>
+            </a:extLst>
+          </p:cNvPr>
+          <p:cNvSpPr txBox="1"/>
+          <p:nvPr/>
+        </p:nvSpPr>
+        <p:spPr>
+          <a:xfrm>
+            <a:off x="6123705" y="3076278"/>
+            <a:ext cx="1745679" cy="307777"/>
+          </a:xfrm>
+          <a:prstGeom prst="rect">
+            <a:avLst/>
+          </a:prstGeom>
+          <a:noFill/>
+        </p:spPr>
+        <p:txBody>
+          <a:bodyPr wrap="square" rtlCol="0">
+            <a:spAutoFit/>
+          </a:bodyPr>
+          <a:lstStyle/>
+          <a:p>
+            <a:pPr algn="ctr"/>
+            <a:r>
+              <a:rPr lang="de-DE" sz="1400" i="1" dirty="0" err="1">
+                <a:latin typeface="Georgia" panose="02040502050405020303" pitchFamily="18" charset="0"/>
+              </a:rPr>
+              <a:t>Context</a:t>
+            </a:r>
+            <a:endParaRPr lang="de-DE" sz="1400" i="1" dirty="0"/>
+          </a:p>
+        </p:txBody>
+      </p:sp>
+      <p:cxnSp>
+        <p:nvCxnSpPr>
+          <p:cNvPr id="62" name="Gerade Verbindung mit Pfeil 61">
+            <a:extLst>
+              <a:ext uri="{FF2B5EF4-FFF2-40B4-BE49-F238E27FC236}">
+                <a16:creationId xmlns:a16="http://schemas.microsoft.com/office/drawing/2014/main" id="{F4AF2900-0195-37C1-C246-54A4AF1E68FA}"/>
+              </a:ext>
+            </a:extLst>
+          </p:cNvPr>
+          <p:cNvCxnSpPr>
+            <a:cxnSpLocks/>
+          </p:cNvCxnSpPr>
+          <p:nvPr/>
+        </p:nvCxnSpPr>
+        <p:spPr>
+          <a:xfrm>
+            <a:off x="1602955" y="2333381"/>
+            <a:ext cx="2303124" cy="1006506"/>
+          </a:xfrm>
+          <a:prstGeom prst="straightConnector1">
+            <a:avLst/>
+          </a:prstGeom>
+          <a:ln w="88900">
+            <a:solidFill>
+              <a:schemeClr val="accent4">
+                <a:lumMod val="60000"/>
+                <a:lumOff val="40000"/>
+              </a:schemeClr>
+            </a:solidFill>
+            <a:tailEnd type="triangle"/>
+          </a:ln>
+        </p:spPr>
+        <p:style>
+          <a:lnRef idx="1">
+            <a:schemeClr val="accent1"/>
+          </a:lnRef>
+          <a:fillRef idx="0">
+            <a:schemeClr val="accent1"/>
+          </a:fillRef>
+          <a:effectRef idx="0">
+            <a:schemeClr val="accent1"/>
+          </a:effectRef>
+          <a:fontRef idx="minor">
+            <a:schemeClr val="tx1"/>
+          </a:fontRef>
+        </p:style>
+      </p:cxnSp>
+      <p:sp>
+        <p:nvSpPr>
+          <p:cNvPr id="65" name="Textfeld 64">
+            <a:extLst>
+              <a:ext uri="{FF2B5EF4-FFF2-40B4-BE49-F238E27FC236}">
+                <a16:creationId xmlns:a16="http://schemas.microsoft.com/office/drawing/2014/main" id="{06944F01-E1BF-34BE-3177-D3489084C3C4}"/>
+              </a:ext>
+            </a:extLst>
+          </p:cNvPr>
+          <p:cNvSpPr txBox="1"/>
+          <p:nvPr/>
+        </p:nvSpPr>
+        <p:spPr>
+          <a:xfrm>
+            <a:off x="1992539" y="3069831"/>
+            <a:ext cx="1745679" cy="307777"/>
+          </a:xfrm>
+          <a:prstGeom prst="rect">
+            <a:avLst/>
+          </a:prstGeom>
+          <a:noFill/>
+        </p:spPr>
+        <p:txBody>
+          <a:bodyPr wrap="square" rtlCol="0">
+            <a:spAutoFit/>
+          </a:bodyPr>
+          <a:lstStyle/>
+          <a:p>
+            <a:pPr algn="ctr"/>
+            <a:r>
+              <a:rPr lang="de-DE" sz="1400" i="1" dirty="0">
+                <a:latin typeface="Georgia" panose="02040502050405020303" pitchFamily="18" charset="0"/>
+              </a:rPr>
+              <a:t>Query</a:t>
+            </a:r>
+            <a:endParaRPr lang="de-DE" sz="1400" i="1" dirty="0"/>
+          </a:p>
+        </p:txBody>
+      </p:sp>
+      <p:cxnSp>
+        <p:nvCxnSpPr>
+          <p:cNvPr id="66" name="Gerade Verbindung mit Pfeil 65">
+            <a:extLst>
+              <a:ext uri="{FF2B5EF4-FFF2-40B4-BE49-F238E27FC236}">
+                <a16:creationId xmlns:a16="http://schemas.microsoft.com/office/drawing/2014/main" id="{654FE8EE-D24F-5E1D-BABD-7CDB42A22A05}"/>
+              </a:ext>
+            </a:extLst>
+          </p:cNvPr>
+          <p:cNvCxnSpPr>
+            <a:cxnSpLocks/>
+          </p:cNvCxnSpPr>
+          <p:nvPr/>
+        </p:nvCxnSpPr>
+        <p:spPr>
+          <a:xfrm>
+            <a:off x="4774050" y="4886130"/>
+            <a:ext cx="0" cy="528745"/>
+          </a:xfrm>
+          <a:prstGeom prst="straightConnector1">
+            <a:avLst/>
+          </a:prstGeom>
+          <a:ln w="88900">
+            <a:solidFill>
+              <a:schemeClr val="accent4">
+                <a:lumMod val="50000"/>
+              </a:schemeClr>
+            </a:solidFill>
+            <a:tailEnd type="triangle"/>
+          </a:ln>
+        </p:spPr>
+        <p:style>
+          <a:lnRef idx="1">
+            <a:schemeClr val="accent1"/>
+          </a:lnRef>
+          <a:fillRef idx="0">
+            <a:schemeClr val="accent1"/>
+          </a:fillRef>
+          <a:effectRef idx="0">
+            <a:schemeClr val="accent1"/>
+          </a:effectRef>
+          <a:fontRef idx="minor">
+            <a:schemeClr val="tx1"/>
+          </a:fontRef>
+        </p:style>
+      </p:cxnSp>
+      <p:sp>
+        <p:nvSpPr>
+          <p:cNvPr id="68" name="Textfeld 67">
+            <a:extLst>
+              <a:ext uri="{FF2B5EF4-FFF2-40B4-BE49-F238E27FC236}">
+                <a16:creationId xmlns:a16="http://schemas.microsoft.com/office/drawing/2014/main" id="{8237AABE-C4A9-A3EE-4090-F5401D18F2D2}"/>
+              </a:ext>
+            </a:extLst>
+          </p:cNvPr>
+          <p:cNvSpPr txBox="1"/>
+          <p:nvPr/>
+        </p:nvSpPr>
+        <p:spPr>
+          <a:xfrm>
+            <a:off x="3943328" y="5563465"/>
+            <a:ext cx="1745679" cy="369332"/>
+          </a:xfrm>
+          <a:prstGeom prst="rect">
+            <a:avLst/>
+          </a:prstGeom>
+          <a:noFill/>
+          <a:ln w="76200">
+            <a:solidFill>
+              <a:schemeClr val="accent4">
+                <a:lumMod val="50000"/>
+              </a:schemeClr>
+            </a:solidFill>
+          </a:ln>
+        </p:spPr>
+        <p:txBody>
+          <a:bodyPr wrap="square" rtlCol="0">
+            <a:spAutoFit/>
+          </a:bodyPr>
+          <a:lstStyle/>
+          <a:p>
+            <a:pPr algn="ctr"/>
+            <a:r>
+              <a:rPr lang="de-DE" b="1" dirty="0" err="1">
+                <a:latin typeface="Georgia" panose="02040502050405020303" pitchFamily="18" charset="0"/>
+              </a:rPr>
+              <a:t>Answer</a:t>
+            </a:r>
+            <a:endParaRPr lang="de-DE" b="1" dirty="0"/>
+          </a:p>
+        </p:txBody>
+      </p:sp>
+      <p:sp>
+        <p:nvSpPr>
+          <p:cNvPr id="71" name="Textfeld 70">
+            <a:extLst>
+              <a:ext uri="{FF2B5EF4-FFF2-40B4-BE49-F238E27FC236}">
+                <a16:creationId xmlns:a16="http://schemas.microsoft.com/office/drawing/2014/main" id="{F30BC4F0-3B2B-77F5-126E-AFE07C41A83C}"/>
+              </a:ext>
+            </a:extLst>
+          </p:cNvPr>
+          <p:cNvSpPr txBox="1"/>
+          <p:nvPr/>
+        </p:nvSpPr>
+        <p:spPr>
+          <a:xfrm>
+            <a:off x="730117" y="4167263"/>
+            <a:ext cx="1745679" cy="369332"/>
+          </a:xfrm>
+          <a:prstGeom prst="rect">
+            <a:avLst/>
+          </a:prstGeom>
+          <a:noFill/>
+        </p:spPr>
+        <p:txBody>
+          <a:bodyPr wrap="square" rtlCol="0">
+            <a:spAutoFit/>
+          </a:bodyPr>
+          <a:lstStyle/>
+          <a:p>
+            <a:pPr algn="ctr"/>
+            <a:r>
+              <a:rPr lang="de-DE" dirty="0">
+                <a:latin typeface="Georgia" panose="02040502050405020303" pitchFamily="18" charset="0"/>
+              </a:rPr>
+              <a:t>Prompt</a:t>
+            </a:r>
+            <a:endParaRPr lang="de-DE" dirty="0"/>
+          </a:p>
+        </p:txBody>
+      </p:sp>
+      <p:pic>
+        <p:nvPicPr>
+          <p:cNvPr id="73" name="Grafik 72" descr="Chatblase mit einfarbiger Füllung">
+            <a:extLst>
+              <a:ext uri="{FF2B5EF4-FFF2-40B4-BE49-F238E27FC236}">
+                <a16:creationId xmlns:a16="http://schemas.microsoft.com/office/drawing/2014/main" id="{CD3FBED7-C503-465E-5396-D82E730CB082}"/>
+              </a:ext>
+            </a:extLst>
+          </p:cNvPr>
+          <p:cNvPicPr>
+            <a:picLocks noChangeAspect="1"/>
+          </p:cNvPicPr>
+          <p:nvPr/>
+        </p:nvPicPr>
+        <p:blipFill>
+          <a:blip r:embed="rId10">
+            <a:extLst>
+              <a:ext uri="{96DAC541-7B7A-43D3-8B79-37D633B846F1}">
+                <asvg:svgBlip xmlns:asvg="http://schemas.microsoft.com/office/drawing/2016/SVG/main" r:embed="rId11"/>
+              </a:ext>
+            </a:extLst>
+          </a:blip>
+          <a:stretch>
+            <a:fillRect/>
+          </a:stretch>
+        </p:blipFill>
+        <p:spPr>
+          <a:xfrm>
+            <a:off x="1188578" y="3398092"/>
+            <a:ext cx="914400" cy="914400"/>
+          </a:xfrm>
+          <a:prstGeom prst="rect">
+            <a:avLst/>
+          </a:prstGeom>
+        </p:spPr>
+      </p:pic>
+      <p:cxnSp>
+        <p:nvCxnSpPr>
+          <p:cNvPr id="74" name="Gerade Verbindung mit Pfeil 73">
+            <a:extLst>
+              <a:ext uri="{FF2B5EF4-FFF2-40B4-BE49-F238E27FC236}">
+                <a16:creationId xmlns:a16="http://schemas.microsoft.com/office/drawing/2014/main" id="{C8E27F67-45D2-386F-8FE8-158DB83E8EBD}"/>
+              </a:ext>
+            </a:extLst>
+          </p:cNvPr>
+          <p:cNvCxnSpPr>
+            <a:cxnSpLocks/>
+          </p:cNvCxnSpPr>
+          <p:nvPr/>
+        </p:nvCxnSpPr>
+        <p:spPr>
+          <a:xfrm>
+            <a:off x="2096203" y="3909764"/>
+            <a:ext cx="1888663" cy="19439"/>
+          </a:xfrm>
+          <a:prstGeom prst="straightConnector1">
+            <a:avLst/>
+          </a:prstGeom>
+          <a:ln w="88900">
+            <a:solidFill>
+              <a:schemeClr val="accent4">
+                <a:lumMod val="75000"/>
+              </a:schemeClr>
+            </a:solidFill>
+            <a:tailEnd type="triangle"/>
+          </a:ln>
+        </p:spPr>
+        <p:style>
+          <a:lnRef idx="1">
+            <a:schemeClr val="accent1"/>
+          </a:lnRef>
+          <a:fillRef idx="0">
+            <a:schemeClr val="accent1"/>
+          </a:fillRef>
+          <a:effectRef idx="0">
+            <a:schemeClr val="accent1"/>
+          </a:effectRef>
+          <a:fontRef idx="minor">
+            <a:schemeClr val="tx1"/>
+          </a:fontRef>
+        </p:style>
+      </p:cxnSp>
+      <p:sp>
+        <p:nvSpPr>
+          <p:cNvPr id="78" name="Textfeld 77">
+            <a:extLst>
+              <a:ext uri="{FF2B5EF4-FFF2-40B4-BE49-F238E27FC236}">
+                <a16:creationId xmlns:a16="http://schemas.microsoft.com/office/drawing/2014/main" id="{3138DE57-AE7B-387A-5313-09C0E931375A}"/>
+              </a:ext>
+            </a:extLst>
+          </p:cNvPr>
+          <p:cNvSpPr txBox="1"/>
+          <p:nvPr/>
+        </p:nvSpPr>
+        <p:spPr>
+          <a:xfrm>
+            <a:off x="6005731" y="2026676"/>
+            <a:ext cx="2236841" cy="461665"/>
+          </a:xfrm>
+          <a:prstGeom prst="rect">
+            <a:avLst/>
+          </a:prstGeom>
+          <a:noFill/>
+        </p:spPr>
+        <p:txBody>
+          <a:bodyPr wrap="square" rtlCol="0">
+            <a:spAutoFit/>
+          </a:bodyPr>
+          <a:lstStyle/>
+          <a:p>
+            <a:pPr algn="ctr"/>
+            <a:r>
+              <a:rPr lang="de-DE" sz="1200" i="1" dirty="0">
+                <a:solidFill>
+                  <a:srgbClr val="660016"/>
+                </a:solidFill>
+                <a:latin typeface="Georgia" panose="02040502050405020303" pitchFamily="18" charset="0"/>
+              </a:rPr>
+              <a:t>   </a:t>
+            </a:r>
+            <a:r>
+              <a:rPr lang="de-DE" sz="1200" i="1" dirty="0" err="1">
+                <a:solidFill>
+                  <a:srgbClr val="660016"/>
+                </a:solidFill>
+                <a:latin typeface="Georgia" panose="02040502050405020303" pitchFamily="18" charset="0"/>
+              </a:rPr>
+              <a:t>Similarity</a:t>
+            </a:r>
+            <a:r>
+              <a:rPr lang="de-DE" sz="1200" i="1" dirty="0">
+                <a:solidFill>
+                  <a:srgbClr val="660016"/>
+                </a:solidFill>
+                <a:latin typeface="Georgia" panose="02040502050405020303" pitchFamily="18" charset="0"/>
+              </a:rPr>
+              <a:t> </a:t>
+            </a:r>
+            <a:r>
+              <a:rPr lang="de-DE" sz="1200" i="1" dirty="0" err="1">
+                <a:solidFill>
+                  <a:srgbClr val="660016"/>
+                </a:solidFill>
+                <a:latin typeface="Georgia" panose="02040502050405020303" pitchFamily="18" charset="0"/>
+              </a:rPr>
+              <a:t>Metric</a:t>
+            </a:r>
+            <a:endParaRPr lang="de-DE" sz="1200" i="1" dirty="0">
+              <a:solidFill>
+                <a:srgbClr val="660016"/>
+              </a:solidFill>
+              <a:latin typeface="Georgia" panose="02040502050405020303" pitchFamily="18" charset="0"/>
+            </a:endParaRPr>
+          </a:p>
+          <a:p>
+            <a:pPr algn="ctr"/>
+            <a:endParaRPr lang="de-DE" sz="1200" i="1" dirty="0">
+              <a:solidFill>
+                <a:schemeClr val="accent6"/>
+              </a:solidFill>
+              <a:latin typeface="Georgia" panose="02040502050405020303" pitchFamily="18" charset="0"/>
+            </a:endParaRPr>
+          </a:p>
+        </p:txBody>
+      </p:sp>
+      <p:cxnSp>
+        <p:nvCxnSpPr>
+          <p:cNvPr id="2" name="Gerade Verbindung mit Pfeil 1">
+            <a:extLst>
+              <a:ext uri="{FF2B5EF4-FFF2-40B4-BE49-F238E27FC236}">
+                <a16:creationId xmlns:a16="http://schemas.microsoft.com/office/drawing/2014/main" id="{BE4D3C9F-6110-C512-083C-9F10D920FFB9}"/>
+              </a:ext>
+            </a:extLst>
+          </p:cNvPr>
+          <p:cNvCxnSpPr>
+            <a:cxnSpLocks/>
+          </p:cNvCxnSpPr>
+          <p:nvPr/>
+        </p:nvCxnSpPr>
+        <p:spPr>
+          <a:xfrm>
+            <a:off x="6015816" y="5743380"/>
+            <a:ext cx="769368" cy="0"/>
+          </a:xfrm>
+          <a:prstGeom prst="straightConnector1">
+            <a:avLst/>
+          </a:prstGeom>
+          <a:ln w="88900">
+            <a:solidFill>
+              <a:srgbClr val="7030A0"/>
+            </a:solidFill>
+            <a:tailEnd type="triangle"/>
+          </a:ln>
+        </p:spPr>
+        <p:style>
+          <a:lnRef idx="1">
+            <a:schemeClr val="accent1"/>
+          </a:lnRef>
+          <a:fillRef idx="0">
+            <a:schemeClr val="accent1"/>
+          </a:fillRef>
+          <a:effectRef idx="0">
+            <a:schemeClr val="accent1"/>
+          </a:effectRef>
+          <a:fontRef idx="minor">
+            <a:schemeClr val="tx1"/>
+          </a:fontRef>
+        </p:style>
+      </p:cxnSp>
+      <p:pic>
+        <p:nvPicPr>
+          <p:cNvPr id="5" name="Grafik 4" descr="Präsentation mit Checkliste mit einfarbiger Füllung">
+            <a:extLst>
+              <a:ext uri="{FF2B5EF4-FFF2-40B4-BE49-F238E27FC236}">
+                <a16:creationId xmlns:a16="http://schemas.microsoft.com/office/drawing/2014/main" id="{2B4192E2-DAA2-9C95-9ED5-B12498960ABC}"/>
+              </a:ext>
+            </a:extLst>
+          </p:cNvPr>
+          <p:cNvPicPr>
+            <a:picLocks noChangeAspect="1"/>
+          </p:cNvPicPr>
+          <p:nvPr/>
+        </p:nvPicPr>
+        <p:blipFill>
+          <a:blip r:embed="rId12">
+            <a:extLst>
+              <a:ext uri="{96DAC541-7B7A-43D3-8B79-37D633B846F1}">
+                <asvg:svgBlip xmlns:asvg="http://schemas.microsoft.com/office/drawing/2016/SVG/main" r:embed="rId13"/>
+              </a:ext>
+            </a:extLst>
+          </a:blip>
+          <a:stretch>
+            <a:fillRect/>
+          </a:stretch>
+        </p:blipFill>
+        <p:spPr>
+          <a:xfrm>
+            <a:off x="6967521" y="5480786"/>
+            <a:ext cx="600109" cy="600109"/>
+          </a:xfrm>
+          <a:prstGeom prst="rect">
+            <a:avLst/>
+          </a:prstGeom>
+        </p:spPr>
+      </p:pic>
+      <p:sp>
+        <p:nvSpPr>
+          <p:cNvPr id="9" name="Textfeld 8">
+            <a:extLst>
+              <a:ext uri="{FF2B5EF4-FFF2-40B4-BE49-F238E27FC236}">
+                <a16:creationId xmlns:a16="http://schemas.microsoft.com/office/drawing/2014/main" id="{41C45192-BE7D-1A13-08FB-780BBAABB1BC}"/>
+              </a:ext>
+            </a:extLst>
+          </p:cNvPr>
+          <p:cNvSpPr txBox="1"/>
+          <p:nvPr/>
+        </p:nvSpPr>
+        <p:spPr>
+          <a:xfrm>
+            <a:off x="7422396" y="5552310"/>
+            <a:ext cx="1801097" cy="369332"/>
+          </a:xfrm>
+          <a:prstGeom prst="rect">
+            <a:avLst/>
+          </a:prstGeom>
+          <a:noFill/>
+        </p:spPr>
+        <p:txBody>
+          <a:bodyPr wrap="square" rtlCol="0">
+            <a:spAutoFit/>
+          </a:bodyPr>
+          <a:lstStyle/>
+          <a:p>
+            <a:pPr algn="ctr"/>
+            <a:r>
+              <a:rPr lang="de-DE" dirty="0">
+                <a:solidFill>
+                  <a:srgbClr val="7030A0"/>
+                </a:solidFill>
+                <a:latin typeface="Georgia" panose="02040502050405020303" pitchFamily="18" charset="0"/>
+              </a:rPr>
+              <a:t>Evaluation</a:t>
+            </a:r>
+          </a:p>
+        </p:txBody>
+      </p:sp>
+      <p:grpSp>
+        <p:nvGrpSpPr>
+          <p:cNvPr id="22" name="Gruppieren 21">
+            <a:extLst>
+              <a:ext uri="{FF2B5EF4-FFF2-40B4-BE49-F238E27FC236}">
+                <a16:creationId xmlns:a16="http://schemas.microsoft.com/office/drawing/2014/main" id="{B79B95F7-D557-AA80-51BE-D7BE186936EA}"/>
+              </a:ext>
+            </a:extLst>
+          </p:cNvPr>
+          <p:cNvGrpSpPr/>
+          <p:nvPr/>
+        </p:nvGrpSpPr>
+        <p:grpSpPr>
+          <a:xfrm>
+            <a:off x="7582353" y="1426848"/>
+            <a:ext cx="378848" cy="380844"/>
+            <a:chOff x="4572710" y="1427765"/>
+            <a:chExt cx="378848" cy="380844"/>
+          </a:xfrm>
+        </p:grpSpPr>
+        <p:grpSp>
+          <p:nvGrpSpPr>
+            <p:cNvPr id="23" name="Gruppieren 22">
+              <a:extLst>
+                <a:ext uri="{FF2B5EF4-FFF2-40B4-BE49-F238E27FC236}">
+                  <a16:creationId xmlns:a16="http://schemas.microsoft.com/office/drawing/2014/main" id="{FC769520-E47C-6FB9-94C4-014801685C6B}"/>
+                </a:ext>
+              </a:extLst>
+            </p:cNvPr>
+            <p:cNvGrpSpPr/>
+            <p:nvPr/>
+          </p:nvGrpSpPr>
+          <p:grpSpPr>
+            <a:xfrm>
+              <a:off x="4572710" y="1427765"/>
+              <a:ext cx="378848" cy="380844"/>
+              <a:chOff x="2838875" y="4675127"/>
+              <a:chExt cx="646319" cy="646319"/>
+            </a:xfrm>
+          </p:grpSpPr>
+          <p:sp>
+            <p:nvSpPr>
+              <p:cNvPr id="25" name="Rechteck 24">
+                <a:extLst>
+                  <a:ext uri="{FF2B5EF4-FFF2-40B4-BE49-F238E27FC236}">
+                    <a16:creationId xmlns:a16="http://schemas.microsoft.com/office/drawing/2014/main" id="{120A1C23-915C-ECFE-6675-C676E5E83C11}"/>
+                  </a:ext>
+                </a:extLst>
+              </p:cNvPr>
+              <p:cNvSpPr/>
+              <p:nvPr/>
+            </p:nvSpPr>
+            <p:spPr>
+              <a:xfrm>
+                <a:off x="2899317" y="4817327"/>
+                <a:ext cx="520390" cy="356840"/>
+              </a:xfrm>
+              <a:prstGeom prst="rect">
+                <a:avLst/>
+              </a:prstGeom>
+              <a:solidFill>
+                <a:schemeClr val="bg1"/>
+              </a:solidFill>
+              <a:ln>
+                <a:noFill/>
+              </a:ln>
+            </p:spPr>
+            <p:style>
+              <a:lnRef idx="2">
+                <a:schemeClr val="accent1">
+                  <a:shade val="15000"/>
+                </a:schemeClr>
+              </a:lnRef>
+              <a:fillRef idx="1">
+                <a:schemeClr val="accent1"/>
+              </a:fillRef>
+              <a:effectRef idx="0">
+                <a:schemeClr val="accent1"/>
+              </a:effectRef>
+              <a:fontRef idx="minor">
+                <a:schemeClr val="lt1"/>
+              </a:fontRef>
+            </p:style>
+            <p:txBody>
+              <a:bodyPr rtlCol="0" anchor="ctr"/>
+              <a:lstStyle/>
+              <a:p>
+                <a:pPr algn="ctr"/>
+                <a:endParaRPr lang="de-DE" dirty="0"/>
+              </a:p>
+            </p:txBody>
+          </p:sp>
+          <p:pic>
+            <p:nvPicPr>
+              <p:cNvPr id="26" name="Grafik 25" descr="Tabelle mit einfarbiger Füllung">
+                <a:extLst>
+                  <a:ext uri="{FF2B5EF4-FFF2-40B4-BE49-F238E27FC236}">
+                    <a16:creationId xmlns:a16="http://schemas.microsoft.com/office/drawing/2014/main" id="{D20034AC-24D8-B66E-3EAE-EB6E1ED9DD3C}"/>
+                  </a:ext>
+                </a:extLst>
+              </p:cNvPr>
+              <p:cNvPicPr>
+                <a:picLocks noChangeAspect="1"/>
+              </p:cNvPicPr>
+              <p:nvPr/>
+            </p:nvPicPr>
+            <p:blipFill>
+              <a:blip r:embed="rId14">
+                <a:alphaModFix/>
+                <a:extLst>
+                  <a:ext uri="{96DAC541-7B7A-43D3-8B79-37D633B846F1}">
+                    <asvg:svgBlip xmlns:asvg="http://schemas.microsoft.com/office/drawing/2016/SVG/main" r:embed="rId15"/>
+                  </a:ext>
+                </a:extLst>
+              </a:blip>
+              <a:stretch>
+                <a:fillRect/>
+              </a:stretch>
+            </p:blipFill>
+            <p:spPr>
+              <a:xfrm>
+                <a:off x="2838875" y="4675127"/>
+                <a:ext cx="646319" cy="646319"/>
+              </a:xfrm>
+              <a:prstGeom prst="rect">
+                <a:avLst/>
+              </a:prstGeom>
+            </p:spPr>
+          </p:pic>
+        </p:grpSp>
+        <p:pic>
+          <p:nvPicPr>
+            <p:cNvPr id="24" name="Grafik 23" descr="Übertragen mit einfarbiger Füllung">
+              <a:extLst>
+                <a:ext uri="{FF2B5EF4-FFF2-40B4-BE49-F238E27FC236}">
+                  <a16:creationId xmlns:a16="http://schemas.microsoft.com/office/drawing/2014/main" id="{081F7966-6048-2000-F62E-B9B857F30431}"/>
+                </a:ext>
+              </a:extLst>
+            </p:cNvPr>
+            <p:cNvPicPr>
+              <a:picLocks noChangeAspect="1"/>
+            </p:cNvPicPr>
+            <p:nvPr/>
+          </p:nvPicPr>
+          <p:blipFill>
+            <a:blip r:embed="rId16">
+              <a:extLst>
+                <a:ext uri="{96DAC541-7B7A-43D3-8B79-37D633B846F1}">
+                  <asvg:svgBlip xmlns:asvg="http://schemas.microsoft.com/office/drawing/2016/SVG/main" r:embed="rId17"/>
+                </a:ext>
+              </a:extLst>
+            </a:blip>
+            <a:stretch>
+              <a:fillRect/>
+            </a:stretch>
+          </p:blipFill>
+          <p:spPr>
+            <a:xfrm>
+              <a:off x="4654563" y="1528265"/>
+              <a:ext cx="193559" cy="193559"/>
+            </a:xfrm>
+            <a:prstGeom prst="rect">
+              <a:avLst/>
+            </a:prstGeom>
+          </p:spPr>
+        </p:pic>
+      </p:grpSp>
+      <p:grpSp>
+        <p:nvGrpSpPr>
+          <p:cNvPr id="31" name="Gruppieren 30">
+            <a:extLst>
+              <a:ext uri="{FF2B5EF4-FFF2-40B4-BE49-F238E27FC236}">
+                <a16:creationId xmlns:a16="http://schemas.microsoft.com/office/drawing/2014/main" id="{57D22D98-BEC9-2BCC-C30D-01D252D33260}"/>
+              </a:ext>
+            </a:extLst>
+          </p:cNvPr>
+          <p:cNvGrpSpPr/>
+          <p:nvPr/>
+        </p:nvGrpSpPr>
+        <p:grpSpPr>
+          <a:xfrm>
+            <a:off x="8197796" y="1412881"/>
+            <a:ext cx="378848" cy="380844"/>
+            <a:chOff x="4572710" y="1427765"/>
+            <a:chExt cx="378848" cy="380844"/>
+          </a:xfrm>
+        </p:grpSpPr>
+        <p:grpSp>
+          <p:nvGrpSpPr>
+            <p:cNvPr id="32" name="Gruppieren 31">
+              <a:extLst>
+                <a:ext uri="{FF2B5EF4-FFF2-40B4-BE49-F238E27FC236}">
+                  <a16:creationId xmlns:a16="http://schemas.microsoft.com/office/drawing/2014/main" id="{5FF1C6A3-F638-2052-2533-209F314D85E8}"/>
+                </a:ext>
+              </a:extLst>
+            </p:cNvPr>
+            <p:cNvGrpSpPr/>
+            <p:nvPr/>
+          </p:nvGrpSpPr>
+          <p:grpSpPr>
+            <a:xfrm>
+              <a:off x="4572710" y="1427765"/>
+              <a:ext cx="378848" cy="380844"/>
+              <a:chOff x="2838875" y="4675127"/>
+              <a:chExt cx="646319" cy="646319"/>
+            </a:xfrm>
+          </p:grpSpPr>
+          <p:sp>
+            <p:nvSpPr>
+              <p:cNvPr id="35" name="Rechteck 34">
+                <a:extLst>
+                  <a:ext uri="{FF2B5EF4-FFF2-40B4-BE49-F238E27FC236}">
+                    <a16:creationId xmlns:a16="http://schemas.microsoft.com/office/drawing/2014/main" id="{22742BD9-F86D-7FDB-392A-C01841A39C6A}"/>
+                  </a:ext>
+                </a:extLst>
+              </p:cNvPr>
+              <p:cNvSpPr/>
+              <p:nvPr/>
+            </p:nvSpPr>
+            <p:spPr>
+              <a:xfrm>
+                <a:off x="2899317" y="4817327"/>
+                <a:ext cx="520390" cy="356840"/>
+              </a:xfrm>
+              <a:prstGeom prst="rect">
+                <a:avLst/>
+              </a:prstGeom>
+              <a:solidFill>
+                <a:schemeClr val="bg1"/>
+              </a:solidFill>
+              <a:ln>
+                <a:noFill/>
+              </a:ln>
+            </p:spPr>
+            <p:style>
+              <a:lnRef idx="2">
+                <a:schemeClr val="accent1">
+                  <a:shade val="15000"/>
+                </a:schemeClr>
+              </a:lnRef>
+              <a:fillRef idx="1">
+                <a:schemeClr val="accent1"/>
+              </a:fillRef>
+              <a:effectRef idx="0">
+                <a:schemeClr val="accent1"/>
+              </a:effectRef>
+              <a:fontRef idx="minor">
+                <a:schemeClr val="lt1"/>
+              </a:fontRef>
+            </p:style>
+            <p:txBody>
+              <a:bodyPr rtlCol="0" anchor="ctr"/>
+              <a:lstStyle/>
+              <a:p>
+                <a:pPr algn="ctr"/>
+                <a:endParaRPr lang="de-DE" dirty="0"/>
+              </a:p>
+            </p:txBody>
+          </p:sp>
+          <p:pic>
+            <p:nvPicPr>
+              <p:cNvPr id="38" name="Grafik 37" descr="Tabelle mit einfarbiger Füllung">
+                <a:extLst>
+                  <a:ext uri="{FF2B5EF4-FFF2-40B4-BE49-F238E27FC236}">
+                    <a16:creationId xmlns:a16="http://schemas.microsoft.com/office/drawing/2014/main" id="{2AC0969A-DF5C-7327-7684-C884613EDCE6}"/>
+                  </a:ext>
+                </a:extLst>
+              </p:cNvPr>
+              <p:cNvPicPr>
+                <a:picLocks noChangeAspect="1"/>
+              </p:cNvPicPr>
+              <p:nvPr/>
+            </p:nvPicPr>
+            <p:blipFill>
+              <a:blip r:embed="rId14">
+                <a:alphaModFix/>
+                <a:extLst>
+                  <a:ext uri="{96DAC541-7B7A-43D3-8B79-37D633B846F1}">
+                    <asvg:svgBlip xmlns:asvg="http://schemas.microsoft.com/office/drawing/2016/SVG/main" r:embed="rId15"/>
+                  </a:ext>
+                </a:extLst>
+              </a:blip>
+              <a:stretch>
+                <a:fillRect/>
+              </a:stretch>
+            </p:blipFill>
+            <p:spPr>
+              <a:xfrm>
+                <a:off x="2838875" y="4675127"/>
+                <a:ext cx="646319" cy="646319"/>
+              </a:xfrm>
+              <a:prstGeom prst="rect">
+                <a:avLst/>
+              </a:prstGeom>
+            </p:spPr>
+          </p:pic>
+        </p:grpSp>
+        <p:pic>
+          <p:nvPicPr>
+            <p:cNvPr id="34" name="Grafik 33" descr="Übertragen mit einfarbiger Füllung">
+              <a:extLst>
+                <a:ext uri="{FF2B5EF4-FFF2-40B4-BE49-F238E27FC236}">
+                  <a16:creationId xmlns:a16="http://schemas.microsoft.com/office/drawing/2014/main" id="{909F9CCF-F419-6607-70A0-15C5E1A520FF}"/>
+                </a:ext>
+              </a:extLst>
+            </p:cNvPr>
+            <p:cNvPicPr>
+              <a:picLocks noChangeAspect="1"/>
+            </p:cNvPicPr>
+            <p:nvPr/>
+          </p:nvPicPr>
+          <p:blipFill>
+            <a:blip r:embed="rId16">
+              <a:extLst>
+                <a:ext uri="{96DAC541-7B7A-43D3-8B79-37D633B846F1}">
+                  <asvg:svgBlip xmlns:asvg="http://schemas.microsoft.com/office/drawing/2016/SVG/main" r:embed="rId17"/>
+                </a:ext>
+              </a:extLst>
+            </a:blip>
+            <a:stretch>
+              <a:fillRect/>
+            </a:stretch>
+          </p:blipFill>
+          <p:spPr>
+            <a:xfrm>
+              <a:off x="4654563" y="1528265"/>
+              <a:ext cx="193559" cy="193559"/>
+            </a:xfrm>
+            <a:prstGeom prst="rect">
+              <a:avLst/>
+            </a:prstGeom>
+          </p:spPr>
+        </p:pic>
+      </p:grpSp>
+    </p:spTree>
+    <p:extLst>
+      <p:ext uri="{BB962C8B-B14F-4D97-AF65-F5344CB8AC3E}">
+        <p14:creationId xmlns:p14="http://schemas.microsoft.com/office/powerpoint/2010/main" val="3429052635"/>
       </p:ext>
     </p:extLst>
   </p:cSld>
